--- a/Lesson8/8_MarkovProcesses.pptx
+++ b/Lesson8/8_MarkovProcesses.pptx
@@ -5,7 +5,7 @@
     <p:sldMasterId id="2147483648" r:id="rId1"/>
   </p:sldMasterIdLst>
   <p:notesMasterIdLst>
-    <p:notesMasterId r:id="rId33"/>
+    <p:notesMasterId r:id="rId24"/>
   </p:notesMasterIdLst>
   <p:sldIdLst>
     <p:sldId id="357" r:id="rId2"/>
@@ -30,15 +30,6 @@
     <p:sldId id="261" r:id="rId21"/>
     <p:sldId id="270" r:id="rId22"/>
     <p:sldId id="272" r:id="rId23"/>
-    <p:sldId id="369" r:id="rId24"/>
-    <p:sldId id="358" r:id="rId25"/>
-    <p:sldId id="359" r:id="rId26"/>
-    <p:sldId id="360" r:id="rId27"/>
-    <p:sldId id="361" r:id="rId28"/>
-    <p:sldId id="362" r:id="rId29"/>
-    <p:sldId id="283" r:id="rId30"/>
-    <p:sldId id="363" r:id="rId31"/>
-    <p:sldId id="364" r:id="rId32"/>
   </p:sldIdLst>
   <p:sldSz cx="12192000" cy="6858000"/>
   <p:notesSz cx="6858000" cy="9144000"/>
@@ -14257,8 +14248,8 @@
         </p:blipFill>
         <p:spPr>
           <a:xfrm>
-            <a:off x="2477182" y="2278874"/>
-            <a:ext cx="6720113" cy="612607"/>
+            <a:off x="2477182" y="2278875"/>
+            <a:ext cx="5963787" cy="543660"/>
           </a:xfrm>
           <a:prstGeom prst="rect">
             <a:avLst/>
@@ -14288,7 +14279,7 @@
         <p:spPr>
           <a:xfrm>
             <a:off x="2260939" y="3355017"/>
-            <a:ext cx="7495674" cy="596136"/>
+            <a:ext cx="6850896" cy="544856"/>
           </a:xfrm>
           <a:prstGeom prst="rect">
             <a:avLst/>
@@ -14317,7 +14308,7 @@
         </p:blipFill>
         <p:spPr>
           <a:xfrm>
-            <a:off x="2823776" y="5088157"/>
+            <a:off x="2382658" y="5097347"/>
             <a:ext cx="4244289" cy="462855"/>
           </a:xfrm>
           <a:prstGeom prst="rect">
@@ -14702,7421 +14693,6 @@
 </p:sld>
 </file>
 
-<file path=ppt/slides/slide23.xml><?xml version="1.0" encoding="utf-8"?>
-<p:sld xmlns:a="http://schemas.openxmlformats.org/drawingml/2006/main" xmlns:r="http://schemas.openxmlformats.org/officeDocument/2006/relationships" xmlns:p="http://schemas.openxmlformats.org/presentationml/2006/main">
-  <p:cSld>
-    <p:spTree>
-      <p:nvGrpSpPr>
-        <p:cNvPr id="1" name=""/>
-        <p:cNvGrpSpPr/>
-        <p:nvPr/>
-      </p:nvGrpSpPr>
-      <p:grpSpPr>
-        <a:xfrm>
-          <a:off x="0" y="0"/>
-          <a:ext cx="0" cy="0"/>
-          <a:chOff x="0" y="0"/>
-          <a:chExt cx="0" cy="0"/>
-        </a:xfrm>
-      </p:grpSpPr>
-      <p:sp>
-        <p:nvSpPr>
-          <p:cNvPr id="4" name="Title 3">
-            <a:extLst>
-              <a:ext uri="{FF2B5EF4-FFF2-40B4-BE49-F238E27FC236}">
-                <a16:creationId xmlns:a16="http://schemas.microsoft.com/office/drawing/2014/main" id="{07E948ED-62AA-55B1-87F9-2B94E7D4F2A6}"/>
-              </a:ext>
-            </a:extLst>
-          </p:cNvPr>
-          <p:cNvSpPr>
-            <a:spLocks noGrp="1"/>
-          </p:cNvSpPr>
-          <p:nvPr>
-            <p:ph type="title"/>
-          </p:nvPr>
-        </p:nvSpPr>
-        <p:spPr/>
-        <p:txBody>
-          <a:bodyPr/>
-          <a:lstStyle/>
-          <a:p>
-            <a:r>
-              <a:rPr lang="en-US" dirty="0">
-                <a:latin typeface="+mn-lt"/>
-              </a:rPr>
-              <a:t>Policy Improvement</a:t>
-            </a:r>
-          </a:p>
-        </p:txBody>
-      </p:sp>
-    </p:spTree>
-    <p:extLst>
-      <p:ext uri="{BB962C8B-B14F-4D97-AF65-F5344CB8AC3E}">
-        <p14:creationId xmlns:p14="http://schemas.microsoft.com/office/powerpoint/2010/main" val="2398002357"/>
-      </p:ext>
-    </p:extLst>
-  </p:cSld>
-  <p:clrMapOvr>
-    <a:masterClrMapping/>
-  </p:clrMapOvr>
-</p:sld>
-</file>
-
-<file path=ppt/slides/slide24.xml><?xml version="1.0" encoding="utf-8"?>
-<p:sld xmlns:a="http://schemas.openxmlformats.org/drawingml/2006/main" xmlns:r="http://schemas.openxmlformats.org/officeDocument/2006/relationships" xmlns:p="http://schemas.openxmlformats.org/presentationml/2006/main">
-  <p:cSld>
-    <p:spTree>
-      <p:nvGrpSpPr>
-        <p:cNvPr id="1" name=""/>
-        <p:cNvGrpSpPr/>
-        <p:nvPr/>
-      </p:nvGrpSpPr>
-      <p:grpSpPr>
-        <a:xfrm>
-          <a:off x="0" y="0"/>
-          <a:ext cx="0" cy="0"/>
-          <a:chOff x="0" y="0"/>
-          <a:chExt cx="0" cy="0"/>
-        </a:xfrm>
-      </p:grpSpPr>
-      <p:sp>
-        <p:nvSpPr>
-          <p:cNvPr id="2" name="Title 1">
-            <a:extLst>
-              <a:ext uri="{FF2B5EF4-FFF2-40B4-BE49-F238E27FC236}">
-                <a16:creationId xmlns:a16="http://schemas.microsoft.com/office/drawing/2014/main" id="{B889B93B-7036-425E-A49B-9916EB3D73FA}"/>
-              </a:ext>
-            </a:extLst>
-          </p:cNvPr>
-          <p:cNvSpPr>
-            <a:spLocks noGrp="1"/>
-          </p:cNvSpPr>
-          <p:nvPr>
-            <p:ph type="title"/>
-          </p:nvPr>
-        </p:nvSpPr>
-        <p:spPr>
-          <a:xfrm>
-            <a:off x="838200" y="225166"/>
-            <a:ext cx="10515600" cy="721891"/>
-          </a:xfrm>
-        </p:spPr>
-        <p:txBody>
-          <a:bodyPr/>
-          <a:lstStyle/>
-          <a:p>
-            <a:r>
-              <a:rPr lang="en-US" dirty="0">
-                <a:latin typeface="+mn-lt"/>
-              </a:rPr>
-              <a:t>Policy Evaluation</a:t>
-            </a:r>
-          </a:p>
-        </p:txBody>
-      </p:sp>
-      <p:sp>
-        <p:nvSpPr>
-          <p:cNvPr id="3" name="Content Placeholder 2">
-            <a:extLst>
-              <a:ext uri="{FF2B5EF4-FFF2-40B4-BE49-F238E27FC236}">
-                <a16:creationId xmlns:a16="http://schemas.microsoft.com/office/drawing/2014/main" id="{9794B700-D789-41A3-A534-0A77F6C4DEE8}"/>
-              </a:ext>
-            </a:extLst>
-          </p:cNvPr>
-          <p:cNvSpPr>
-            <a:spLocks noGrp="1"/>
-          </p:cNvSpPr>
-          <p:nvPr>
-            <p:ph idx="1"/>
-          </p:nvPr>
-        </p:nvSpPr>
-        <p:spPr>
-          <a:xfrm>
-            <a:off x="838200" y="1126210"/>
-            <a:ext cx="10515600" cy="5336583"/>
-          </a:xfrm>
-        </p:spPr>
-        <p:txBody>
-          <a:bodyPr>
-            <a:normAutofit/>
-          </a:bodyPr>
-          <a:lstStyle/>
-          <a:p>
-            <a:r>
-              <a:rPr lang="en-US" dirty="0"/>
-              <a:t>We want our intelligent agent to follow an </a:t>
-            </a:r>
-            <a:r>
-              <a:rPr lang="en-US" b="1" dirty="0"/>
-              <a:t>optimal policy</a:t>
-            </a:r>
-          </a:p>
-          <a:p>
-            <a:r>
-              <a:rPr lang="en-US" b="1" dirty="0"/>
-              <a:t>Policy evaluation </a:t>
-            </a:r>
-            <a:r>
-              <a:rPr lang="en-US" dirty="0"/>
-              <a:t>is needed to compare policies</a:t>
-            </a:r>
-          </a:p>
-          <a:p>
-            <a:r>
-              <a:rPr lang="en-US" dirty="0"/>
-              <a:t>Can evaluate policy by value:</a:t>
-            </a:r>
-          </a:p>
-          <a:p>
-            <a:pPr lvl="1"/>
-            <a:r>
-              <a:rPr lang="en-US" sz="2800" b="1" dirty="0"/>
-              <a:t>State value</a:t>
-            </a:r>
-            <a:r>
-              <a:rPr lang="en-US" sz="2800" dirty="0"/>
-              <a:t>: expected value of being in a state</a:t>
-            </a:r>
-          </a:p>
-          <a:p>
-            <a:pPr lvl="1"/>
-            <a:r>
-              <a:rPr lang="en-US" sz="2800" b="1" dirty="0"/>
-              <a:t>Action value</a:t>
-            </a:r>
-            <a:r>
-              <a:rPr lang="en-US" sz="2800" dirty="0"/>
-              <a:t>: expected value of taking an action in a given state</a:t>
-            </a:r>
-          </a:p>
-        </p:txBody>
-      </p:sp>
-    </p:spTree>
-    <p:extLst>
-      <p:ext uri="{BB962C8B-B14F-4D97-AF65-F5344CB8AC3E}">
-        <p14:creationId xmlns:p14="http://schemas.microsoft.com/office/powerpoint/2010/main" val="3875172471"/>
-      </p:ext>
-    </p:extLst>
-  </p:cSld>
-  <p:clrMapOvr>
-    <a:masterClrMapping/>
-  </p:clrMapOvr>
-  <p:timing>
-    <p:tnLst>
-      <p:par>
-        <p:cTn id="1" dur="indefinite" restart="never" nodeType="tmRoot">
-          <p:childTnLst>
-            <p:seq concurrent="1" nextAc="seek">
-              <p:cTn id="2" dur="indefinite" nodeType="mainSeq">
-                <p:childTnLst>
-                  <p:par>
-                    <p:cTn id="3" fill="hold">
-                      <p:stCondLst>
-                        <p:cond delay="indefinite"/>
-                      </p:stCondLst>
-                      <p:childTnLst>
-                        <p:par>
-                          <p:cTn id="4" fill="hold">
-                            <p:stCondLst>
-                              <p:cond delay="0"/>
-                            </p:stCondLst>
-                            <p:childTnLst>
-                              <p:par>
-                                <p:cTn id="5" presetID="1" presetClass="entr" presetSubtype="0" fill="hold" nodeType="clickEffect">
-                                  <p:stCondLst>
-                                    <p:cond delay="0"/>
-                                  </p:stCondLst>
-                                  <p:childTnLst>
-                                    <p:set>
-                                      <p:cBhvr>
-                                        <p:cTn id="6" dur="1" fill="hold">
-                                          <p:stCondLst>
-                                            <p:cond delay="0"/>
-                                          </p:stCondLst>
-                                        </p:cTn>
-                                        <p:tgtEl>
-                                          <p:spTgt spid="3">
-                                            <p:txEl>
-                                              <p:pRg st="0" end="0"/>
-                                            </p:txEl>
-                                          </p:spTgt>
-                                        </p:tgtEl>
-                                        <p:attrNameLst>
-                                          <p:attrName>style.visibility</p:attrName>
-                                        </p:attrNameLst>
-                                      </p:cBhvr>
-                                      <p:to>
-                                        <p:strVal val="visible"/>
-                                      </p:to>
-                                    </p:set>
-                                  </p:childTnLst>
-                                </p:cTn>
-                              </p:par>
-                            </p:childTnLst>
-                          </p:cTn>
-                        </p:par>
-                      </p:childTnLst>
-                    </p:cTn>
-                  </p:par>
-                  <p:par>
-                    <p:cTn id="7" fill="hold">
-                      <p:stCondLst>
-                        <p:cond delay="indefinite"/>
-                      </p:stCondLst>
-                      <p:childTnLst>
-                        <p:par>
-                          <p:cTn id="8" fill="hold">
-                            <p:stCondLst>
-                              <p:cond delay="0"/>
-                            </p:stCondLst>
-                            <p:childTnLst>
-                              <p:par>
-                                <p:cTn id="9" presetID="1" presetClass="entr" presetSubtype="0" fill="hold" nodeType="clickEffect">
-                                  <p:stCondLst>
-                                    <p:cond delay="0"/>
-                                  </p:stCondLst>
-                                  <p:childTnLst>
-                                    <p:set>
-                                      <p:cBhvr>
-                                        <p:cTn id="10" dur="1" fill="hold">
-                                          <p:stCondLst>
-                                            <p:cond delay="0"/>
-                                          </p:stCondLst>
-                                        </p:cTn>
-                                        <p:tgtEl>
-                                          <p:spTgt spid="3">
-                                            <p:txEl>
-                                              <p:pRg st="1" end="1"/>
-                                            </p:txEl>
-                                          </p:spTgt>
-                                        </p:tgtEl>
-                                        <p:attrNameLst>
-                                          <p:attrName>style.visibility</p:attrName>
-                                        </p:attrNameLst>
-                                      </p:cBhvr>
-                                      <p:to>
-                                        <p:strVal val="visible"/>
-                                      </p:to>
-                                    </p:set>
-                                  </p:childTnLst>
-                                </p:cTn>
-                              </p:par>
-                            </p:childTnLst>
-                          </p:cTn>
-                        </p:par>
-                      </p:childTnLst>
-                    </p:cTn>
-                  </p:par>
-                  <p:par>
-                    <p:cTn id="11" fill="hold">
-                      <p:stCondLst>
-                        <p:cond delay="indefinite"/>
-                      </p:stCondLst>
-                      <p:childTnLst>
-                        <p:par>
-                          <p:cTn id="12" fill="hold">
-                            <p:stCondLst>
-                              <p:cond delay="0"/>
-                            </p:stCondLst>
-                            <p:childTnLst>
-                              <p:par>
-                                <p:cTn id="13" presetID="1" presetClass="entr" presetSubtype="0" fill="hold" nodeType="clickEffect">
-                                  <p:stCondLst>
-                                    <p:cond delay="0"/>
-                                  </p:stCondLst>
-                                  <p:childTnLst>
-                                    <p:set>
-                                      <p:cBhvr>
-                                        <p:cTn id="14" dur="1" fill="hold">
-                                          <p:stCondLst>
-                                            <p:cond delay="0"/>
-                                          </p:stCondLst>
-                                        </p:cTn>
-                                        <p:tgtEl>
-                                          <p:spTgt spid="3">
-                                            <p:txEl>
-                                              <p:pRg st="2" end="2"/>
-                                            </p:txEl>
-                                          </p:spTgt>
-                                        </p:tgtEl>
-                                        <p:attrNameLst>
-                                          <p:attrName>style.visibility</p:attrName>
-                                        </p:attrNameLst>
-                                      </p:cBhvr>
-                                      <p:to>
-                                        <p:strVal val="visible"/>
-                                      </p:to>
-                                    </p:set>
-                                  </p:childTnLst>
-                                </p:cTn>
-                              </p:par>
-                            </p:childTnLst>
-                          </p:cTn>
-                        </p:par>
-                      </p:childTnLst>
-                    </p:cTn>
-                  </p:par>
-                  <p:par>
-                    <p:cTn id="15" fill="hold">
-                      <p:stCondLst>
-                        <p:cond delay="indefinite"/>
-                      </p:stCondLst>
-                      <p:childTnLst>
-                        <p:par>
-                          <p:cTn id="16" fill="hold">
-                            <p:stCondLst>
-                              <p:cond delay="0"/>
-                            </p:stCondLst>
-                            <p:childTnLst>
-                              <p:par>
-                                <p:cTn id="17" presetID="1" presetClass="entr" presetSubtype="0" fill="hold" nodeType="clickEffect">
-                                  <p:stCondLst>
-                                    <p:cond delay="0"/>
-                                  </p:stCondLst>
-                                  <p:childTnLst>
-                                    <p:set>
-                                      <p:cBhvr>
-                                        <p:cTn id="18" dur="1" fill="hold">
-                                          <p:stCondLst>
-                                            <p:cond delay="0"/>
-                                          </p:stCondLst>
-                                        </p:cTn>
-                                        <p:tgtEl>
-                                          <p:spTgt spid="3">
-                                            <p:txEl>
-                                              <p:pRg st="3" end="3"/>
-                                            </p:txEl>
-                                          </p:spTgt>
-                                        </p:tgtEl>
-                                        <p:attrNameLst>
-                                          <p:attrName>style.visibility</p:attrName>
-                                        </p:attrNameLst>
-                                      </p:cBhvr>
-                                      <p:to>
-                                        <p:strVal val="visible"/>
-                                      </p:to>
-                                    </p:set>
-                                  </p:childTnLst>
-                                </p:cTn>
-                              </p:par>
-                            </p:childTnLst>
-                          </p:cTn>
-                        </p:par>
-                      </p:childTnLst>
-                    </p:cTn>
-                  </p:par>
-                  <p:par>
-                    <p:cTn id="19" fill="hold">
-                      <p:stCondLst>
-                        <p:cond delay="indefinite"/>
-                      </p:stCondLst>
-                      <p:childTnLst>
-                        <p:par>
-                          <p:cTn id="20" fill="hold">
-                            <p:stCondLst>
-                              <p:cond delay="0"/>
-                            </p:stCondLst>
-                            <p:childTnLst>
-                              <p:par>
-                                <p:cTn id="21" presetID="1" presetClass="entr" presetSubtype="0" fill="hold" nodeType="clickEffect">
-                                  <p:stCondLst>
-                                    <p:cond delay="0"/>
-                                  </p:stCondLst>
-                                  <p:childTnLst>
-                                    <p:set>
-                                      <p:cBhvr>
-                                        <p:cTn id="22" dur="1" fill="hold">
-                                          <p:stCondLst>
-                                            <p:cond delay="0"/>
-                                          </p:stCondLst>
-                                        </p:cTn>
-                                        <p:tgtEl>
-                                          <p:spTgt spid="3">
-                                            <p:txEl>
-                                              <p:pRg st="4" end="4"/>
-                                            </p:txEl>
-                                          </p:spTgt>
-                                        </p:tgtEl>
-                                        <p:attrNameLst>
-                                          <p:attrName>style.visibility</p:attrName>
-                                        </p:attrNameLst>
-                                      </p:cBhvr>
-                                      <p:to>
-                                        <p:strVal val="visible"/>
-                                      </p:to>
-                                    </p:set>
-                                  </p:childTnLst>
-                                </p:cTn>
-                              </p:par>
-                            </p:childTnLst>
-                          </p:cTn>
-                        </p:par>
-                      </p:childTnLst>
-                    </p:cTn>
-                  </p:par>
-                </p:childTnLst>
-              </p:cTn>
-              <p:prevCondLst>
-                <p:cond evt="onPrev" delay="0">
-                  <p:tgtEl>
-                    <p:sldTgt/>
-                  </p:tgtEl>
-                </p:cond>
-              </p:prevCondLst>
-              <p:nextCondLst>
-                <p:cond evt="onNext" delay="0">
-                  <p:tgtEl>
-                    <p:sldTgt/>
-                  </p:tgtEl>
-                </p:cond>
-              </p:nextCondLst>
-            </p:seq>
-          </p:childTnLst>
-        </p:cTn>
-      </p:par>
-    </p:tnLst>
-  </p:timing>
-</p:sld>
-</file>
-
-<file path=ppt/slides/slide25.xml><?xml version="1.0" encoding="utf-8"?>
-<p:sld xmlns:a="http://schemas.openxmlformats.org/drawingml/2006/main" xmlns:r="http://schemas.openxmlformats.org/officeDocument/2006/relationships" xmlns:p="http://schemas.openxmlformats.org/presentationml/2006/main">
-  <p:cSld>
-    <p:spTree>
-      <p:nvGrpSpPr>
-        <p:cNvPr id="1" name=""/>
-        <p:cNvGrpSpPr/>
-        <p:nvPr/>
-      </p:nvGrpSpPr>
-      <p:grpSpPr>
-        <a:xfrm>
-          <a:off x="0" y="0"/>
-          <a:ext cx="0" cy="0"/>
-          <a:chOff x="0" y="0"/>
-          <a:chExt cx="0" cy="0"/>
-        </a:xfrm>
-      </p:grpSpPr>
-      <p:sp>
-        <p:nvSpPr>
-          <p:cNvPr id="2" name="Title 1">
-            <a:extLst>
-              <a:ext uri="{FF2B5EF4-FFF2-40B4-BE49-F238E27FC236}">
-                <a16:creationId xmlns:a16="http://schemas.microsoft.com/office/drawing/2014/main" id="{B889B93B-7036-425E-A49B-9916EB3D73FA}"/>
-              </a:ext>
-            </a:extLst>
-          </p:cNvPr>
-          <p:cNvSpPr>
-            <a:spLocks noGrp="1"/>
-          </p:cNvSpPr>
-          <p:nvPr>
-            <p:ph type="title"/>
-          </p:nvPr>
-        </p:nvSpPr>
-        <p:spPr>
-          <a:xfrm>
-            <a:off x="838200" y="225166"/>
-            <a:ext cx="10515600" cy="721891"/>
-          </a:xfrm>
-        </p:spPr>
-        <p:txBody>
-          <a:bodyPr/>
-          <a:lstStyle/>
-          <a:p>
-            <a:r>
-              <a:rPr lang="en-US" dirty="0">
-                <a:latin typeface="+mn-lt"/>
-              </a:rPr>
-              <a:t>State Value Policy Evaluation</a:t>
-            </a:r>
-          </a:p>
-        </p:txBody>
-      </p:sp>
-      <p:sp>
-        <p:nvSpPr>
-          <p:cNvPr id="3" name="Content Placeholder 2">
-            <a:extLst>
-              <a:ext uri="{FF2B5EF4-FFF2-40B4-BE49-F238E27FC236}">
-                <a16:creationId xmlns:a16="http://schemas.microsoft.com/office/drawing/2014/main" id="{9794B700-D789-41A3-A534-0A77F6C4DEE8}"/>
-              </a:ext>
-            </a:extLst>
-          </p:cNvPr>
-          <p:cNvSpPr>
-            <a:spLocks noGrp="1"/>
-          </p:cNvSpPr>
-          <p:nvPr>
-            <p:ph idx="1"/>
-          </p:nvPr>
-        </p:nvSpPr>
-        <p:spPr>
-          <a:xfrm>
-            <a:off x="829102" y="947058"/>
-            <a:ext cx="10515600" cy="5761396"/>
-          </a:xfrm>
-        </p:spPr>
-        <p:txBody>
-          <a:bodyPr>
-            <a:normAutofit/>
-          </a:bodyPr>
-          <a:lstStyle/>
-          <a:p>
-            <a:r>
-              <a:rPr lang="en-US" b="1" dirty="0"/>
-              <a:t>Bellman</a:t>
-            </a:r>
-            <a:r>
-              <a:rPr lang="en-US" dirty="0"/>
-              <a:t> </a:t>
-            </a:r>
-            <a:r>
-              <a:rPr lang="en-US" b="1" dirty="0"/>
-              <a:t>value equations </a:t>
-            </a:r>
-            <a:r>
-              <a:rPr lang="en-US" dirty="0"/>
-              <a:t>are fundamental to computing expected state-values</a:t>
-            </a:r>
-          </a:p>
-          <a:p>
-            <a:r>
-              <a:rPr lang="en-US" dirty="0"/>
-              <a:t>Recall that a first order Markov process depends only on the current state, </a:t>
-            </a:r>
-            <a:r>
-              <a:rPr lang="en-US" i="1" dirty="0"/>
-              <a:t>s</a:t>
-            </a:r>
-          </a:p>
-          <a:p>
-            <a:r>
-              <a:rPr lang="en-US" dirty="0"/>
-              <a:t>The </a:t>
-            </a:r>
-            <a:r>
-              <a:rPr lang="en-US" b="1" dirty="0"/>
-              <a:t>probability of a state transition, </a:t>
-            </a:r>
-            <a:r>
-              <a:rPr lang="en-US" dirty="0"/>
-              <a:t>and therefore the expected reward, is determined by the </a:t>
-            </a:r>
-            <a:r>
-              <a:rPr lang="en-US" b="1" dirty="0"/>
-              <a:t>policy</a:t>
-            </a:r>
-            <a:r>
-              <a:rPr lang="en-US" dirty="0"/>
-              <a:t>, </a:t>
-            </a:r>
-            <a:r>
-              <a:rPr lang="en-US" dirty="0">
-                <a:latin typeface="Symbol" panose="05050102010706020507" pitchFamily="18" charset="2"/>
-              </a:rPr>
-              <a:t>p</a:t>
-            </a:r>
-            <a:r>
-              <a:rPr lang="en-US" dirty="0"/>
-              <a:t>, and the transition probabilities of the Markov process</a:t>
-            </a:r>
-            <a:endParaRPr lang="en-US" dirty="0">
-              <a:latin typeface="Symbol" panose="05050102010706020507" pitchFamily="18" charset="2"/>
-            </a:endParaRPr>
-          </a:p>
-          <a:p>
-            <a:r>
-              <a:rPr lang="en-US" dirty="0"/>
-              <a:t>We can find the state-value of state s, given a policy </a:t>
-            </a:r>
-            <a:r>
-              <a:rPr lang="en-US" dirty="0">
-                <a:latin typeface="Symbol" panose="05050102010706020507" pitchFamily="18" charset="2"/>
-              </a:rPr>
-              <a:t>p,</a:t>
-            </a:r>
-            <a:r>
-              <a:rPr lang="en-US" dirty="0"/>
-              <a:t> as the expected value of the gain from the Bellman value equation:</a:t>
-            </a:r>
-          </a:p>
-          <a:p>
-            <a:endParaRPr lang="en-US" b="1" dirty="0"/>
-          </a:p>
-          <a:p>
-            <a:pPr marL="0" indent="0">
-              <a:buNone/>
-            </a:pPr>
-            <a:endParaRPr lang="en-US" dirty="0"/>
-          </a:p>
-          <a:p>
-            <a:pPr marL="0" indent="0">
-              <a:buNone/>
-            </a:pPr>
-            <a:r>
-              <a:rPr lang="en-US" dirty="0"/>
-              <a:t>Where </a:t>
-            </a:r>
-          </a:p>
-          <a:p>
-            <a:pPr marL="0" indent="0">
-              <a:buNone/>
-            </a:pPr>
-            <a:endParaRPr lang="en-US" dirty="0"/>
-          </a:p>
-        </p:txBody>
-      </p:sp>
-      <p:pic>
-        <p:nvPicPr>
-          <p:cNvPr id="5" name="Picture 4">
-            <a:extLst>
-              <a:ext uri="{FF2B5EF4-FFF2-40B4-BE49-F238E27FC236}">
-                <a16:creationId xmlns:a16="http://schemas.microsoft.com/office/drawing/2014/main" id="{FB3AB0A3-42C9-4B89-B75C-D57F2D9CDD19}"/>
-              </a:ext>
-            </a:extLst>
-          </p:cNvPr>
-          <p:cNvPicPr>
-            <a:picLocks noChangeAspect="1"/>
-          </p:cNvPicPr>
-          <p:nvPr/>
-        </p:nvPicPr>
-        <p:blipFill>
-          <a:blip r:embed="rId2"/>
-          <a:stretch>
-            <a:fillRect/>
-          </a:stretch>
-        </p:blipFill>
-        <p:spPr>
-          <a:xfrm>
-            <a:off x="2146410" y="5074647"/>
-            <a:ext cx="3940492" cy="519982"/>
-          </a:xfrm>
-          <a:prstGeom prst="rect">
-            <a:avLst/>
-          </a:prstGeom>
-        </p:spPr>
-      </p:pic>
-      <p:pic>
-        <p:nvPicPr>
-          <p:cNvPr id="7" name="Picture 6">
-            <a:extLst>
-              <a:ext uri="{FF2B5EF4-FFF2-40B4-BE49-F238E27FC236}">
-                <a16:creationId xmlns:a16="http://schemas.microsoft.com/office/drawing/2014/main" id="{E11FFD1E-612A-48E6-8B30-6DF8BA471A96}"/>
-              </a:ext>
-            </a:extLst>
-          </p:cNvPr>
-          <p:cNvPicPr>
-            <a:picLocks noChangeAspect="1"/>
-          </p:cNvPicPr>
-          <p:nvPr/>
-        </p:nvPicPr>
-        <p:blipFill>
-          <a:blip r:embed="rId3"/>
-          <a:stretch>
-            <a:fillRect/>
-          </a:stretch>
-        </p:blipFill>
-        <p:spPr>
-          <a:xfrm>
-            <a:off x="2013954" y="5926037"/>
-            <a:ext cx="4917440" cy="451008"/>
-          </a:xfrm>
-          <a:prstGeom prst="rect">
-            <a:avLst/>
-          </a:prstGeom>
-        </p:spPr>
-      </p:pic>
-    </p:spTree>
-    <p:extLst>
-      <p:ext uri="{BB962C8B-B14F-4D97-AF65-F5344CB8AC3E}">
-        <p14:creationId xmlns:p14="http://schemas.microsoft.com/office/powerpoint/2010/main" val="1262237690"/>
-      </p:ext>
-    </p:extLst>
-  </p:cSld>
-  <p:clrMapOvr>
-    <a:masterClrMapping/>
-  </p:clrMapOvr>
-  <p:timing>
-    <p:tnLst>
-      <p:par>
-        <p:cTn id="1" dur="indefinite" restart="never" nodeType="tmRoot">
-          <p:childTnLst>
-            <p:seq concurrent="1" nextAc="seek">
-              <p:cTn id="2" dur="indefinite" nodeType="mainSeq">
-                <p:childTnLst>
-                  <p:par>
-                    <p:cTn id="3" fill="hold">
-                      <p:stCondLst>
-                        <p:cond delay="indefinite"/>
-                      </p:stCondLst>
-                      <p:childTnLst>
-                        <p:par>
-                          <p:cTn id="4" fill="hold">
-                            <p:stCondLst>
-                              <p:cond delay="0"/>
-                            </p:stCondLst>
-                            <p:childTnLst>
-                              <p:par>
-                                <p:cTn id="5" presetID="1" presetClass="entr" presetSubtype="0" fill="hold" nodeType="clickEffect">
-                                  <p:stCondLst>
-                                    <p:cond delay="0"/>
-                                  </p:stCondLst>
-                                  <p:childTnLst>
-                                    <p:set>
-                                      <p:cBhvr>
-                                        <p:cTn id="6" dur="1" fill="hold">
-                                          <p:stCondLst>
-                                            <p:cond delay="0"/>
-                                          </p:stCondLst>
-                                        </p:cTn>
-                                        <p:tgtEl>
-                                          <p:spTgt spid="3">
-                                            <p:txEl>
-                                              <p:pRg st="0" end="0"/>
-                                            </p:txEl>
-                                          </p:spTgt>
-                                        </p:tgtEl>
-                                        <p:attrNameLst>
-                                          <p:attrName>style.visibility</p:attrName>
-                                        </p:attrNameLst>
-                                      </p:cBhvr>
-                                      <p:to>
-                                        <p:strVal val="visible"/>
-                                      </p:to>
-                                    </p:set>
-                                  </p:childTnLst>
-                                </p:cTn>
-                              </p:par>
-                            </p:childTnLst>
-                          </p:cTn>
-                        </p:par>
-                      </p:childTnLst>
-                    </p:cTn>
-                  </p:par>
-                  <p:par>
-                    <p:cTn id="7" fill="hold">
-                      <p:stCondLst>
-                        <p:cond delay="indefinite"/>
-                      </p:stCondLst>
-                      <p:childTnLst>
-                        <p:par>
-                          <p:cTn id="8" fill="hold">
-                            <p:stCondLst>
-                              <p:cond delay="0"/>
-                            </p:stCondLst>
-                            <p:childTnLst>
-                              <p:par>
-                                <p:cTn id="9" presetID="1" presetClass="entr" presetSubtype="0" fill="hold" nodeType="clickEffect">
-                                  <p:stCondLst>
-                                    <p:cond delay="0"/>
-                                  </p:stCondLst>
-                                  <p:childTnLst>
-                                    <p:set>
-                                      <p:cBhvr>
-                                        <p:cTn id="10" dur="1" fill="hold">
-                                          <p:stCondLst>
-                                            <p:cond delay="0"/>
-                                          </p:stCondLst>
-                                        </p:cTn>
-                                        <p:tgtEl>
-                                          <p:spTgt spid="3">
-                                            <p:txEl>
-                                              <p:pRg st="1" end="1"/>
-                                            </p:txEl>
-                                          </p:spTgt>
-                                        </p:tgtEl>
-                                        <p:attrNameLst>
-                                          <p:attrName>style.visibility</p:attrName>
-                                        </p:attrNameLst>
-                                      </p:cBhvr>
-                                      <p:to>
-                                        <p:strVal val="visible"/>
-                                      </p:to>
-                                    </p:set>
-                                  </p:childTnLst>
-                                </p:cTn>
-                              </p:par>
-                            </p:childTnLst>
-                          </p:cTn>
-                        </p:par>
-                      </p:childTnLst>
-                    </p:cTn>
-                  </p:par>
-                  <p:par>
-                    <p:cTn id="11" fill="hold">
-                      <p:stCondLst>
-                        <p:cond delay="indefinite"/>
-                      </p:stCondLst>
-                      <p:childTnLst>
-                        <p:par>
-                          <p:cTn id="12" fill="hold">
-                            <p:stCondLst>
-                              <p:cond delay="0"/>
-                            </p:stCondLst>
-                            <p:childTnLst>
-                              <p:par>
-                                <p:cTn id="13" presetID="1" presetClass="entr" presetSubtype="0" fill="hold" nodeType="clickEffect">
-                                  <p:stCondLst>
-                                    <p:cond delay="0"/>
-                                  </p:stCondLst>
-                                  <p:childTnLst>
-                                    <p:set>
-                                      <p:cBhvr>
-                                        <p:cTn id="14" dur="1" fill="hold">
-                                          <p:stCondLst>
-                                            <p:cond delay="0"/>
-                                          </p:stCondLst>
-                                        </p:cTn>
-                                        <p:tgtEl>
-                                          <p:spTgt spid="3">
-                                            <p:txEl>
-                                              <p:pRg st="2" end="2"/>
-                                            </p:txEl>
-                                          </p:spTgt>
-                                        </p:tgtEl>
-                                        <p:attrNameLst>
-                                          <p:attrName>style.visibility</p:attrName>
-                                        </p:attrNameLst>
-                                      </p:cBhvr>
-                                      <p:to>
-                                        <p:strVal val="visible"/>
-                                      </p:to>
-                                    </p:set>
-                                  </p:childTnLst>
-                                </p:cTn>
-                              </p:par>
-                            </p:childTnLst>
-                          </p:cTn>
-                        </p:par>
-                      </p:childTnLst>
-                    </p:cTn>
-                  </p:par>
-                  <p:par>
-                    <p:cTn id="15" fill="hold">
-                      <p:stCondLst>
-                        <p:cond delay="indefinite"/>
-                      </p:stCondLst>
-                      <p:childTnLst>
-                        <p:par>
-                          <p:cTn id="16" fill="hold">
-                            <p:stCondLst>
-                              <p:cond delay="0"/>
-                            </p:stCondLst>
-                            <p:childTnLst>
-                              <p:par>
-                                <p:cTn id="17" presetID="1" presetClass="entr" presetSubtype="0" fill="hold" nodeType="clickEffect">
-                                  <p:stCondLst>
-                                    <p:cond delay="0"/>
-                                  </p:stCondLst>
-                                  <p:childTnLst>
-                                    <p:set>
-                                      <p:cBhvr>
-                                        <p:cTn id="18" dur="1" fill="hold">
-                                          <p:stCondLst>
-                                            <p:cond delay="0"/>
-                                          </p:stCondLst>
-                                        </p:cTn>
-                                        <p:tgtEl>
-                                          <p:spTgt spid="3">
-                                            <p:txEl>
-                                              <p:pRg st="3" end="3"/>
-                                            </p:txEl>
-                                          </p:spTgt>
-                                        </p:tgtEl>
-                                        <p:attrNameLst>
-                                          <p:attrName>style.visibility</p:attrName>
-                                        </p:attrNameLst>
-                                      </p:cBhvr>
-                                      <p:to>
-                                        <p:strVal val="visible"/>
-                                      </p:to>
-                                    </p:set>
-                                  </p:childTnLst>
-                                </p:cTn>
-                              </p:par>
-                            </p:childTnLst>
-                          </p:cTn>
-                        </p:par>
-                      </p:childTnLst>
-                    </p:cTn>
-                  </p:par>
-                  <p:par>
-                    <p:cTn id="19" fill="hold">
-                      <p:stCondLst>
-                        <p:cond delay="indefinite"/>
-                      </p:stCondLst>
-                      <p:childTnLst>
-                        <p:par>
-                          <p:cTn id="20" fill="hold">
-                            <p:stCondLst>
-                              <p:cond delay="0"/>
-                            </p:stCondLst>
-                            <p:childTnLst>
-                              <p:par>
-                                <p:cTn id="21" presetID="1" presetClass="entr" presetSubtype="0" fill="hold" nodeType="clickEffect">
-                                  <p:stCondLst>
-                                    <p:cond delay="0"/>
-                                  </p:stCondLst>
-                                  <p:childTnLst>
-                                    <p:set>
-                                      <p:cBhvr>
-                                        <p:cTn id="22" dur="1" fill="hold">
-                                          <p:stCondLst>
-                                            <p:cond delay="0"/>
-                                          </p:stCondLst>
-                                        </p:cTn>
-                                        <p:tgtEl>
-                                          <p:spTgt spid="5"/>
-                                        </p:tgtEl>
-                                        <p:attrNameLst>
-                                          <p:attrName>style.visibility</p:attrName>
-                                        </p:attrNameLst>
-                                      </p:cBhvr>
-                                      <p:to>
-                                        <p:strVal val="visible"/>
-                                      </p:to>
-                                    </p:set>
-                                  </p:childTnLst>
-                                </p:cTn>
-                              </p:par>
-                            </p:childTnLst>
-                          </p:cTn>
-                        </p:par>
-                      </p:childTnLst>
-                    </p:cTn>
-                  </p:par>
-                  <p:par>
-                    <p:cTn id="23" fill="hold">
-                      <p:stCondLst>
-                        <p:cond delay="indefinite"/>
-                      </p:stCondLst>
-                      <p:childTnLst>
-                        <p:par>
-                          <p:cTn id="24" fill="hold">
-                            <p:stCondLst>
-                              <p:cond delay="0"/>
-                            </p:stCondLst>
-                            <p:childTnLst>
-                              <p:par>
-                                <p:cTn id="25" presetID="1" presetClass="entr" presetSubtype="0" fill="hold" nodeType="clickEffect">
-                                  <p:stCondLst>
-                                    <p:cond delay="0"/>
-                                  </p:stCondLst>
-                                  <p:childTnLst>
-                                    <p:set>
-                                      <p:cBhvr>
-                                        <p:cTn id="26" dur="1" fill="hold">
-                                          <p:stCondLst>
-                                            <p:cond delay="0"/>
-                                          </p:stCondLst>
-                                        </p:cTn>
-                                        <p:tgtEl>
-                                          <p:spTgt spid="3">
-                                            <p:txEl>
-                                              <p:pRg st="6" end="6"/>
-                                            </p:txEl>
-                                          </p:spTgt>
-                                        </p:tgtEl>
-                                        <p:attrNameLst>
-                                          <p:attrName>style.visibility</p:attrName>
-                                        </p:attrNameLst>
-                                      </p:cBhvr>
-                                      <p:to>
-                                        <p:strVal val="visible"/>
-                                      </p:to>
-                                    </p:set>
-                                  </p:childTnLst>
-                                </p:cTn>
-                              </p:par>
-                              <p:par>
-                                <p:cTn id="27" presetID="1" presetClass="entr" presetSubtype="0" fill="hold" nodeType="withEffect">
-                                  <p:stCondLst>
-                                    <p:cond delay="0"/>
-                                  </p:stCondLst>
-                                  <p:childTnLst>
-                                    <p:set>
-                                      <p:cBhvr>
-                                        <p:cTn id="28" dur="1" fill="hold">
-                                          <p:stCondLst>
-                                            <p:cond delay="0"/>
-                                          </p:stCondLst>
-                                        </p:cTn>
-                                        <p:tgtEl>
-                                          <p:spTgt spid="7"/>
-                                        </p:tgtEl>
-                                        <p:attrNameLst>
-                                          <p:attrName>style.visibility</p:attrName>
-                                        </p:attrNameLst>
-                                      </p:cBhvr>
-                                      <p:to>
-                                        <p:strVal val="visible"/>
-                                      </p:to>
-                                    </p:set>
-                                  </p:childTnLst>
-                                </p:cTn>
-                              </p:par>
-                            </p:childTnLst>
-                          </p:cTn>
-                        </p:par>
-                      </p:childTnLst>
-                    </p:cTn>
-                  </p:par>
-                </p:childTnLst>
-              </p:cTn>
-              <p:prevCondLst>
-                <p:cond evt="onPrev" delay="0">
-                  <p:tgtEl>
-                    <p:sldTgt/>
-                  </p:tgtEl>
-                </p:cond>
-              </p:prevCondLst>
-              <p:nextCondLst>
-                <p:cond evt="onNext" delay="0">
-                  <p:tgtEl>
-                    <p:sldTgt/>
-                  </p:tgtEl>
-                </p:cond>
-              </p:nextCondLst>
-            </p:seq>
-          </p:childTnLst>
-        </p:cTn>
-      </p:par>
-    </p:tnLst>
-  </p:timing>
-</p:sld>
-</file>
-
-<file path=ppt/slides/slide26.xml><?xml version="1.0" encoding="utf-8"?>
-<p:sld xmlns:a="http://schemas.openxmlformats.org/drawingml/2006/main" xmlns:r="http://schemas.openxmlformats.org/officeDocument/2006/relationships" xmlns:p="http://schemas.openxmlformats.org/presentationml/2006/main">
-  <p:cSld>
-    <p:spTree>
-      <p:nvGrpSpPr>
-        <p:cNvPr id="1" name=""/>
-        <p:cNvGrpSpPr/>
-        <p:nvPr/>
-      </p:nvGrpSpPr>
-      <p:grpSpPr>
-        <a:xfrm>
-          <a:off x="0" y="0"/>
-          <a:ext cx="0" cy="0"/>
-          <a:chOff x="0" y="0"/>
-          <a:chExt cx="0" cy="0"/>
-        </a:xfrm>
-      </p:grpSpPr>
-      <p:sp>
-        <p:nvSpPr>
-          <p:cNvPr id="2" name="Title 1">
-            <a:extLst>
-              <a:ext uri="{FF2B5EF4-FFF2-40B4-BE49-F238E27FC236}">
-                <a16:creationId xmlns:a16="http://schemas.microsoft.com/office/drawing/2014/main" id="{B889B93B-7036-425E-A49B-9916EB3D73FA}"/>
-              </a:ext>
-            </a:extLst>
-          </p:cNvPr>
-          <p:cNvSpPr>
-            <a:spLocks noGrp="1"/>
-          </p:cNvSpPr>
-          <p:nvPr>
-            <p:ph type="title"/>
-          </p:nvPr>
-        </p:nvSpPr>
-        <p:spPr>
-          <a:xfrm>
-            <a:off x="838200" y="225166"/>
-            <a:ext cx="10515600" cy="721891"/>
-          </a:xfrm>
-        </p:spPr>
-        <p:txBody>
-          <a:bodyPr/>
-          <a:lstStyle/>
-          <a:p>
-            <a:r>
-              <a:rPr lang="en-US" dirty="0">
-                <a:latin typeface="+mn-lt"/>
-              </a:rPr>
-              <a:t>State Value Policy Evaluation</a:t>
-            </a:r>
-          </a:p>
-        </p:txBody>
-      </p:sp>
-      <p:sp>
-        <p:nvSpPr>
-          <p:cNvPr id="3" name="Content Placeholder 2">
-            <a:extLst>
-              <a:ext uri="{FF2B5EF4-FFF2-40B4-BE49-F238E27FC236}">
-                <a16:creationId xmlns:a16="http://schemas.microsoft.com/office/drawing/2014/main" id="{9794B700-D789-41A3-A534-0A77F6C4DEE8}"/>
-              </a:ext>
-            </a:extLst>
-          </p:cNvPr>
-          <p:cNvSpPr>
-            <a:spLocks noGrp="1"/>
-          </p:cNvSpPr>
-          <p:nvPr>
-            <p:ph idx="1"/>
-          </p:nvPr>
-        </p:nvSpPr>
-        <p:spPr>
-          <a:xfrm>
-            <a:off x="838200" y="985520"/>
-            <a:ext cx="10515600" cy="5477273"/>
-          </a:xfrm>
-        </p:spPr>
-        <p:txBody>
-          <a:bodyPr>
-            <a:normAutofit lnSpcReduction="10000"/>
-          </a:bodyPr>
-          <a:lstStyle/>
-          <a:p>
-            <a:pPr marL="0" indent="0">
-              <a:buNone/>
-            </a:pPr>
-            <a:r>
-              <a:rPr lang="en-US" dirty="0"/>
-              <a:t>Expand the Bellman value equations to find a </a:t>
-            </a:r>
-            <a:r>
-              <a:rPr lang="en-US" b="1" dirty="0"/>
-              <a:t>recursion</a:t>
-            </a:r>
-          </a:p>
-          <a:p>
-            <a:pPr marL="0" indent="0">
-              <a:buNone/>
-            </a:pPr>
-            <a:endParaRPr lang="en-US" dirty="0"/>
-          </a:p>
-          <a:p>
-            <a:pPr marL="0" indent="0">
-              <a:buNone/>
-            </a:pPr>
-            <a:endParaRPr lang="en-US" dirty="0"/>
-          </a:p>
-          <a:p>
-            <a:pPr marL="0" indent="0">
-              <a:buNone/>
-            </a:pPr>
-            <a:r>
-              <a:rPr lang="en-US" dirty="0"/>
-              <a:t>Since </a:t>
-            </a:r>
-            <a:r>
-              <a:rPr lang="en-US" b="1" dirty="0"/>
-              <a:t>gain equals the reward plus the gain for the next step</a:t>
-            </a:r>
-            <a:r>
-              <a:rPr lang="en-US" dirty="0"/>
-              <a:t>:</a:t>
-            </a:r>
-          </a:p>
-          <a:p>
-            <a:pPr marL="0" indent="0">
-              <a:buNone/>
-            </a:pPr>
-            <a:endParaRPr lang="en-US" dirty="0"/>
-          </a:p>
-          <a:p>
-            <a:pPr marL="0" indent="0">
-              <a:buNone/>
-            </a:pPr>
-            <a:endParaRPr lang="en-US" dirty="0"/>
-          </a:p>
-          <a:p>
-            <a:pPr marL="0" indent="0">
-              <a:buNone/>
-            </a:pPr>
-            <a:r>
-              <a:rPr lang="en-US" dirty="0"/>
-              <a:t>This recursion leads to </a:t>
-            </a:r>
-            <a:r>
-              <a:rPr lang="en-US" b="1" dirty="0"/>
-              <a:t>one-step bootstrap approximation of gain using state-value</a:t>
-            </a:r>
-            <a:r>
-              <a:rPr lang="en-US" dirty="0"/>
-              <a:t> for the next step:</a:t>
-            </a:r>
-          </a:p>
-          <a:p>
-            <a:pPr marL="0" indent="0">
-              <a:buNone/>
-            </a:pPr>
-            <a:endParaRPr lang="en-US" dirty="0"/>
-          </a:p>
-          <a:p>
-            <a:pPr marL="0" indent="0">
-              <a:buNone/>
-            </a:pPr>
-            <a:endParaRPr lang="en-US" dirty="0"/>
-          </a:p>
-          <a:p>
-            <a:pPr marL="0" indent="0">
-              <a:buNone/>
-            </a:pPr>
-            <a:r>
-              <a:rPr lang="en-US" dirty="0"/>
-              <a:t>The </a:t>
-            </a:r>
-            <a:r>
-              <a:rPr lang="en-US" b="1" dirty="0"/>
-              <a:t>bootstrap</a:t>
-            </a:r>
-            <a:r>
-              <a:rPr lang="en-US" dirty="0"/>
-              <a:t> approximation uses the current estimate of                   to update the estimate of </a:t>
-            </a:r>
-          </a:p>
-        </p:txBody>
-      </p:sp>
-      <p:pic>
-        <p:nvPicPr>
-          <p:cNvPr id="5" name="Picture 4">
-            <a:extLst>
-              <a:ext uri="{FF2B5EF4-FFF2-40B4-BE49-F238E27FC236}">
-                <a16:creationId xmlns:a16="http://schemas.microsoft.com/office/drawing/2014/main" id="{FB3AB0A3-42C9-4B89-B75C-D57F2D9CDD19}"/>
-              </a:ext>
-            </a:extLst>
-          </p:cNvPr>
-          <p:cNvPicPr>
-            <a:picLocks noChangeAspect="1"/>
-          </p:cNvPicPr>
-          <p:nvPr/>
-        </p:nvPicPr>
-        <p:blipFill>
-          <a:blip r:embed="rId2"/>
-          <a:stretch>
-            <a:fillRect/>
-          </a:stretch>
-        </p:blipFill>
-        <p:spPr>
-          <a:xfrm>
-            <a:off x="1889153" y="1617006"/>
-            <a:ext cx="3693160" cy="487345"/>
-          </a:xfrm>
-          <a:prstGeom prst="rect">
-            <a:avLst/>
-          </a:prstGeom>
-        </p:spPr>
-      </p:pic>
-      <p:pic>
-        <p:nvPicPr>
-          <p:cNvPr id="4" name="Picture 3">
-            <a:extLst>
-              <a:ext uri="{FF2B5EF4-FFF2-40B4-BE49-F238E27FC236}">
-                <a16:creationId xmlns:a16="http://schemas.microsoft.com/office/drawing/2014/main" id="{3DD0ECDC-7FAF-4529-8574-9332013FF048}"/>
-              </a:ext>
-            </a:extLst>
-          </p:cNvPr>
-          <p:cNvPicPr>
-            <a:picLocks noChangeAspect="1"/>
-          </p:cNvPicPr>
-          <p:nvPr/>
-        </p:nvPicPr>
-        <p:blipFill>
-          <a:blip r:embed="rId3"/>
-          <a:stretch>
-            <a:fillRect/>
-          </a:stretch>
-        </p:blipFill>
-        <p:spPr>
-          <a:xfrm>
-            <a:off x="2725606" y="3050100"/>
-            <a:ext cx="4291647" cy="454410"/>
-          </a:xfrm>
-          <a:prstGeom prst="rect">
-            <a:avLst/>
-          </a:prstGeom>
-        </p:spPr>
-      </p:pic>
-      <p:pic>
-        <p:nvPicPr>
-          <p:cNvPr id="6" name="Picture 5">
-            <a:extLst>
-              <a:ext uri="{FF2B5EF4-FFF2-40B4-BE49-F238E27FC236}">
-                <a16:creationId xmlns:a16="http://schemas.microsoft.com/office/drawing/2014/main" id="{C3F52B39-1539-458E-9CC5-2643C2EB4152}"/>
-              </a:ext>
-            </a:extLst>
-          </p:cNvPr>
-          <p:cNvPicPr>
-            <a:picLocks noChangeAspect="1"/>
-          </p:cNvPicPr>
-          <p:nvPr/>
-        </p:nvPicPr>
-        <p:blipFill>
-          <a:blip r:embed="rId4"/>
-          <a:stretch>
-            <a:fillRect/>
-          </a:stretch>
-        </p:blipFill>
-        <p:spPr>
-          <a:xfrm>
-            <a:off x="2926369" y="4840518"/>
-            <a:ext cx="5194685" cy="506027"/>
-          </a:xfrm>
-          <a:prstGeom prst="rect">
-            <a:avLst/>
-          </a:prstGeom>
-        </p:spPr>
-      </p:pic>
-      <p:pic>
-        <p:nvPicPr>
-          <p:cNvPr id="7" name="Picture 6">
-            <a:extLst>
-              <a:ext uri="{FF2B5EF4-FFF2-40B4-BE49-F238E27FC236}">
-                <a16:creationId xmlns:a16="http://schemas.microsoft.com/office/drawing/2014/main" id="{AA83504D-BB8A-49D6-AC1E-D0A687FD8CED}"/>
-              </a:ext>
-            </a:extLst>
-          </p:cNvPr>
-          <p:cNvPicPr>
-            <a:picLocks noChangeAspect="1"/>
-          </p:cNvPicPr>
-          <p:nvPr/>
-        </p:nvPicPr>
-        <p:blipFill>
-          <a:blip r:embed="rId5"/>
-          <a:stretch>
-            <a:fillRect/>
-          </a:stretch>
-        </p:blipFill>
-        <p:spPr>
-          <a:xfrm>
-            <a:off x="1852164" y="3071654"/>
-            <a:ext cx="873442" cy="432856"/>
-          </a:xfrm>
-          <a:prstGeom prst="rect">
-            <a:avLst/>
-          </a:prstGeom>
-        </p:spPr>
-      </p:pic>
-      <p:pic>
-        <p:nvPicPr>
-          <p:cNvPr id="8" name="Picture 7">
-            <a:extLst>
-              <a:ext uri="{FF2B5EF4-FFF2-40B4-BE49-F238E27FC236}">
-                <a16:creationId xmlns:a16="http://schemas.microsoft.com/office/drawing/2014/main" id="{D7AEFE77-173C-437D-96B0-4A9357E0CF90}"/>
-              </a:ext>
-            </a:extLst>
-          </p:cNvPr>
-          <p:cNvPicPr>
-            <a:picLocks noChangeAspect="1"/>
-          </p:cNvPicPr>
-          <p:nvPr/>
-        </p:nvPicPr>
-        <p:blipFill>
-          <a:blip r:embed="rId5"/>
-          <a:stretch>
-            <a:fillRect/>
-          </a:stretch>
-        </p:blipFill>
-        <p:spPr>
-          <a:xfrm>
-            <a:off x="2005160" y="4886845"/>
-            <a:ext cx="873442" cy="432856"/>
-          </a:xfrm>
-          <a:prstGeom prst="rect">
-            <a:avLst/>
-          </a:prstGeom>
-        </p:spPr>
-      </p:pic>
-      <p:pic>
-        <p:nvPicPr>
-          <p:cNvPr id="10" name="Picture 9">
-            <a:extLst>
-              <a:ext uri="{FF2B5EF4-FFF2-40B4-BE49-F238E27FC236}">
-                <a16:creationId xmlns:a16="http://schemas.microsoft.com/office/drawing/2014/main" id="{94343DAF-D2D2-4C59-ABB7-025FD5EAD024}"/>
-              </a:ext>
-            </a:extLst>
-          </p:cNvPr>
-          <p:cNvPicPr>
-            <a:picLocks noChangeAspect="1"/>
-          </p:cNvPicPr>
-          <p:nvPr/>
-        </p:nvPicPr>
-        <p:blipFill>
-          <a:blip r:embed="rId6"/>
-          <a:stretch>
-            <a:fillRect/>
-          </a:stretch>
-        </p:blipFill>
-        <p:spPr>
-          <a:xfrm>
-            <a:off x="9387833" y="5547810"/>
-            <a:ext cx="1371607" cy="457203"/>
-          </a:xfrm>
-          <a:prstGeom prst="rect">
-            <a:avLst/>
-          </a:prstGeom>
-        </p:spPr>
-      </p:pic>
-      <p:pic>
-        <p:nvPicPr>
-          <p:cNvPr id="11" name="Picture 10">
-            <a:extLst>
-              <a:ext uri="{FF2B5EF4-FFF2-40B4-BE49-F238E27FC236}">
-                <a16:creationId xmlns:a16="http://schemas.microsoft.com/office/drawing/2014/main" id="{2E515AE9-A037-465C-A96E-1DCAD5F11771}"/>
-              </a:ext>
-            </a:extLst>
-          </p:cNvPr>
-          <p:cNvPicPr>
-            <a:picLocks noChangeAspect="1"/>
-          </p:cNvPicPr>
-          <p:nvPr/>
-        </p:nvPicPr>
-        <p:blipFill>
-          <a:blip r:embed="rId5"/>
-          <a:stretch>
-            <a:fillRect/>
-          </a:stretch>
-        </p:blipFill>
-        <p:spPr>
-          <a:xfrm>
-            <a:off x="4252275" y="5913629"/>
-            <a:ext cx="873442" cy="432856"/>
-          </a:xfrm>
-          <a:prstGeom prst="rect">
-            <a:avLst/>
-          </a:prstGeom>
-        </p:spPr>
-      </p:pic>
-    </p:spTree>
-    <p:extLst>
-      <p:ext uri="{BB962C8B-B14F-4D97-AF65-F5344CB8AC3E}">
-        <p14:creationId xmlns:p14="http://schemas.microsoft.com/office/powerpoint/2010/main" val="2758484059"/>
-      </p:ext>
-    </p:extLst>
-  </p:cSld>
-  <p:clrMapOvr>
-    <a:masterClrMapping/>
-  </p:clrMapOvr>
-  <p:timing>
-    <p:tnLst>
-      <p:par>
-        <p:cTn id="1" dur="indefinite" restart="never" nodeType="tmRoot">
-          <p:childTnLst>
-            <p:seq concurrent="1" nextAc="seek">
-              <p:cTn id="2" dur="indefinite" nodeType="mainSeq">
-                <p:childTnLst>
-                  <p:par>
-                    <p:cTn id="3" fill="hold">
-                      <p:stCondLst>
-                        <p:cond delay="indefinite"/>
-                      </p:stCondLst>
-                      <p:childTnLst>
-                        <p:par>
-                          <p:cTn id="4" fill="hold">
-                            <p:stCondLst>
-                              <p:cond delay="0"/>
-                            </p:stCondLst>
-                            <p:childTnLst>
-                              <p:par>
-                                <p:cTn id="5" presetID="1" presetClass="entr" presetSubtype="0" fill="hold" nodeType="clickEffect">
-                                  <p:stCondLst>
-                                    <p:cond delay="0"/>
-                                  </p:stCondLst>
-                                  <p:childTnLst>
-                                    <p:set>
-                                      <p:cBhvr>
-                                        <p:cTn id="6" dur="1" fill="hold">
-                                          <p:stCondLst>
-                                            <p:cond delay="0"/>
-                                          </p:stCondLst>
-                                        </p:cTn>
-                                        <p:tgtEl>
-                                          <p:spTgt spid="3">
-                                            <p:txEl>
-                                              <p:pRg st="0" end="0"/>
-                                            </p:txEl>
-                                          </p:spTgt>
-                                        </p:tgtEl>
-                                        <p:attrNameLst>
-                                          <p:attrName>style.visibility</p:attrName>
-                                        </p:attrNameLst>
-                                      </p:cBhvr>
-                                      <p:to>
-                                        <p:strVal val="visible"/>
-                                      </p:to>
-                                    </p:set>
-                                  </p:childTnLst>
-                                </p:cTn>
-                              </p:par>
-                            </p:childTnLst>
-                          </p:cTn>
-                        </p:par>
-                      </p:childTnLst>
-                    </p:cTn>
-                  </p:par>
-                  <p:par>
-                    <p:cTn id="7" fill="hold">
-                      <p:stCondLst>
-                        <p:cond delay="indefinite"/>
-                      </p:stCondLst>
-                      <p:childTnLst>
-                        <p:par>
-                          <p:cTn id="8" fill="hold">
-                            <p:stCondLst>
-                              <p:cond delay="0"/>
-                            </p:stCondLst>
-                            <p:childTnLst>
-                              <p:par>
-                                <p:cTn id="9" presetID="1" presetClass="entr" presetSubtype="0" fill="hold" nodeType="clickEffect">
-                                  <p:stCondLst>
-                                    <p:cond delay="0"/>
-                                  </p:stCondLst>
-                                  <p:childTnLst>
-                                    <p:set>
-                                      <p:cBhvr>
-                                        <p:cTn id="10" dur="1" fill="hold">
-                                          <p:stCondLst>
-                                            <p:cond delay="0"/>
-                                          </p:stCondLst>
-                                        </p:cTn>
-                                        <p:tgtEl>
-                                          <p:spTgt spid="5"/>
-                                        </p:tgtEl>
-                                        <p:attrNameLst>
-                                          <p:attrName>style.visibility</p:attrName>
-                                        </p:attrNameLst>
-                                      </p:cBhvr>
-                                      <p:to>
-                                        <p:strVal val="visible"/>
-                                      </p:to>
-                                    </p:set>
-                                  </p:childTnLst>
-                                </p:cTn>
-                              </p:par>
-                            </p:childTnLst>
-                          </p:cTn>
-                        </p:par>
-                      </p:childTnLst>
-                    </p:cTn>
-                  </p:par>
-                  <p:par>
-                    <p:cTn id="11" fill="hold">
-                      <p:stCondLst>
-                        <p:cond delay="indefinite"/>
-                      </p:stCondLst>
-                      <p:childTnLst>
-                        <p:par>
-                          <p:cTn id="12" fill="hold">
-                            <p:stCondLst>
-                              <p:cond delay="0"/>
-                            </p:stCondLst>
-                            <p:childTnLst>
-                              <p:par>
-                                <p:cTn id="13" presetID="1" presetClass="entr" presetSubtype="0" fill="hold" nodeType="clickEffect">
-                                  <p:stCondLst>
-                                    <p:cond delay="0"/>
-                                  </p:stCondLst>
-                                  <p:childTnLst>
-                                    <p:set>
-                                      <p:cBhvr>
-                                        <p:cTn id="14" dur="1" fill="hold">
-                                          <p:stCondLst>
-                                            <p:cond delay="0"/>
-                                          </p:stCondLst>
-                                        </p:cTn>
-                                        <p:tgtEl>
-                                          <p:spTgt spid="3">
-                                            <p:txEl>
-                                              <p:pRg st="3" end="3"/>
-                                            </p:txEl>
-                                          </p:spTgt>
-                                        </p:tgtEl>
-                                        <p:attrNameLst>
-                                          <p:attrName>style.visibility</p:attrName>
-                                        </p:attrNameLst>
-                                      </p:cBhvr>
-                                      <p:to>
-                                        <p:strVal val="visible"/>
-                                      </p:to>
-                                    </p:set>
-                                  </p:childTnLst>
-                                </p:cTn>
-                              </p:par>
-                            </p:childTnLst>
-                          </p:cTn>
-                        </p:par>
-                      </p:childTnLst>
-                    </p:cTn>
-                  </p:par>
-                  <p:par>
-                    <p:cTn id="15" fill="hold">
-                      <p:stCondLst>
-                        <p:cond delay="indefinite"/>
-                      </p:stCondLst>
-                      <p:childTnLst>
-                        <p:par>
-                          <p:cTn id="16" fill="hold">
-                            <p:stCondLst>
-                              <p:cond delay="0"/>
-                            </p:stCondLst>
-                            <p:childTnLst>
-                              <p:par>
-                                <p:cTn id="17" presetID="1" presetClass="entr" presetSubtype="0" fill="hold" nodeType="clickEffect">
-                                  <p:stCondLst>
-                                    <p:cond delay="0"/>
-                                  </p:stCondLst>
-                                  <p:childTnLst>
-                                    <p:set>
-                                      <p:cBhvr>
-                                        <p:cTn id="18" dur="1" fill="hold">
-                                          <p:stCondLst>
-                                            <p:cond delay="0"/>
-                                          </p:stCondLst>
-                                        </p:cTn>
-                                        <p:tgtEl>
-                                          <p:spTgt spid="4"/>
-                                        </p:tgtEl>
-                                        <p:attrNameLst>
-                                          <p:attrName>style.visibility</p:attrName>
-                                        </p:attrNameLst>
-                                      </p:cBhvr>
-                                      <p:to>
-                                        <p:strVal val="visible"/>
-                                      </p:to>
-                                    </p:set>
-                                  </p:childTnLst>
-                                </p:cTn>
-                              </p:par>
-                              <p:par>
-                                <p:cTn id="19" presetID="1" presetClass="entr" presetSubtype="0" fill="hold" nodeType="withEffect">
-                                  <p:stCondLst>
-                                    <p:cond delay="0"/>
-                                  </p:stCondLst>
-                                  <p:childTnLst>
-                                    <p:set>
-                                      <p:cBhvr>
-                                        <p:cTn id="20" dur="1" fill="hold">
-                                          <p:stCondLst>
-                                            <p:cond delay="0"/>
-                                          </p:stCondLst>
-                                        </p:cTn>
-                                        <p:tgtEl>
-                                          <p:spTgt spid="7"/>
-                                        </p:tgtEl>
-                                        <p:attrNameLst>
-                                          <p:attrName>style.visibility</p:attrName>
-                                        </p:attrNameLst>
-                                      </p:cBhvr>
-                                      <p:to>
-                                        <p:strVal val="visible"/>
-                                      </p:to>
-                                    </p:set>
-                                  </p:childTnLst>
-                                </p:cTn>
-                              </p:par>
-                            </p:childTnLst>
-                          </p:cTn>
-                        </p:par>
-                      </p:childTnLst>
-                    </p:cTn>
-                  </p:par>
-                  <p:par>
-                    <p:cTn id="21" fill="hold">
-                      <p:stCondLst>
-                        <p:cond delay="indefinite"/>
-                      </p:stCondLst>
-                      <p:childTnLst>
-                        <p:par>
-                          <p:cTn id="22" fill="hold">
-                            <p:stCondLst>
-                              <p:cond delay="0"/>
-                            </p:stCondLst>
-                            <p:childTnLst>
-                              <p:par>
-                                <p:cTn id="23" presetID="1" presetClass="entr" presetSubtype="0" fill="hold" nodeType="clickEffect">
-                                  <p:stCondLst>
-                                    <p:cond delay="0"/>
-                                  </p:stCondLst>
-                                  <p:childTnLst>
-                                    <p:set>
-                                      <p:cBhvr>
-                                        <p:cTn id="24" dur="1" fill="hold">
-                                          <p:stCondLst>
-                                            <p:cond delay="0"/>
-                                          </p:stCondLst>
-                                        </p:cTn>
-                                        <p:tgtEl>
-                                          <p:spTgt spid="3">
-                                            <p:txEl>
-                                              <p:pRg st="6" end="6"/>
-                                            </p:txEl>
-                                          </p:spTgt>
-                                        </p:tgtEl>
-                                        <p:attrNameLst>
-                                          <p:attrName>style.visibility</p:attrName>
-                                        </p:attrNameLst>
-                                      </p:cBhvr>
-                                      <p:to>
-                                        <p:strVal val="visible"/>
-                                      </p:to>
-                                    </p:set>
-                                  </p:childTnLst>
-                                </p:cTn>
-                              </p:par>
-                            </p:childTnLst>
-                          </p:cTn>
-                        </p:par>
-                      </p:childTnLst>
-                    </p:cTn>
-                  </p:par>
-                  <p:par>
-                    <p:cTn id="25" fill="hold">
-                      <p:stCondLst>
-                        <p:cond delay="indefinite"/>
-                      </p:stCondLst>
-                      <p:childTnLst>
-                        <p:par>
-                          <p:cTn id="26" fill="hold">
-                            <p:stCondLst>
-                              <p:cond delay="0"/>
-                            </p:stCondLst>
-                            <p:childTnLst>
-                              <p:par>
-                                <p:cTn id="27" presetID="1" presetClass="entr" presetSubtype="0" fill="hold" nodeType="clickEffect">
-                                  <p:stCondLst>
-                                    <p:cond delay="0"/>
-                                  </p:stCondLst>
-                                  <p:childTnLst>
-                                    <p:set>
-                                      <p:cBhvr>
-                                        <p:cTn id="28" dur="1" fill="hold">
-                                          <p:stCondLst>
-                                            <p:cond delay="0"/>
-                                          </p:stCondLst>
-                                        </p:cTn>
-                                        <p:tgtEl>
-                                          <p:spTgt spid="6"/>
-                                        </p:tgtEl>
-                                        <p:attrNameLst>
-                                          <p:attrName>style.visibility</p:attrName>
-                                        </p:attrNameLst>
-                                      </p:cBhvr>
-                                      <p:to>
-                                        <p:strVal val="visible"/>
-                                      </p:to>
-                                    </p:set>
-                                  </p:childTnLst>
-                                </p:cTn>
-                              </p:par>
-                              <p:par>
-                                <p:cTn id="29" presetID="1" presetClass="entr" presetSubtype="0" fill="hold" nodeType="withEffect">
-                                  <p:stCondLst>
-                                    <p:cond delay="0"/>
-                                  </p:stCondLst>
-                                  <p:childTnLst>
-                                    <p:set>
-                                      <p:cBhvr>
-                                        <p:cTn id="30" dur="1" fill="hold">
-                                          <p:stCondLst>
-                                            <p:cond delay="0"/>
-                                          </p:stCondLst>
-                                        </p:cTn>
-                                        <p:tgtEl>
-                                          <p:spTgt spid="8"/>
-                                        </p:tgtEl>
-                                        <p:attrNameLst>
-                                          <p:attrName>style.visibility</p:attrName>
-                                        </p:attrNameLst>
-                                      </p:cBhvr>
-                                      <p:to>
-                                        <p:strVal val="visible"/>
-                                      </p:to>
-                                    </p:set>
-                                  </p:childTnLst>
-                                </p:cTn>
-                              </p:par>
-                            </p:childTnLst>
-                          </p:cTn>
-                        </p:par>
-                      </p:childTnLst>
-                    </p:cTn>
-                  </p:par>
-                  <p:par>
-                    <p:cTn id="31" fill="hold">
-                      <p:stCondLst>
-                        <p:cond delay="indefinite"/>
-                      </p:stCondLst>
-                      <p:childTnLst>
-                        <p:par>
-                          <p:cTn id="32" fill="hold">
-                            <p:stCondLst>
-                              <p:cond delay="0"/>
-                            </p:stCondLst>
-                            <p:childTnLst>
-                              <p:par>
-                                <p:cTn id="33" presetID="1" presetClass="entr" presetSubtype="0" fill="hold" nodeType="clickEffect">
-                                  <p:stCondLst>
-                                    <p:cond delay="0"/>
-                                  </p:stCondLst>
-                                  <p:childTnLst>
-                                    <p:set>
-                                      <p:cBhvr>
-                                        <p:cTn id="34" dur="1" fill="hold">
-                                          <p:stCondLst>
-                                            <p:cond delay="0"/>
-                                          </p:stCondLst>
-                                        </p:cTn>
-                                        <p:tgtEl>
-                                          <p:spTgt spid="3">
-                                            <p:txEl>
-                                              <p:pRg st="9" end="9"/>
-                                            </p:txEl>
-                                          </p:spTgt>
-                                        </p:tgtEl>
-                                        <p:attrNameLst>
-                                          <p:attrName>style.visibility</p:attrName>
-                                        </p:attrNameLst>
-                                      </p:cBhvr>
-                                      <p:to>
-                                        <p:strVal val="visible"/>
-                                      </p:to>
-                                    </p:set>
-                                  </p:childTnLst>
-                                </p:cTn>
-                              </p:par>
-                              <p:par>
-                                <p:cTn id="35" presetID="1" presetClass="entr" presetSubtype="0" fill="hold" nodeType="withEffect">
-                                  <p:stCondLst>
-                                    <p:cond delay="0"/>
-                                  </p:stCondLst>
-                                  <p:childTnLst>
-                                    <p:set>
-                                      <p:cBhvr>
-                                        <p:cTn id="36" dur="1" fill="hold">
-                                          <p:stCondLst>
-                                            <p:cond delay="0"/>
-                                          </p:stCondLst>
-                                        </p:cTn>
-                                        <p:tgtEl>
-                                          <p:spTgt spid="10"/>
-                                        </p:tgtEl>
-                                        <p:attrNameLst>
-                                          <p:attrName>style.visibility</p:attrName>
-                                        </p:attrNameLst>
-                                      </p:cBhvr>
-                                      <p:to>
-                                        <p:strVal val="visible"/>
-                                      </p:to>
-                                    </p:set>
-                                  </p:childTnLst>
-                                </p:cTn>
-                              </p:par>
-                              <p:par>
-                                <p:cTn id="37" presetID="1" presetClass="entr" presetSubtype="0" fill="hold" nodeType="withEffect">
-                                  <p:stCondLst>
-                                    <p:cond delay="0"/>
-                                  </p:stCondLst>
-                                  <p:childTnLst>
-                                    <p:set>
-                                      <p:cBhvr>
-                                        <p:cTn id="38" dur="1" fill="hold">
-                                          <p:stCondLst>
-                                            <p:cond delay="0"/>
-                                          </p:stCondLst>
-                                        </p:cTn>
-                                        <p:tgtEl>
-                                          <p:spTgt spid="11"/>
-                                        </p:tgtEl>
-                                        <p:attrNameLst>
-                                          <p:attrName>style.visibility</p:attrName>
-                                        </p:attrNameLst>
-                                      </p:cBhvr>
-                                      <p:to>
-                                        <p:strVal val="visible"/>
-                                      </p:to>
-                                    </p:set>
-                                  </p:childTnLst>
-                                </p:cTn>
-                              </p:par>
-                            </p:childTnLst>
-                          </p:cTn>
-                        </p:par>
-                      </p:childTnLst>
-                    </p:cTn>
-                  </p:par>
-                </p:childTnLst>
-              </p:cTn>
-              <p:prevCondLst>
-                <p:cond evt="onPrev" delay="0">
-                  <p:tgtEl>
-                    <p:sldTgt/>
-                  </p:tgtEl>
-                </p:cond>
-              </p:prevCondLst>
-              <p:nextCondLst>
-                <p:cond evt="onNext" delay="0">
-                  <p:tgtEl>
-                    <p:sldTgt/>
-                  </p:tgtEl>
-                </p:cond>
-              </p:nextCondLst>
-            </p:seq>
-          </p:childTnLst>
-        </p:cTn>
-      </p:par>
-    </p:tnLst>
-  </p:timing>
-</p:sld>
-</file>
-
-<file path=ppt/slides/slide27.xml><?xml version="1.0" encoding="utf-8"?>
-<p:sld xmlns:a="http://schemas.openxmlformats.org/drawingml/2006/main" xmlns:r="http://schemas.openxmlformats.org/officeDocument/2006/relationships" xmlns:p="http://schemas.openxmlformats.org/presentationml/2006/main">
-  <p:cSld>
-    <p:spTree>
-      <p:nvGrpSpPr>
-        <p:cNvPr id="1" name=""/>
-        <p:cNvGrpSpPr/>
-        <p:nvPr/>
-      </p:nvGrpSpPr>
-      <p:grpSpPr>
-        <a:xfrm>
-          <a:off x="0" y="0"/>
-          <a:ext cx="0" cy="0"/>
-          <a:chOff x="0" y="0"/>
-          <a:chExt cx="0" cy="0"/>
-        </a:xfrm>
-      </p:grpSpPr>
-      <p:sp>
-        <p:nvSpPr>
-          <p:cNvPr id="2" name="Title 1">
-            <a:extLst>
-              <a:ext uri="{FF2B5EF4-FFF2-40B4-BE49-F238E27FC236}">
-                <a16:creationId xmlns:a16="http://schemas.microsoft.com/office/drawing/2014/main" id="{B889B93B-7036-425E-A49B-9916EB3D73FA}"/>
-              </a:ext>
-            </a:extLst>
-          </p:cNvPr>
-          <p:cNvSpPr>
-            <a:spLocks noGrp="1"/>
-          </p:cNvSpPr>
-          <p:nvPr>
-            <p:ph type="title"/>
-          </p:nvPr>
-        </p:nvSpPr>
-        <p:spPr>
-          <a:xfrm>
-            <a:off x="838200" y="225166"/>
-            <a:ext cx="10515600" cy="721891"/>
-          </a:xfrm>
-        </p:spPr>
-        <p:txBody>
-          <a:bodyPr/>
-          <a:lstStyle/>
-          <a:p>
-            <a:r>
-              <a:rPr lang="en-US" dirty="0">
-                <a:latin typeface="+mn-lt"/>
-              </a:rPr>
-              <a:t>State Value Policy Evaluation</a:t>
-            </a:r>
-          </a:p>
-        </p:txBody>
-      </p:sp>
-      <p:sp>
-        <p:nvSpPr>
-          <p:cNvPr id="3" name="Content Placeholder 2">
-            <a:extLst>
-              <a:ext uri="{FF2B5EF4-FFF2-40B4-BE49-F238E27FC236}">
-                <a16:creationId xmlns:a16="http://schemas.microsoft.com/office/drawing/2014/main" id="{9794B700-D789-41A3-A534-0A77F6C4DEE8}"/>
-              </a:ext>
-            </a:extLst>
-          </p:cNvPr>
-          <p:cNvSpPr>
-            <a:spLocks noGrp="1"/>
-          </p:cNvSpPr>
-          <p:nvPr>
-            <p:ph idx="1"/>
-          </p:nvPr>
-        </p:nvSpPr>
-        <p:spPr>
-          <a:xfrm>
-            <a:off x="838200" y="985520"/>
-            <a:ext cx="10515600" cy="5477273"/>
-          </a:xfrm>
-        </p:spPr>
-        <p:txBody>
-          <a:bodyPr>
-            <a:normAutofit/>
-          </a:bodyPr>
-          <a:lstStyle/>
-          <a:p>
-            <a:pPr marL="0" indent="0">
-              <a:buNone/>
-            </a:pPr>
-            <a:r>
-              <a:rPr lang="en-US" dirty="0"/>
-              <a:t>Compute the expected value for the Bellman value equations</a:t>
-            </a:r>
-          </a:p>
-          <a:p>
-            <a:endParaRPr lang="en-US" b="1" dirty="0"/>
-          </a:p>
-          <a:p>
-            <a:endParaRPr lang="en-US" b="1" dirty="0"/>
-          </a:p>
-          <a:p>
-            <a:endParaRPr lang="en-US" dirty="0"/>
-          </a:p>
-          <a:p>
-            <a:pPr marL="0" indent="0">
-              <a:buNone/>
-            </a:pPr>
-            <a:r>
-              <a:rPr lang="en-US" dirty="0"/>
-              <a:t>Where</a:t>
-            </a:r>
-          </a:p>
-        </p:txBody>
-      </p:sp>
-      <p:pic>
-        <p:nvPicPr>
-          <p:cNvPr id="6" name="Picture 5">
-            <a:extLst>
-              <a:ext uri="{FF2B5EF4-FFF2-40B4-BE49-F238E27FC236}">
-                <a16:creationId xmlns:a16="http://schemas.microsoft.com/office/drawing/2014/main" id="{C3F52B39-1539-458E-9CC5-2643C2EB4152}"/>
-              </a:ext>
-            </a:extLst>
-          </p:cNvPr>
-          <p:cNvPicPr>
-            <a:picLocks noChangeAspect="1"/>
-          </p:cNvPicPr>
-          <p:nvPr/>
-        </p:nvPicPr>
-        <p:blipFill>
-          <a:blip r:embed="rId2"/>
-          <a:stretch>
-            <a:fillRect/>
-          </a:stretch>
-        </p:blipFill>
-        <p:spPr>
-          <a:xfrm>
-            <a:off x="2174240" y="1538101"/>
-            <a:ext cx="5512940" cy="537029"/>
-          </a:xfrm>
-          <a:prstGeom prst="rect">
-            <a:avLst/>
-          </a:prstGeom>
-        </p:spPr>
-      </p:pic>
-      <p:pic>
-        <p:nvPicPr>
-          <p:cNvPr id="8" name="Picture 7">
-            <a:extLst>
-              <a:ext uri="{FF2B5EF4-FFF2-40B4-BE49-F238E27FC236}">
-                <a16:creationId xmlns:a16="http://schemas.microsoft.com/office/drawing/2014/main" id="{A150CD1F-E2D4-49F8-B7E5-03E9835CC34E}"/>
-              </a:ext>
-            </a:extLst>
-          </p:cNvPr>
-          <p:cNvPicPr>
-            <a:picLocks noChangeAspect="1"/>
-          </p:cNvPicPr>
-          <p:nvPr/>
-        </p:nvPicPr>
-        <p:blipFill>
-          <a:blip r:embed="rId3"/>
-          <a:stretch>
-            <a:fillRect/>
-          </a:stretch>
-        </p:blipFill>
-        <p:spPr>
-          <a:xfrm>
-            <a:off x="1143000" y="1500307"/>
-            <a:ext cx="939800" cy="537029"/>
-          </a:xfrm>
-          <a:prstGeom prst="rect">
-            <a:avLst/>
-          </a:prstGeom>
-        </p:spPr>
-      </p:pic>
-      <p:pic>
-        <p:nvPicPr>
-          <p:cNvPr id="7" name="Picture 6">
-            <a:extLst>
-              <a:ext uri="{FF2B5EF4-FFF2-40B4-BE49-F238E27FC236}">
-                <a16:creationId xmlns:a16="http://schemas.microsoft.com/office/drawing/2014/main" id="{15DF72BF-3EE2-4D53-B3FB-4F798D45FE15}"/>
-              </a:ext>
-            </a:extLst>
-          </p:cNvPr>
-          <p:cNvPicPr>
-            <a:picLocks noChangeAspect="1"/>
-          </p:cNvPicPr>
-          <p:nvPr/>
-        </p:nvPicPr>
-        <p:blipFill>
-          <a:blip r:embed="rId4"/>
-          <a:stretch>
-            <a:fillRect/>
-          </a:stretch>
-        </p:blipFill>
-        <p:spPr>
-          <a:xfrm>
-            <a:off x="2174240" y="2334980"/>
-            <a:ext cx="7332645" cy="959122"/>
-          </a:xfrm>
-          <a:prstGeom prst="rect">
-            <a:avLst/>
-          </a:prstGeom>
-        </p:spPr>
-      </p:pic>
-      <p:pic>
-        <p:nvPicPr>
-          <p:cNvPr id="9" name="Picture 8">
-            <a:extLst>
-              <a:ext uri="{FF2B5EF4-FFF2-40B4-BE49-F238E27FC236}">
-                <a16:creationId xmlns:a16="http://schemas.microsoft.com/office/drawing/2014/main" id="{E76C91AD-768A-48FD-B76A-3897711F4C9D}"/>
-              </a:ext>
-            </a:extLst>
-          </p:cNvPr>
-          <p:cNvPicPr>
-            <a:picLocks noChangeAspect="1"/>
-          </p:cNvPicPr>
-          <p:nvPr/>
-        </p:nvPicPr>
-        <p:blipFill>
-          <a:blip r:embed="rId5"/>
-          <a:stretch>
-            <a:fillRect/>
-          </a:stretch>
-        </p:blipFill>
-        <p:spPr>
-          <a:xfrm>
-            <a:off x="307209" y="3779611"/>
-            <a:ext cx="3551181" cy="244440"/>
-          </a:xfrm>
-          <a:prstGeom prst="rect">
-            <a:avLst/>
-          </a:prstGeom>
-        </p:spPr>
-      </p:pic>
-      <p:pic>
-        <p:nvPicPr>
-          <p:cNvPr id="11" name="Picture 10">
-            <a:extLst>
-              <a:ext uri="{FF2B5EF4-FFF2-40B4-BE49-F238E27FC236}">
-                <a16:creationId xmlns:a16="http://schemas.microsoft.com/office/drawing/2014/main" id="{E1F719E4-F3BA-449C-BF5B-5BB843CE6CED}"/>
-              </a:ext>
-            </a:extLst>
-          </p:cNvPr>
-          <p:cNvPicPr>
-            <a:picLocks noChangeAspect="1"/>
-          </p:cNvPicPr>
-          <p:nvPr/>
-        </p:nvPicPr>
-        <p:blipFill>
-          <a:blip r:embed="rId6"/>
-          <a:stretch>
-            <a:fillRect/>
-          </a:stretch>
-        </p:blipFill>
-        <p:spPr>
-          <a:xfrm>
-            <a:off x="208281" y="4682025"/>
-            <a:ext cx="11808574" cy="372762"/>
-          </a:xfrm>
-          <a:prstGeom prst="rect">
-            <a:avLst/>
-          </a:prstGeom>
-        </p:spPr>
-      </p:pic>
-      <p:pic>
-        <p:nvPicPr>
-          <p:cNvPr id="5" name="Picture 4">
-            <a:extLst>
-              <a:ext uri="{FF2B5EF4-FFF2-40B4-BE49-F238E27FC236}">
-                <a16:creationId xmlns:a16="http://schemas.microsoft.com/office/drawing/2014/main" id="{3B2DA8F8-A4ED-4392-9347-043C94942314}"/>
-              </a:ext>
-            </a:extLst>
-          </p:cNvPr>
-          <p:cNvPicPr>
-            <a:picLocks noChangeAspect="1"/>
-          </p:cNvPicPr>
-          <p:nvPr/>
-        </p:nvPicPr>
-        <p:blipFill>
-          <a:blip r:embed="rId7"/>
-          <a:stretch>
-            <a:fillRect/>
-          </a:stretch>
-        </p:blipFill>
-        <p:spPr>
-          <a:xfrm>
-            <a:off x="263367" y="5162834"/>
-            <a:ext cx="6130609" cy="589482"/>
-          </a:xfrm>
-          <a:prstGeom prst="rect">
-            <a:avLst/>
-          </a:prstGeom>
-        </p:spPr>
-      </p:pic>
-      <p:pic>
-        <p:nvPicPr>
-          <p:cNvPr id="4" name="Picture 3">
-            <a:extLst>
-              <a:ext uri="{FF2B5EF4-FFF2-40B4-BE49-F238E27FC236}">
-                <a16:creationId xmlns:a16="http://schemas.microsoft.com/office/drawing/2014/main" id="{AB3642C5-3E65-4582-A6CE-CA06F31EFC5B}"/>
-              </a:ext>
-            </a:extLst>
-          </p:cNvPr>
-          <p:cNvPicPr>
-            <a:picLocks noChangeAspect="1"/>
-          </p:cNvPicPr>
-          <p:nvPr/>
-        </p:nvPicPr>
-        <p:blipFill>
-          <a:blip r:embed="rId8"/>
-          <a:stretch>
-            <a:fillRect/>
-          </a:stretch>
-        </p:blipFill>
-        <p:spPr>
-          <a:xfrm>
-            <a:off x="263367" y="4261794"/>
-            <a:ext cx="9917863" cy="296477"/>
-          </a:xfrm>
-          <a:prstGeom prst="rect">
-            <a:avLst/>
-          </a:prstGeom>
-        </p:spPr>
-      </p:pic>
-    </p:spTree>
-    <p:extLst>
-      <p:ext uri="{BB962C8B-B14F-4D97-AF65-F5344CB8AC3E}">
-        <p14:creationId xmlns:p14="http://schemas.microsoft.com/office/powerpoint/2010/main" val="3465074547"/>
-      </p:ext>
-    </p:extLst>
-  </p:cSld>
-  <p:clrMapOvr>
-    <a:masterClrMapping/>
-  </p:clrMapOvr>
-  <p:timing>
-    <p:tnLst>
-      <p:par>
-        <p:cTn id="1" dur="indefinite" restart="never" nodeType="tmRoot">
-          <p:childTnLst>
-            <p:seq concurrent="1" nextAc="seek">
-              <p:cTn id="2" dur="indefinite" nodeType="mainSeq">
-                <p:childTnLst>
-                  <p:par>
-                    <p:cTn id="3" fill="hold">
-                      <p:stCondLst>
-                        <p:cond delay="indefinite"/>
-                      </p:stCondLst>
-                      <p:childTnLst>
-                        <p:par>
-                          <p:cTn id="4" fill="hold">
-                            <p:stCondLst>
-                              <p:cond delay="0"/>
-                            </p:stCondLst>
-                            <p:childTnLst>
-                              <p:par>
-                                <p:cTn id="5" presetID="1" presetClass="entr" presetSubtype="0" fill="hold" nodeType="clickEffect">
-                                  <p:stCondLst>
-                                    <p:cond delay="0"/>
-                                  </p:stCondLst>
-                                  <p:childTnLst>
-                                    <p:set>
-                                      <p:cBhvr>
-                                        <p:cTn id="6" dur="1" fill="hold">
-                                          <p:stCondLst>
-                                            <p:cond delay="0"/>
-                                          </p:stCondLst>
-                                        </p:cTn>
-                                        <p:tgtEl>
-                                          <p:spTgt spid="3">
-                                            <p:txEl>
-                                              <p:pRg st="0" end="0"/>
-                                            </p:txEl>
-                                          </p:spTgt>
-                                        </p:tgtEl>
-                                        <p:attrNameLst>
-                                          <p:attrName>style.visibility</p:attrName>
-                                        </p:attrNameLst>
-                                      </p:cBhvr>
-                                      <p:to>
-                                        <p:strVal val="visible"/>
-                                      </p:to>
-                                    </p:set>
-                                  </p:childTnLst>
-                                </p:cTn>
-                              </p:par>
-                            </p:childTnLst>
-                          </p:cTn>
-                        </p:par>
-                      </p:childTnLst>
-                    </p:cTn>
-                  </p:par>
-                  <p:par>
-                    <p:cTn id="7" fill="hold">
-                      <p:stCondLst>
-                        <p:cond delay="indefinite"/>
-                      </p:stCondLst>
-                      <p:childTnLst>
-                        <p:par>
-                          <p:cTn id="8" fill="hold">
-                            <p:stCondLst>
-                              <p:cond delay="0"/>
-                            </p:stCondLst>
-                            <p:childTnLst>
-                              <p:par>
-                                <p:cTn id="9" presetID="1" presetClass="entr" presetSubtype="0" fill="hold" nodeType="clickEffect">
-                                  <p:stCondLst>
-                                    <p:cond delay="0"/>
-                                  </p:stCondLst>
-                                  <p:childTnLst>
-                                    <p:set>
-                                      <p:cBhvr>
-                                        <p:cTn id="10" dur="1" fill="hold">
-                                          <p:stCondLst>
-                                            <p:cond delay="0"/>
-                                          </p:stCondLst>
-                                        </p:cTn>
-                                        <p:tgtEl>
-                                          <p:spTgt spid="8"/>
-                                        </p:tgtEl>
-                                        <p:attrNameLst>
-                                          <p:attrName>style.visibility</p:attrName>
-                                        </p:attrNameLst>
-                                      </p:cBhvr>
-                                      <p:to>
-                                        <p:strVal val="visible"/>
-                                      </p:to>
-                                    </p:set>
-                                  </p:childTnLst>
-                                </p:cTn>
-                              </p:par>
-                              <p:par>
-                                <p:cTn id="11" presetID="1" presetClass="entr" presetSubtype="0" fill="hold" nodeType="withEffect">
-                                  <p:stCondLst>
-                                    <p:cond delay="0"/>
-                                  </p:stCondLst>
-                                  <p:childTnLst>
-                                    <p:set>
-                                      <p:cBhvr>
-                                        <p:cTn id="12" dur="1" fill="hold">
-                                          <p:stCondLst>
-                                            <p:cond delay="0"/>
-                                          </p:stCondLst>
-                                        </p:cTn>
-                                        <p:tgtEl>
-                                          <p:spTgt spid="6"/>
-                                        </p:tgtEl>
-                                        <p:attrNameLst>
-                                          <p:attrName>style.visibility</p:attrName>
-                                        </p:attrNameLst>
-                                      </p:cBhvr>
-                                      <p:to>
-                                        <p:strVal val="visible"/>
-                                      </p:to>
-                                    </p:set>
-                                  </p:childTnLst>
-                                </p:cTn>
-                              </p:par>
-                            </p:childTnLst>
-                          </p:cTn>
-                        </p:par>
-                      </p:childTnLst>
-                    </p:cTn>
-                  </p:par>
-                  <p:par>
-                    <p:cTn id="13" fill="hold">
-                      <p:stCondLst>
-                        <p:cond delay="indefinite"/>
-                      </p:stCondLst>
-                      <p:childTnLst>
-                        <p:par>
-                          <p:cTn id="14" fill="hold">
-                            <p:stCondLst>
-                              <p:cond delay="0"/>
-                            </p:stCondLst>
-                            <p:childTnLst>
-                              <p:par>
-                                <p:cTn id="15" presetID="1" presetClass="entr" presetSubtype="0" fill="hold" nodeType="clickEffect">
-                                  <p:stCondLst>
-                                    <p:cond delay="0"/>
-                                  </p:stCondLst>
-                                  <p:childTnLst>
-                                    <p:set>
-                                      <p:cBhvr>
-                                        <p:cTn id="16" dur="1" fill="hold">
-                                          <p:stCondLst>
-                                            <p:cond delay="0"/>
-                                          </p:stCondLst>
-                                        </p:cTn>
-                                        <p:tgtEl>
-                                          <p:spTgt spid="7"/>
-                                        </p:tgtEl>
-                                        <p:attrNameLst>
-                                          <p:attrName>style.visibility</p:attrName>
-                                        </p:attrNameLst>
-                                      </p:cBhvr>
-                                      <p:to>
-                                        <p:strVal val="visible"/>
-                                      </p:to>
-                                    </p:set>
-                                  </p:childTnLst>
-                                </p:cTn>
-                              </p:par>
-                            </p:childTnLst>
-                          </p:cTn>
-                        </p:par>
-                      </p:childTnLst>
-                    </p:cTn>
-                  </p:par>
-                  <p:par>
-                    <p:cTn id="17" fill="hold">
-                      <p:stCondLst>
-                        <p:cond delay="indefinite"/>
-                      </p:stCondLst>
-                      <p:childTnLst>
-                        <p:par>
-                          <p:cTn id="18" fill="hold">
-                            <p:stCondLst>
-                              <p:cond delay="0"/>
-                            </p:stCondLst>
-                            <p:childTnLst>
-                              <p:par>
-                                <p:cTn id="19" presetID="1" presetClass="entr" presetSubtype="0" fill="hold" nodeType="clickEffect">
-                                  <p:stCondLst>
-                                    <p:cond delay="0"/>
-                                  </p:stCondLst>
-                                  <p:childTnLst>
-                                    <p:set>
-                                      <p:cBhvr>
-                                        <p:cTn id="20" dur="1" fill="hold">
-                                          <p:stCondLst>
-                                            <p:cond delay="0"/>
-                                          </p:stCondLst>
-                                        </p:cTn>
-                                        <p:tgtEl>
-                                          <p:spTgt spid="3">
-                                            <p:txEl>
-                                              <p:pRg st="4" end="4"/>
-                                            </p:txEl>
-                                          </p:spTgt>
-                                        </p:tgtEl>
-                                        <p:attrNameLst>
-                                          <p:attrName>style.visibility</p:attrName>
-                                        </p:attrNameLst>
-                                      </p:cBhvr>
-                                      <p:to>
-                                        <p:strVal val="visible"/>
-                                      </p:to>
-                                    </p:set>
-                                  </p:childTnLst>
-                                </p:cTn>
-                              </p:par>
-                            </p:childTnLst>
-                          </p:cTn>
-                        </p:par>
-                      </p:childTnLst>
-                    </p:cTn>
-                  </p:par>
-                  <p:par>
-                    <p:cTn id="21" fill="hold">
-                      <p:stCondLst>
-                        <p:cond delay="indefinite"/>
-                      </p:stCondLst>
-                      <p:childTnLst>
-                        <p:par>
-                          <p:cTn id="22" fill="hold">
-                            <p:stCondLst>
-                              <p:cond delay="0"/>
-                            </p:stCondLst>
-                            <p:childTnLst>
-                              <p:par>
-                                <p:cTn id="23" presetID="1" presetClass="entr" presetSubtype="0" fill="hold" nodeType="clickEffect">
-                                  <p:stCondLst>
-                                    <p:cond delay="0"/>
-                                  </p:stCondLst>
-                                  <p:childTnLst>
-                                    <p:set>
-                                      <p:cBhvr>
-                                        <p:cTn id="24" dur="1" fill="hold">
-                                          <p:stCondLst>
-                                            <p:cond delay="0"/>
-                                          </p:stCondLst>
-                                        </p:cTn>
-                                        <p:tgtEl>
-                                          <p:spTgt spid="9"/>
-                                        </p:tgtEl>
-                                        <p:attrNameLst>
-                                          <p:attrName>style.visibility</p:attrName>
-                                        </p:attrNameLst>
-                                      </p:cBhvr>
-                                      <p:to>
-                                        <p:strVal val="visible"/>
-                                      </p:to>
-                                    </p:set>
-                                  </p:childTnLst>
-                                </p:cTn>
-                              </p:par>
-                            </p:childTnLst>
-                          </p:cTn>
-                        </p:par>
-                      </p:childTnLst>
-                    </p:cTn>
-                  </p:par>
-                  <p:par>
-                    <p:cTn id="25" fill="hold">
-                      <p:stCondLst>
-                        <p:cond delay="indefinite"/>
-                      </p:stCondLst>
-                      <p:childTnLst>
-                        <p:par>
-                          <p:cTn id="26" fill="hold">
-                            <p:stCondLst>
-                              <p:cond delay="0"/>
-                            </p:stCondLst>
-                            <p:childTnLst>
-                              <p:par>
-                                <p:cTn id="27" presetID="1" presetClass="entr" presetSubtype="0" fill="hold" nodeType="clickEffect">
-                                  <p:stCondLst>
-                                    <p:cond delay="0"/>
-                                  </p:stCondLst>
-                                  <p:childTnLst>
-                                    <p:set>
-                                      <p:cBhvr>
-                                        <p:cTn id="28" dur="1" fill="hold">
-                                          <p:stCondLst>
-                                            <p:cond delay="0"/>
-                                          </p:stCondLst>
-                                        </p:cTn>
-                                        <p:tgtEl>
-                                          <p:spTgt spid="4"/>
-                                        </p:tgtEl>
-                                        <p:attrNameLst>
-                                          <p:attrName>style.visibility</p:attrName>
-                                        </p:attrNameLst>
-                                      </p:cBhvr>
-                                      <p:to>
-                                        <p:strVal val="visible"/>
-                                      </p:to>
-                                    </p:set>
-                                  </p:childTnLst>
-                                </p:cTn>
-                              </p:par>
-                            </p:childTnLst>
-                          </p:cTn>
-                        </p:par>
-                      </p:childTnLst>
-                    </p:cTn>
-                  </p:par>
-                  <p:par>
-                    <p:cTn id="29" fill="hold">
-                      <p:stCondLst>
-                        <p:cond delay="indefinite"/>
-                      </p:stCondLst>
-                      <p:childTnLst>
-                        <p:par>
-                          <p:cTn id="30" fill="hold">
-                            <p:stCondLst>
-                              <p:cond delay="0"/>
-                            </p:stCondLst>
-                            <p:childTnLst>
-                              <p:par>
-                                <p:cTn id="31" presetID="1" presetClass="entr" presetSubtype="0" fill="hold" nodeType="clickEffect">
-                                  <p:stCondLst>
-                                    <p:cond delay="0"/>
-                                  </p:stCondLst>
-                                  <p:childTnLst>
-                                    <p:set>
-                                      <p:cBhvr>
-                                        <p:cTn id="32" dur="1" fill="hold">
-                                          <p:stCondLst>
-                                            <p:cond delay="0"/>
-                                          </p:stCondLst>
-                                        </p:cTn>
-                                        <p:tgtEl>
-                                          <p:spTgt spid="11"/>
-                                        </p:tgtEl>
-                                        <p:attrNameLst>
-                                          <p:attrName>style.visibility</p:attrName>
-                                        </p:attrNameLst>
-                                      </p:cBhvr>
-                                      <p:to>
-                                        <p:strVal val="visible"/>
-                                      </p:to>
-                                    </p:set>
-                                  </p:childTnLst>
-                                </p:cTn>
-                              </p:par>
-                            </p:childTnLst>
-                          </p:cTn>
-                        </p:par>
-                      </p:childTnLst>
-                    </p:cTn>
-                  </p:par>
-                  <p:par>
-                    <p:cTn id="33" fill="hold">
-                      <p:stCondLst>
-                        <p:cond delay="indefinite"/>
-                      </p:stCondLst>
-                      <p:childTnLst>
-                        <p:par>
-                          <p:cTn id="34" fill="hold">
-                            <p:stCondLst>
-                              <p:cond delay="0"/>
-                            </p:stCondLst>
-                            <p:childTnLst>
-                              <p:par>
-                                <p:cTn id="35" presetID="1" presetClass="entr" presetSubtype="0" fill="hold" nodeType="clickEffect">
-                                  <p:stCondLst>
-                                    <p:cond delay="0"/>
-                                  </p:stCondLst>
-                                  <p:childTnLst>
-                                    <p:set>
-                                      <p:cBhvr>
-                                        <p:cTn id="36" dur="1" fill="hold">
-                                          <p:stCondLst>
-                                            <p:cond delay="0"/>
-                                          </p:stCondLst>
-                                        </p:cTn>
-                                        <p:tgtEl>
-                                          <p:spTgt spid="5"/>
-                                        </p:tgtEl>
-                                        <p:attrNameLst>
-                                          <p:attrName>style.visibility</p:attrName>
-                                        </p:attrNameLst>
-                                      </p:cBhvr>
-                                      <p:to>
-                                        <p:strVal val="visible"/>
-                                      </p:to>
-                                    </p:set>
-                                  </p:childTnLst>
-                                </p:cTn>
-                              </p:par>
-                            </p:childTnLst>
-                          </p:cTn>
-                        </p:par>
-                      </p:childTnLst>
-                    </p:cTn>
-                  </p:par>
-                </p:childTnLst>
-              </p:cTn>
-              <p:prevCondLst>
-                <p:cond evt="onPrev" delay="0">
-                  <p:tgtEl>
-                    <p:sldTgt/>
-                  </p:tgtEl>
-                </p:cond>
-              </p:prevCondLst>
-              <p:nextCondLst>
-                <p:cond evt="onNext" delay="0">
-                  <p:tgtEl>
-                    <p:sldTgt/>
-                  </p:tgtEl>
-                </p:cond>
-              </p:nextCondLst>
-            </p:seq>
-          </p:childTnLst>
-        </p:cTn>
-      </p:par>
-    </p:tnLst>
-  </p:timing>
-</p:sld>
-</file>
-
-<file path=ppt/slides/slide28.xml><?xml version="1.0" encoding="utf-8"?>
-<p:sld xmlns:a="http://schemas.openxmlformats.org/drawingml/2006/main" xmlns:r="http://schemas.openxmlformats.org/officeDocument/2006/relationships" xmlns:p="http://schemas.openxmlformats.org/presentationml/2006/main">
-  <p:cSld>
-    <p:spTree>
-      <p:nvGrpSpPr>
-        <p:cNvPr id="1" name=""/>
-        <p:cNvGrpSpPr/>
-        <p:nvPr/>
-      </p:nvGrpSpPr>
-      <p:grpSpPr>
-        <a:xfrm>
-          <a:off x="0" y="0"/>
-          <a:ext cx="0" cy="0"/>
-          <a:chOff x="0" y="0"/>
-          <a:chExt cx="0" cy="0"/>
-        </a:xfrm>
-      </p:grpSpPr>
-      <p:sp>
-        <p:nvSpPr>
-          <p:cNvPr id="2" name="Title 1">
-            <a:extLst>
-              <a:ext uri="{FF2B5EF4-FFF2-40B4-BE49-F238E27FC236}">
-                <a16:creationId xmlns:a16="http://schemas.microsoft.com/office/drawing/2014/main" id="{B889B93B-7036-425E-A49B-9916EB3D73FA}"/>
-              </a:ext>
-            </a:extLst>
-          </p:cNvPr>
-          <p:cNvSpPr>
-            <a:spLocks noGrp="1"/>
-          </p:cNvSpPr>
-          <p:nvPr>
-            <p:ph type="title"/>
-          </p:nvPr>
-        </p:nvSpPr>
-        <p:spPr>
-          <a:xfrm>
-            <a:off x="838200" y="225166"/>
-            <a:ext cx="10515600" cy="721891"/>
-          </a:xfrm>
-        </p:spPr>
-        <p:txBody>
-          <a:bodyPr/>
-          <a:lstStyle/>
-          <a:p>
-            <a:r>
-              <a:rPr lang="en-US" dirty="0">
-                <a:latin typeface="+mn-lt"/>
-              </a:rPr>
-              <a:t>State Value Policy Evaluation</a:t>
-            </a:r>
-          </a:p>
-        </p:txBody>
-      </p:sp>
-      <p:sp>
-        <p:nvSpPr>
-          <p:cNvPr id="3" name="Content Placeholder 2">
-            <a:extLst>
-              <a:ext uri="{FF2B5EF4-FFF2-40B4-BE49-F238E27FC236}">
-                <a16:creationId xmlns:a16="http://schemas.microsoft.com/office/drawing/2014/main" id="{9794B700-D789-41A3-A534-0A77F6C4DEE8}"/>
-              </a:ext>
-            </a:extLst>
-          </p:cNvPr>
-          <p:cNvSpPr>
-            <a:spLocks noGrp="1"/>
-          </p:cNvSpPr>
-          <p:nvPr>
-            <p:ph idx="1"/>
-          </p:nvPr>
-        </p:nvSpPr>
-        <p:spPr>
-          <a:xfrm>
-            <a:off x="838200" y="1126210"/>
-            <a:ext cx="10515600" cy="5336583"/>
-          </a:xfrm>
-        </p:spPr>
-        <p:txBody>
-          <a:bodyPr>
-            <a:normAutofit/>
-          </a:bodyPr>
-          <a:lstStyle/>
-          <a:p>
-            <a:r>
-              <a:rPr lang="en-US" dirty="0"/>
-              <a:t>There is one Bellman value equation for each possible state, s, or n equations for a n-state system</a:t>
-            </a:r>
-          </a:p>
-          <a:p>
-            <a:r>
-              <a:rPr lang="en-US" dirty="0"/>
-              <a:t>In theory this system of equations can be solved directly</a:t>
-            </a:r>
-          </a:p>
-          <a:p>
-            <a:pPr marL="457200" lvl="1" indent="0">
-              <a:buNone/>
-            </a:pPr>
-            <a:r>
-              <a:rPr lang="en-US" sz="2800" dirty="0"/>
-              <a:t>But requires  O(n</a:t>
-            </a:r>
-            <a:r>
-              <a:rPr lang="en-US" sz="2800" baseline="30000" dirty="0"/>
-              <a:t>3</a:t>
-            </a:r>
-            <a:r>
-              <a:rPr lang="en-US" sz="2800" dirty="0"/>
-              <a:t>) computations</a:t>
-            </a:r>
-          </a:p>
-          <a:p>
-            <a:r>
-              <a:rPr lang="en-US" dirty="0"/>
-              <a:t>Or, can use the recursion relationship using the last estimate of</a:t>
-            </a:r>
-          </a:p>
-          <a:p>
-            <a:endParaRPr lang="en-US" dirty="0"/>
-          </a:p>
-          <a:p>
-            <a:endParaRPr lang="en-US" dirty="0"/>
-          </a:p>
-          <a:p>
-            <a:r>
-              <a:rPr lang="en-US" dirty="0"/>
-              <a:t>Using the estimated state-value to compute a better estimate is called </a:t>
-            </a:r>
-            <a:r>
-              <a:rPr lang="en-US" b="1" dirty="0"/>
-              <a:t>bootstrapping</a:t>
-            </a:r>
-            <a:r>
-              <a:rPr lang="en-US" dirty="0"/>
-              <a:t> </a:t>
-            </a:r>
-          </a:p>
-          <a:p>
-            <a:r>
-              <a:rPr lang="en-US" dirty="0"/>
-              <a:t>Recursion continues until </a:t>
-            </a:r>
-            <a:r>
-              <a:rPr lang="en-US" b="1" dirty="0"/>
-              <a:t>convergence criteria </a:t>
-            </a:r>
-            <a:r>
-              <a:rPr lang="en-US" dirty="0"/>
-              <a:t>is achieved</a:t>
-            </a:r>
-          </a:p>
-          <a:p>
-            <a:endParaRPr lang="en-US" dirty="0"/>
-          </a:p>
-          <a:p>
-            <a:endParaRPr lang="en-US" dirty="0"/>
-          </a:p>
-          <a:p>
-            <a:endParaRPr lang="en-US" dirty="0"/>
-          </a:p>
-          <a:p>
-            <a:pPr marL="0" indent="0">
-              <a:buNone/>
-            </a:pPr>
-            <a:endParaRPr lang="en-US" dirty="0"/>
-          </a:p>
-        </p:txBody>
-      </p:sp>
-      <p:pic>
-        <p:nvPicPr>
-          <p:cNvPr id="6" name="Picture 5">
-            <a:extLst>
-              <a:ext uri="{FF2B5EF4-FFF2-40B4-BE49-F238E27FC236}">
-                <a16:creationId xmlns:a16="http://schemas.microsoft.com/office/drawing/2014/main" id="{F35D8846-AA2F-4F6F-9340-407C18C1D5F5}"/>
-              </a:ext>
-            </a:extLst>
-          </p:cNvPr>
-          <p:cNvPicPr>
-            <a:picLocks noChangeAspect="1"/>
-          </p:cNvPicPr>
-          <p:nvPr/>
-        </p:nvPicPr>
-        <p:blipFill>
-          <a:blip r:embed="rId2"/>
-          <a:stretch>
-            <a:fillRect/>
-          </a:stretch>
-        </p:blipFill>
-        <p:spPr>
-          <a:xfrm>
-            <a:off x="2753359" y="3580810"/>
-            <a:ext cx="7487995" cy="979442"/>
-          </a:xfrm>
-          <a:prstGeom prst="rect">
-            <a:avLst/>
-          </a:prstGeom>
-        </p:spPr>
-      </p:pic>
-      <p:pic>
-        <p:nvPicPr>
-          <p:cNvPr id="8" name="Picture 7">
-            <a:extLst>
-              <a:ext uri="{FF2B5EF4-FFF2-40B4-BE49-F238E27FC236}">
-                <a16:creationId xmlns:a16="http://schemas.microsoft.com/office/drawing/2014/main" id="{B69817EF-5E60-4F4F-BFAE-0D83A63854AA}"/>
-              </a:ext>
-            </a:extLst>
-          </p:cNvPr>
-          <p:cNvPicPr>
-            <a:picLocks noChangeAspect="1"/>
-          </p:cNvPicPr>
-          <p:nvPr/>
-        </p:nvPicPr>
-        <p:blipFill>
-          <a:blip r:embed="rId3"/>
-          <a:stretch>
-            <a:fillRect/>
-          </a:stretch>
-        </p:blipFill>
-        <p:spPr>
-          <a:xfrm>
-            <a:off x="1757606" y="3621916"/>
-            <a:ext cx="939800" cy="537029"/>
-          </a:xfrm>
-          <a:prstGeom prst="rect">
-            <a:avLst/>
-          </a:prstGeom>
-        </p:spPr>
-      </p:pic>
-      <p:pic>
-        <p:nvPicPr>
-          <p:cNvPr id="4" name="Picture 3">
-            <a:extLst>
-              <a:ext uri="{FF2B5EF4-FFF2-40B4-BE49-F238E27FC236}">
-                <a16:creationId xmlns:a16="http://schemas.microsoft.com/office/drawing/2014/main" id="{686D2CDD-7E86-4057-B845-5E41A2EF9059}"/>
-              </a:ext>
-            </a:extLst>
-          </p:cNvPr>
-          <p:cNvPicPr>
-            <a:picLocks noChangeAspect="1"/>
-          </p:cNvPicPr>
-          <p:nvPr/>
-        </p:nvPicPr>
-        <p:blipFill>
-          <a:blip r:embed="rId4"/>
-          <a:stretch>
-            <a:fillRect/>
-          </a:stretch>
-        </p:blipFill>
-        <p:spPr>
-          <a:xfrm>
-            <a:off x="10360318" y="2952436"/>
-            <a:ext cx="993482" cy="513028"/>
-          </a:xfrm>
-          <a:prstGeom prst="rect">
-            <a:avLst/>
-          </a:prstGeom>
-        </p:spPr>
-      </p:pic>
-    </p:spTree>
-    <p:extLst>
-      <p:ext uri="{BB962C8B-B14F-4D97-AF65-F5344CB8AC3E}">
-        <p14:creationId xmlns:p14="http://schemas.microsoft.com/office/powerpoint/2010/main" val="2553205931"/>
-      </p:ext>
-    </p:extLst>
-  </p:cSld>
-  <p:clrMapOvr>
-    <a:masterClrMapping/>
-  </p:clrMapOvr>
-  <p:timing>
-    <p:tnLst>
-      <p:par>
-        <p:cTn id="1" dur="indefinite" restart="never" nodeType="tmRoot">
-          <p:childTnLst>
-            <p:seq concurrent="1" nextAc="seek">
-              <p:cTn id="2" dur="indefinite" nodeType="mainSeq">
-                <p:childTnLst>
-                  <p:par>
-                    <p:cTn id="3" fill="hold">
-                      <p:stCondLst>
-                        <p:cond delay="indefinite"/>
-                      </p:stCondLst>
-                      <p:childTnLst>
-                        <p:par>
-                          <p:cTn id="4" fill="hold">
-                            <p:stCondLst>
-                              <p:cond delay="0"/>
-                            </p:stCondLst>
-                            <p:childTnLst>
-                              <p:par>
-                                <p:cTn id="5" presetID="1" presetClass="entr" presetSubtype="0" fill="hold" nodeType="clickEffect">
-                                  <p:stCondLst>
-                                    <p:cond delay="0"/>
-                                  </p:stCondLst>
-                                  <p:childTnLst>
-                                    <p:set>
-                                      <p:cBhvr>
-                                        <p:cTn id="6" dur="1" fill="hold">
-                                          <p:stCondLst>
-                                            <p:cond delay="0"/>
-                                          </p:stCondLst>
-                                        </p:cTn>
-                                        <p:tgtEl>
-                                          <p:spTgt spid="3">
-                                            <p:txEl>
-                                              <p:pRg st="0" end="0"/>
-                                            </p:txEl>
-                                          </p:spTgt>
-                                        </p:tgtEl>
-                                        <p:attrNameLst>
-                                          <p:attrName>style.visibility</p:attrName>
-                                        </p:attrNameLst>
-                                      </p:cBhvr>
-                                      <p:to>
-                                        <p:strVal val="visible"/>
-                                      </p:to>
-                                    </p:set>
-                                  </p:childTnLst>
-                                </p:cTn>
-                              </p:par>
-                            </p:childTnLst>
-                          </p:cTn>
-                        </p:par>
-                      </p:childTnLst>
-                    </p:cTn>
-                  </p:par>
-                  <p:par>
-                    <p:cTn id="7" fill="hold">
-                      <p:stCondLst>
-                        <p:cond delay="indefinite"/>
-                      </p:stCondLst>
-                      <p:childTnLst>
-                        <p:par>
-                          <p:cTn id="8" fill="hold">
-                            <p:stCondLst>
-                              <p:cond delay="0"/>
-                            </p:stCondLst>
-                            <p:childTnLst>
-                              <p:par>
-                                <p:cTn id="9" presetID="1" presetClass="entr" presetSubtype="0" fill="hold" nodeType="clickEffect">
-                                  <p:stCondLst>
-                                    <p:cond delay="0"/>
-                                  </p:stCondLst>
-                                  <p:childTnLst>
-                                    <p:set>
-                                      <p:cBhvr>
-                                        <p:cTn id="10" dur="1" fill="hold">
-                                          <p:stCondLst>
-                                            <p:cond delay="0"/>
-                                          </p:stCondLst>
-                                        </p:cTn>
-                                        <p:tgtEl>
-                                          <p:spTgt spid="3">
-                                            <p:txEl>
-                                              <p:pRg st="1" end="1"/>
-                                            </p:txEl>
-                                          </p:spTgt>
-                                        </p:tgtEl>
-                                        <p:attrNameLst>
-                                          <p:attrName>style.visibility</p:attrName>
-                                        </p:attrNameLst>
-                                      </p:cBhvr>
-                                      <p:to>
-                                        <p:strVal val="visible"/>
-                                      </p:to>
-                                    </p:set>
-                                  </p:childTnLst>
-                                </p:cTn>
-                              </p:par>
-                            </p:childTnLst>
-                          </p:cTn>
-                        </p:par>
-                      </p:childTnLst>
-                    </p:cTn>
-                  </p:par>
-                  <p:par>
-                    <p:cTn id="11" fill="hold">
-                      <p:stCondLst>
-                        <p:cond delay="indefinite"/>
-                      </p:stCondLst>
-                      <p:childTnLst>
-                        <p:par>
-                          <p:cTn id="12" fill="hold">
-                            <p:stCondLst>
-                              <p:cond delay="0"/>
-                            </p:stCondLst>
-                            <p:childTnLst>
-                              <p:par>
-                                <p:cTn id="13" presetID="1" presetClass="entr" presetSubtype="0" fill="hold" nodeType="clickEffect">
-                                  <p:stCondLst>
-                                    <p:cond delay="0"/>
-                                  </p:stCondLst>
-                                  <p:childTnLst>
-                                    <p:set>
-                                      <p:cBhvr>
-                                        <p:cTn id="14" dur="1" fill="hold">
-                                          <p:stCondLst>
-                                            <p:cond delay="0"/>
-                                          </p:stCondLst>
-                                        </p:cTn>
-                                        <p:tgtEl>
-                                          <p:spTgt spid="3">
-                                            <p:txEl>
-                                              <p:pRg st="2" end="2"/>
-                                            </p:txEl>
-                                          </p:spTgt>
-                                        </p:tgtEl>
-                                        <p:attrNameLst>
-                                          <p:attrName>style.visibility</p:attrName>
-                                        </p:attrNameLst>
-                                      </p:cBhvr>
-                                      <p:to>
-                                        <p:strVal val="visible"/>
-                                      </p:to>
-                                    </p:set>
-                                  </p:childTnLst>
-                                </p:cTn>
-                              </p:par>
-                            </p:childTnLst>
-                          </p:cTn>
-                        </p:par>
-                      </p:childTnLst>
-                    </p:cTn>
-                  </p:par>
-                  <p:par>
-                    <p:cTn id="15" fill="hold">
-                      <p:stCondLst>
-                        <p:cond delay="indefinite"/>
-                      </p:stCondLst>
-                      <p:childTnLst>
-                        <p:par>
-                          <p:cTn id="16" fill="hold">
-                            <p:stCondLst>
-                              <p:cond delay="0"/>
-                            </p:stCondLst>
-                            <p:childTnLst>
-                              <p:par>
-                                <p:cTn id="17" presetID="1" presetClass="entr" presetSubtype="0" fill="hold" nodeType="clickEffect">
-                                  <p:stCondLst>
-                                    <p:cond delay="0"/>
-                                  </p:stCondLst>
-                                  <p:childTnLst>
-                                    <p:set>
-                                      <p:cBhvr>
-                                        <p:cTn id="18" dur="1" fill="hold">
-                                          <p:stCondLst>
-                                            <p:cond delay="0"/>
-                                          </p:stCondLst>
-                                        </p:cTn>
-                                        <p:tgtEl>
-                                          <p:spTgt spid="3">
-                                            <p:txEl>
-                                              <p:pRg st="3" end="3"/>
-                                            </p:txEl>
-                                          </p:spTgt>
-                                        </p:tgtEl>
-                                        <p:attrNameLst>
-                                          <p:attrName>style.visibility</p:attrName>
-                                        </p:attrNameLst>
-                                      </p:cBhvr>
-                                      <p:to>
-                                        <p:strVal val="visible"/>
-                                      </p:to>
-                                    </p:set>
-                                  </p:childTnLst>
-                                </p:cTn>
-                              </p:par>
-                              <p:par>
-                                <p:cTn id="19" presetID="1" presetClass="entr" presetSubtype="0" fill="hold" nodeType="withEffect">
-                                  <p:stCondLst>
-                                    <p:cond delay="0"/>
-                                  </p:stCondLst>
-                                  <p:childTnLst>
-                                    <p:set>
-                                      <p:cBhvr>
-                                        <p:cTn id="20" dur="1" fill="hold">
-                                          <p:stCondLst>
-                                            <p:cond delay="0"/>
-                                          </p:stCondLst>
-                                        </p:cTn>
-                                        <p:tgtEl>
-                                          <p:spTgt spid="4"/>
-                                        </p:tgtEl>
-                                        <p:attrNameLst>
-                                          <p:attrName>style.visibility</p:attrName>
-                                        </p:attrNameLst>
-                                      </p:cBhvr>
-                                      <p:to>
-                                        <p:strVal val="visible"/>
-                                      </p:to>
-                                    </p:set>
-                                  </p:childTnLst>
-                                </p:cTn>
-                              </p:par>
-                            </p:childTnLst>
-                          </p:cTn>
-                        </p:par>
-                      </p:childTnLst>
-                    </p:cTn>
-                  </p:par>
-                  <p:par>
-                    <p:cTn id="21" fill="hold">
-                      <p:stCondLst>
-                        <p:cond delay="indefinite"/>
-                      </p:stCondLst>
-                      <p:childTnLst>
-                        <p:par>
-                          <p:cTn id="22" fill="hold">
-                            <p:stCondLst>
-                              <p:cond delay="0"/>
-                            </p:stCondLst>
-                            <p:childTnLst>
-                              <p:par>
-                                <p:cTn id="23" presetID="1" presetClass="entr" presetSubtype="0" fill="hold" nodeType="clickEffect">
-                                  <p:stCondLst>
-                                    <p:cond delay="0"/>
-                                  </p:stCondLst>
-                                  <p:childTnLst>
-                                    <p:set>
-                                      <p:cBhvr>
-                                        <p:cTn id="24" dur="1" fill="hold">
-                                          <p:stCondLst>
-                                            <p:cond delay="0"/>
-                                          </p:stCondLst>
-                                        </p:cTn>
-                                        <p:tgtEl>
-                                          <p:spTgt spid="6"/>
-                                        </p:tgtEl>
-                                        <p:attrNameLst>
-                                          <p:attrName>style.visibility</p:attrName>
-                                        </p:attrNameLst>
-                                      </p:cBhvr>
-                                      <p:to>
-                                        <p:strVal val="visible"/>
-                                      </p:to>
-                                    </p:set>
-                                  </p:childTnLst>
-                                </p:cTn>
-                              </p:par>
-                              <p:par>
-                                <p:cTn id="25" presetID="1" presetClass="entr" presetSubtype="0" fill="hold" nodeType="withEffect">
-                                  <p:stCondLst>
-                                    <p:cond delay="0"/>
-                                  </p:stCondLst>
-                                  <p:childTnLst>
-                                    <p:set>
-                                      <p:cBhvr>
-                                        <p:cTn id="26" dur="1" fill="hold">
-                                          <p:stCondLst>
-                                            <p:cond delay="0"/>
-                                          </p:stCondLst>
-                                        </p:cTn>
-                                        <p:tgtEl>
-                                          <p:spTgt spid="8"/>
-                                        </p:tgtEl>
-                                        <p:attrNameLst>
-                                          <p:attrName>style.visibility</p:attrName>
-                                        </p:attrNameLst>
-                                      </p:cBhvr>
-                                      <p:to>
-                                        <p:strVal val="visible"/>
-                                      </p:to>
-                                    </p:set>
-                                  </p:childTnLst>
-                                </p:cTn>
-                              </p:par>
-                            </p:childTnLst>
-                          </p:cTn>
-                        </p:par>
-                      </p:childTnLst>
-                    </p:cTn>
-                  </p:par>
-                  <p:par>
-                    <p:cTn id="27" fill="hold">
-                      <p:stCondLst>
-                        <p:cond delay="indefinite"/>
-                      </p:stCondLst>
-                      <p:childTnLst>
-                        <p:par>
-                          <p:cTn id="28" fill="hold">
-                            <p:stCondLst>
-                              <p:cond delay="0"/>
-                            </p:stCondLst>
-                            <p:childTnLst>
-                              <p:par>
-                                <p:cTn id="29" presetID="1" presetClass="entr" presetSubtype="0" fill="hold" nodeType="clickEffect">
-                                  <p:stCondLst>
-                                    <p:cond delay="0"/>
-                                  </p:stCondLst>
-                                  <p:childTnLst>
-                                    <p:set>
-                                      <p:cBhvr>
-                                        <p:cTn id="30" dur="1" fill="hold">
-                                          <p:stCondLst>
-                                            <p:cond delay="0"/>
-                                          </p:stCondLst>
-                                        </p:cTn>
-                                        <p:tgtEl>
-                                          <p:spTgt spid="3">
-                                            <p:txEl>
-                                              <p:pRg st="6" end="6"/>
-                                            </p:txEl>
-                                          </p:spTgt>
-                                        </p:tgtEl>
-                                        <p:attrNameLst>
-                                          <p:attrName>style.visibility</p:attrName>
-                                        </p:attrNameLst>
-                                      </p:cBhvr>
-                                      <p:to>
-                                        <p:strVal val="visible"/>
-                                      </p:to>
-                                    </p:set>
-                                  </p:childTnLst>
-                                </p:cTn>
-                              </p:par>
-                            </p:childTnLst>
-                          </p:cTn>
-                        </p:par>
-                      </p:childTnLst>
-                    </p:cTn>
-                  </p:par>
-                  <p:par>
-                    <p:cTn id="31" fill="hold">
-                      <p:stCondLst>
-                        <p:cond delay="indefinite"/>
-                      </p:stCondLst>
-                      <p:childTnLst>
-                        <p:par>
-                          <p:cTn id="32" fill="hold">
-                            <p:stCondLst>
-                              <p:cond delay="0"/>
-                            </p:stCondLst>
-                            <p:childTnLst>
-                              <p:par>
-                                <p:cTn id="33" presetID="1" presetClass="entr" presetSubtype="0" fill="hold" nodeType="clickEffect">
-                                  <p:stCondLst>
-                                    <p:cond delay="0"/>
-                                  </p:stCondLst>
-                                  <p:childTnLst>
-                                    <p:set>
-                                      <p:cBhvr>
-                                        <p:cTn id="34" dur="1" fill="hold">
-                                          <p:stCondLst>
-                                            <p:cond delay="0"/>
-                                          </p:stCondLst>
-                                        </p:cTn>
-                                        <p:tgtEl>
-                                          <p:spTgt spid="3">
-                                            <p:txEl>
-                                              <p:pRg st="7" end="7"/>
-                                            </p:txEl>
-                                          </p:spTgt>
-                                        </p:tgtEl>
-                                        <p:attrNameLst>
-                                          <p:attrName>style.visibility</p:attrName>
-                                        </p:attrNameLst>
-                                      </p:cBhvr>
-                                      <p:to>
-                                        <p:strVal val="visible"/>
-                                      </p:to>
-                                    </p:set>
-                                  </p:childTnLst>
-                                </p:cTn>
-                              </p:par>
-                            </p:childTnLst>
-                          </p:cTn>
-                        </p:par>
-                      </p:childTnLst>
-                    </p:cTn>
-                  </p:par>
-                </p:childTnLst>
-              </p:cTn>
-              <p:prevCondLst>
-                <p:cond evt="onPrev" delay="0">
-                  <p:tgtEl>
-                    <p:sldTgt/>
-                  </p:tgtEl>
-                </p:cond>
-              </p:prevCondLst>
-              <p:nextCondLst>
-                <p:cond evt="onNext" delay="0">
-                  <p:tgtEl>
-                    <p:sldTgt/>
-                  </p:tgtEl>
-                </p:cond>
-              </p:nextCondLst>
-            </p:seq>
-          </p:childTnLst>
-        </p:cTn>
-      </p:par>
-    </p:tnLst>
-  </p:timing>
-</p:sld>
-</file>
-
-<file path=ppt/slides/slide29.xml><?xml version="1.0" encoding="utf-8"?>
-<p:sld xmlns:a="http://schemas.openxmlformats.org/drawingml/2006/main" xmlns:r="http://schemas.openxmlformats.org/officeDocument/2006/relationships" xmlns:p="http://schemas.openxmlformats.org/presentationml/2006/main">
-  <p:cSld>
-    <p:spTree>
-      <p:nvGrpSpPr>
-        <p:cNvPr id="1" name=""/>
-        <p:cNvGrpSpPr/>
-        <p:nvPr/>
-      </p:nvGrpSpPr>
-      <p:grpSpPr>
-        <a:xfrm>
-          <a:off x="0" y="0"/>
-          <a:ext cx="0" cy="0"/>
-          <a:chOff x="0" y="0"/>
-          <a:chExt cx="0" cy="0"/>
-        </a:xfrm>
-      </p:grpSpPr>
-      <p:sp>
-        <p:nvSpPr>
-          <p:cNvPr id="2" name="Title 1">
-            <a:extLst>
-              <a:ext uri="{FF2B5EF4-FFF2-40B4-BE49-F238E27FC236}">
-                <a16:creationId xmlns:a16="http://schemas.microsoft.com/office/drawing/2014/main" id="{C7A645F9-014E-4519-A0EE-0B270D9EB1FF}"/>
-              </a:ext>
-            </a:extLst>
-          </p:cNvPr>
-          <p:cNvSpPr>
-            <a:spLocks noGrp="1"/>
-          </p:cNvSpPr>
-          <p:nvPr>
-            <p:ph type="title"/>
-          </p:nvPr>
-        </p:nvSpPr>
-        <p:spPr>
-          <a:xfrm>
-            <a:off x="518657" y="71402"/>
-            <a:ext cx="10982131" cy="550506"/>
-          </a:xfrm>
-        </p:spPr>
-        <p:txBody>
-          <a:bodyPr>
-            <a:normAutofit fontScale="90000"/>
-          </a:bodyPr>
-          <a:lstStyle/>
-          <a:p>
-            <a:r>
-              <a:rPr lang="en-US" dirty="0">
-                <a:latin typeface="+mn-lt"/>
-              </a:rPr>
-              <a:t>State Value Policy Evaluation</a:t>
-            </a:r>
-          </a:p>
-        </p:txBody>
-      </p:sp>
-      <p:sp>
-        <p:nvSpPr>
-          <p:cNvPr id="9" name="Rectangle 8">
-            <a:extLst>
-              <a:ext uri="{FF2B5EF4-FFF2-40B4-BE49-F238E27FC236}">
-                <a16:creationId xmlns:a16="http://schemas.microsoft.com/office/drawing/2014/main" id="{34C6E751-A4ED-4803-9125-5DB28BA79136}"/>
-              </a:ext>
-            </a:extLst>
-          </p:cNvPr>
-          <p:cNvSpPr/>
-          <p:nvPr/>
-        </p:nvSpPr>
-        <p:spPr>
-          <a:xfrm>
-            <a:off x="1786620" y="2730543"/>
-            <a:ext cx="604434" cy="604434"/>
-          </a:xfrm>
-          <a:prstGeom prst="rect">
-            <a:avLst/>
-          </a:prstGeom>
-          <a:solidFill>
-            <a:schemeClr val="accent1">
-              <a:alpha val="53000"/>
-            </a:schemeClr>
-          </a:solidFill>
-          <a:ln w="38100"/>
-        </p:spPr>
-        <p:style>
-          <a:lnRef idx="2">
-            <a:schemeClr val="accent1">
-              <a:shade val="50000"/>
-            </a:schemeClr>
-          </a:lnRef>
-          <a:fillRef idx="1">
-            <a:schemeClr val="accent1"/>
-          </a:fillRef>
-          <a:effectRef idx="0">
-            <a:schemeClr val="accent1"/>
-          </a:effectRef>
-          <a:fontRef idx="minor">
-            <a:schemeClr val="lt1"/>
-          </a:fontRef>
-        </p:style>
-        <p:txBody>
-          <a:bodyPr rtlCol="0" anchor="ctr"/>
-          <a:lstStyle/>
-          <a:p>
-            <a:pPr algn="ctr"/>
-            <a:r>
-              <a:rPr lang="en-US" sz="2400" b="1" dirty="0">
-                <a:solidFill>
-                  <a:schemeClr val="tx1"/>
-                </a:solidFill>
-              </a:rPr>
-              <a:t>0</a:t>
-            </a:r>
-          </a:p>
-        </p:txBody>
-      </p:sp>
-      <p:sp>
-        <p:nvSpPr>
-          <p:cNvPr id="10" name="Rectangle 9">
-            <a:extLst>
-              <a:ext uri="{FF2B5EF4-FFF2-40B4-BE49-F238E27FC236}">
-                <a16:creationId xmlns:a16="http://schemas.microsoft.com/office/drawing/2014/main" id="{2FDDC124-3776-4A44-9B7B-F2A635D982AE}"/>
-              </a:ext>
-            </a:extLst>
-          </p:cNvPr>
-          <p:cNvSpPr/>
-          <p:nvPr/>
-        </p:nvSpPr>
-        <p:spPr>
-          <a:xfrm>
-            <a:off x="2414301" y="2730543"/>
-            <a:ext cx="604434" cy="604434"/>
-          </a:xfrm>
-          <a:prstGeom prst="rect">
-            <a:avLst/>
-          </a:prstGeom>
-          <a:noFill/>
-          <a:ln w="38100"/>
-        </p:spPr>
-        <p:style>
-          <a:lnRef idx="2">
-            <a:schemeClr val="accent1">
-              <a:shade val="50000"/>
-            </a:schemeClr>
-          </a:lnRef>
-          <a:fillRef idx="1">
-            <a:schemeClr val="accent1"/>
-          </a:fillRef>
-          <a:effectRef idx="0">
-            <a:schemeClr val="accent1"/>
-          </a:effectRef>
-          <a:fontRef idx="minor">
-            <a:schemeClr val="lt1"/>
-          </a:fontRef>
-        </p:style>
-        <p:txBody>
-          <a:bodyPr rtlCol="0" anchor="ctr"/>
-          <a:lstStyle/>
-          <a:p>
-            <a:pPr algn="ctr"/>
-            <a:r>
-              <a:rPr lang="en-US" sz="2400" b="1" dirty="0">
-                <a:solidFill>
-                  <a:schemeClr val="tx1"/>
-                </a:solidFill>
-              </a:rPr>
-              <a:t>1</a:t>
-            </a:r>
-          </a:p>
-        </p:txBody>
-      </p:sp>
-      <p:sp>
-        <p:nvSpPr>
-          <p:cNvPr id="11" name="Rectangle 10">
-            <a:extLst>
-              <a:ext uri="{FF2B5EF4-FFF2-40B4-BE49-F238E27FC236}">
-                <a16:creationId xmlns:a16="http://schemas.microsoft.com/office/drawing/2014/main" id="{4D4B8829-CB09-4A1B-80FC-AFDA12BBCF3D}"/>
-              </a:ext>
-            </a:extLst>
-          </p:cNvPr>
-          <p:cNvSpPr/>
-          <p:nvPr/>
-        </p:nvSpPr>
-        <p:spPr>
-          <a:xfrm>
-            <a:off x="2998313" y="2730543"/>
-            <a:ext cx="604434" cy="604434"/>
-          </a:xfrm>
-          <a:prstGeom prst="rect">
-            <a:avLst/>
-          </a:prstGeom>
-          <a:noFill/>
-          <a:ln w="38100"/>
-        </p:spPr>
-        <p:style>
-          <a:lnRef idx="2">
-            <a:schemeClr val="accent1">
-              <a:shade val="50000"/>
-            </a:schemeClr>
-          </a:lnRef>
-          <a:fillRef idx="1">
-            <a:schemeClr val="accent1"/>
-          </a:fillRef>
-          <a:effectRef idx="0">
-            <a:schemeClr val="accent1"/>
-          </a:effectRef>
-          <a:fontRef idx="minor">
-            <a:schemeClr val="lt1"/>
-          </a:fontRef>
-        </p:style>
-        <p:txBody>
-          <a:bodyPr rtlCol="0" anchor="ctr"/>
-          <a:lstStyle/>
-          <a:p>
-            <a:pPr algn="ctr"/>
-            <a:r>
-              <a:rPr lang="en-US" sz="2400" b="1" dirty="0">
-                <a:solidFill>
-                  <a:schemeClr val="tx1"/>
-                </a:solidFill>
-              </a:rPr>
-              <a:t>2</a:t>
-            </a:r>
-          </a:p>
-        </p:txBody>
-      </p:sp>
-      <p:sp>
-        <p:nvSpPr>
-          <p:cNvPr id="12" name="Rectangle 11">
-            <a:extLst>
-              <a:ext uri="{FF2B5EF4-FFF2-40B4-BE49-F238E27FC236}">
-                <a16:creationId xmlns:a16="http://schemas.microsoft.com/office/drawing/2014/main" id="{5C4BFDA6-AFB7-4EC6-8B18-68DE65F0927E}"/>
-              </a:ext>
-            </a:extLst>
-          </p:cNvPr>
-          <p:cNvSpPr/>
-          <p:nvPr/>
-        </p:nvSpPr>
-        <p:spPr>
-          <a:xfrm>
-            <a:off x="3620586" y="2730543"/>
-            <a:ext cx="604434" cy="604434"/>
-          </a:xfrm>
-          <a:prstGeom prst="rect">
-            <a:avLst/>
-          </a:prstGeom>
-          <a:noFill/>
-          <a:ln w="38100"/>
-        </p:spPr>
-        <p:style>
-          <a:lnRef idx="2">
-            <a:schemeClr val="accent1">
-              <a:shade val="50000"/>
-            </a:schemeClr>
-          </a:lnRef>
-          <a:fillRef idx="1">
-            <a:schemeClr val="accent1"/>
-          </a:fillRef>
-          <a:effectRef idx="0">
-            <a:schemeClr val="accent1"/>
-          </a:effectRef>
-          <a:fontRef idx="minor">
-            <a:schemeClr val="lt1"/>
-          </a:fontRef>
-        </p:style>
-        <p:txBody>
-          <a:bodyPr rtlCol="0" anchor="ctr"/>
-          <a:lstStyle/>
-          <a:p>
-            <a:pPr algn="ctr"/>
-            <a:r>
-              <a:rPr lang="en-US" sz="2400" b="1" dirty="0">
-                <a:solidFill>
-                  <a:schemeClr val="tx1"/>
-                </a:solidFill>
-              </a:rPr>
-              <a:t>3</a:t>
-            </a:r>
-          </a:p>
-        </p:txBody>
-      </p:sp>
-      <p:sp>
-        <p:nvSpPr>
-          <p:cNvPr id="13" name="Rectangle 12">
-            <a:extLst>
-              <a:ext uri="{FF2B5EF4-FFF2-40B4-BE49-F238E27FC236}">
-                <a16:creationId xmlns:a16="http://schemas.microsoft.com/office/drawing/2014/main" id="{F60F496B-01AD-4636-BD68-CA8536A13B0E}"/>
-              </a:ext>
-            </a:extLst>
-          </p:cNvPr>
-          <p:cNvSpPr/>
-          <p:nvPr/>
-        </p:nvSpPr>
-        <p:spPr>
-          <a:xfrm>
-            <a:off x="1784037" y="3334977"/>
-            <a:ext cx="604434" cy="604434"/>
-          </a:xfrm>
-          <a:prstGeom prst="rect">
-            <a:avLst/>
-          </a:prstGeom>
-          <a:noFill/>
-          <a:ln w="38100"/>
-        </p:spPr>
-        <p:style>
-          <a:lnRef idx="2">
-            <a:schemeClr val="accent1">
-              <a:shade val="50000"/>
-            </a:schemeClr>
-          </a:lnRef>
-          <a:fillRef idx="1">
-            <a:schemeClr val="accent1"/>
-          </a:fillRef>
-          <a:effectRef idx="0">
-            <a:schemeClr val="accent1"/>
-          </a:effectRef>
-          <a:fontRef idx="minor">
-            <a:schemeClr val="lt1"/>
-          </a:fontRef>
-        </p:style>
-        <p:txBody>
-          <a:bodyPr rtlCol="0" anchor="ctr"/>
-          <a:lstStyle/>
-          <a:p>
-            <a:pPr algn="ctr"/>
-            <a:r>
-              <a:rPr lang="en-US" sz="2400" b="1" dirty="0">
-                <a:solidFill>
-                  <a:schemeClr val="tx1"/>
-                </a:solidFill>
-              </a:rPr>
-              <a:t>4</a:t>
-            </a:r>
-          </a:p>
-        </p:txBody>
-      </p:sp>
-      <p:sp>
-        <p:nvSpPr>
-          <p:cNvPr id="14" name="Rectangle 13">
-            <a:extLst>
-              <a:ext uri="{FF2B5EF4-FFF2-40B4-BE49-F238E27FC236}">
-                <a16:creationId xmlns:a16="http://schemas.microsoft.com/office/drawing/2014/main" id="{418B3660-3E83-4F3C-8573-F71372034486}"/>
-              </a:ext>
-            </a:extLst>
-          </p:cNvPr>
-          <p:cNvSpPr/>
-          <p:nvPr/>
-        </p:nvSpPr>
-        <p:spPr>
-          <a:xfrm>
-            <a:off x="2396220" y="3334977"/>
-            <a:ext cx="604434" cy="604434"/>
-          </a:xfrm>
-          <a:prstGeom prst="rect">
-            <a:avLst/>
-          </a:prstGeom>
-          <a:noFill/>
-          <a:ln w="38100"/>
-        </p:spPr>
-        <p:style>
-          <a:lnRef idx="2">
-            <a:schemeClr val="accent1">
-              <a:shade val="50000"/>
-            </a:schemeClr>
-          </a:lnRef>
-          <a:fillRef idx="1">
-            <a:schemeClr val="accent1"/>
-          </a:fillRef>
-          <a:effectRef idx="0">
-            <a:schemeClr val="accent1"/>
-          </a:effectRef>
-          <a:fontRef idx="minor">
-            <a:schemeClr val="lt1"/>
-          </a:fontRef>
-        </p:style>
-        <p:txBody>
-          <a:bodyPr rtlCol="0" anchor="ctr"/>
-          <a:lstStyle/>
-          <a:p>
-            <a:pPr algn="ctr"/>
-            <a:r>
-              <a:rPr lang="en-US" sz="2400" b="1" dirty="0">
-                <a:solidFill>
-                  <a:schemeClr val="tx1"/>
-                </a:solidFill>
-              </a:rPr>
-              <a:t>5</a:t>
-            </a:r>
-          </a:p>
-        </p:txBody>
-      </p:sp>
-      <p:sp>
-        <p:nvSpPr>
-          <p:cNvPr id="15" name="Rectangle 14">
-            <a:extLst>
-              <a:ext uri="{FF2B5EF4-FFF2-40B4-BE49-F238E27FC236}">
-                <a16:creationId xmlns:a16="http://schemas.microsoft.com/office/drawing/2014/main" id="{CA5E6649-6221-43C1-AB5A-6FE620614DD3}"/>
-              </a:ext>
-            </a:extLst>
-          </p:cNvPr>
-          <p:cNvSpPr/>
-          <p:nvPr/>
-        </p:nvSpPr>
-        <p:spPr>
-          <a:xfrm>
-            <a:off x="3008403" y="3334977"/>
-            <a:ext cx="604434" cy="604434"/>
-          </a:xfrm>
-          <a:prstGeom prst="rect">
-            <a:avLst/>
-          </a:prstGeom>
-          <a:noFill/>
-          <a:ln w="38100"/>
-        </p:spPr>
-        <p:style>
-          <a:lnRef idx="2">
-            <a:schemeClr val="accent1">
-              <a:shade val="50000"/>
-            </a:schemeClr>
-          </a:lnRef>
-          <a:fillRef idx="1">
-            <a:schemeClr val="accent1"/>
-          </a:fillRef>
-          <a:effectRef idx="0">
-            <a:schemeClr val="accent1"/>
-          </a:effectRef>
-          <a:fontRef idx="minor">
-            <a:schemeClr val="lt1"/>
-          </a:fontRef>
-        </p:style>
-        <p:txBody>
-          <a:bodyPr rtlCol="0" anchor="ctr"/>
-          <a:lstStyle/>
-          <a:p>
-            <a:pPr algn="ctr"/>
-            <a:r>
-              <a:rPr lang="en-US" sz="2400" b="1" dirty="0">
-                <a:solidFill>
-                  <a:schemeClr val="tx1"/>
-                </a:solidFill>
-              </a:rPr>
-              <a:t>6</a:t>
-            </a:r>
-          </a:p>
-        </p:txBody>
-      </p:sp>
-      <p:sp>
-        <p:nvSpPr>
-          <p:cNvPr id="16" name="Rectangle 15">
-            <a:extLst>
-              <a:ext uri="{FF2B5EF4-FFF2-40B4-BE49-F238E27FC236}">
-                <a16:creationId xmlns:a16="http://schemas.microsoft.com/office/drawing/2014/main" id="{5C09FD5A-8588-47D4-A055-7CED1C3D029C}"/>
-              </a:ext>
-            </a:extLst>
-          </p:cNvPr>
-          <p:cNvSpPr/>
-          <p:nvPr/>
-        </p:nvSpPr>
-        <p:spPr>
-          <a:xfrm>
-            <a:off x="3620586" y="3334977"/>
-            <a:ext cx="604434" cy="604434"/>
-          </a:xfrm>
-          <a:prstGeom prst="rect">
-            <a:avLst/>
-          </a:prstGeom>
-          <a:noFill/>
-          <a:ln w="38100"/>
-        </p:spPr>
-        <p:style>
-          <a:lnRef idx="2">
-            <a:schemeClr val="accent1">
-              <a:shade val="50000"/>
-            </a:schemeClr>
-          </a:lnRef>
-          <a:fillRef idx="1">
-            <a:schemeClr val="accent1"/>
-          </a:fillRef>
-          <a:effectRef idx="0">
-            <a:schemeClr val="accent1"/>
-          </a:effectRef>
-          <a:fontRef idx="minor">
-            <a:schemeClr val="lt1"/>
-          </a:fontRef>
-        </p:style>
-        <p:txBody>
-          <a:bodyPr rtlCol="0" anchor="ctr"/>
-          <a:lstStyle/>
-          <a:p>
-            <a:pPr algn="ctr"/>
-            <a:r>
-              <a:rPr lang="en-US" sz="2400" b="1" dirty="0">
-                <a:solidFill>
-                  <a:schemeClr val="tx1"/>
-                </a:solidFill>
-              </a:rPr>
-              <a:t>7</a:t>
-            </a:r>
-          </a:p>
-        </p:txBody>
-      </p:sp>
-      <p:sp>
-        <p:nvSpPr>
-          <p:cNvPr id="17" name="Rectangle 16">
-            <a:extLst>
-              <a:ext uri="{FF2B5EF4-FFF2-40B4-BE49-F238E27FC236}">
-                <a16:creationId xmlns:a16="http://schemas.microsoft.com/office/drawing/2014/main" id="{C7D4B1FC-6178-4AE5-8A70-7754248E60A6}"/>
-              </a:ext>
-            </a:extLst>
-          </p:cNvPr>
-          <p:cNvSpPr/>
-          <p:nvPr/>
-        </p:nvSpPr>
-        <p:spPr>
-          <a:xfrm>
-            <a:off x="1784037" y="3939411"/>
-            <a:ext cx="604434" cy="604434"/>
-          </a:xfrm>
-          <a:prstGeom prst="rect">
-            <a:avLst/>
-          </a:prstGeom>
-          <a:noFill/>
-          <a:ln w="38100"/>
-        </p:spPr>
-        <p:style>
-          <a:lnRef idx="2">
-            <a:schemeClr val="accent1">
-              <a:shade val="50000"/>
-            </a:schemeClr>
-          </a:lnRef>
-          <a:fillRef idx="1">
-            <a:schemeClr val="accent1"/>
-          </a:fillRef>
-          <a:effectRef idx="0">
-            <a:schemeClr val="accent1"/>
-          </a:effectRef>
-          <a:fontRef idx="minor">
-            <a:schemeClr val="lt1"/>
-          </a:fontRef>
-        </p:style>
-        <p:txBody>
-          <a:bodyPr rtlCol="0" anchor="ctr"/>
-          <a:lstStyle/>
-          <a:p>
-            <a:pPr algn="ctr"/>
-            <a:r>
-              <a:rPr lang="en-US" sz="2400" b="1" dirty="0">
-                <a:solidFill>
-                  <a:schemeClr val="tx1"/>
-                </a:solidFill>
-              </a:rPr>
-              <a:t>8</a:t>
-            </a:r>
-          </a:p>
-        </p:txBody>
-      </p:sp>
-      <p:sp>
-        <p:nvSpPr>
-          <p:cNvPr id="18" name="Rectangle 17">
-            <a:extLst>
-              <a:ext uri="{FF2B5EF4-FFF2-40B4-BE49-F238E27FC236}">
-                <a16:creationId xmlns:a16="http://schemas.microsoft.com/office/drawing/2014/main" id="{0709025F-70C9-4E19-B5DC-35EE78FD513B}"/>
-              </a:ext>
-            </a:extLst>
-          </p:cNvPr>
-          <p:cNvSpPr/>
-          <p:nvPr/>
-        </p:nvSpPr>
-        <p:spPr>
-          <a:xfrm>
-            <a:off x="2401386" y="3939411"/>
-            <a:ext cx="604434" cy="604434"/>
-          </a:xfrm>
-          <a:prstGeom prst="rect">
-            <a:avLst/>
-          </a:prstGeom>
-          <a:noFill/>
-          <a:ln w="38100"/>
-        </p:spPr>
-        <p:style>
-          <a:lnRef idx="2">
-            <a:schemeClr val="accent1">
-              <a:shade val="50000"/>
-            </a:schemeClr>
-          </a:lnRef>
-          <a:fillRef idx="1">
-            <a:schemeClr val="accent1"/>
-          </a:fillRef>
-          <a:effectRef idx="0">
-            <a:schemeClr val="accent1"/>
-          </a:effectRef>
-          <a:fontRef idx="minor">
-            <a:schemeClr val="lt1"/>
-          </a:fontRef>
-        </p:style>
-        <p:txBody>
-          <a:bodyPr rtlCol="0" anchor="ctr"/>
-          <a:lstStyle/>
-          <a:p>
-            <a:pPr algn="ctr"/>
-            <a:r>
-              <a:rPr lang="en-US" sz="2400" b="1" dirty="0">
-                <a:solidFill>
-                  <a:schemeClr val="tx1"/>
-                </a:solidFill>
-              </a:rPr>
-              <a:t>9</a:t>
-            </a:r>
-          </a:p>
-        </p:txBody>
-      </p:sp>
-      <p:sp>
-        <p:nvSpPr>
-          <p:cNvPr id="19" name="Rectangle 18">
-            <a:extLst>
-              <a:ext uri="{FF2B5EF4-FFF2-40B4-BE49-F238E27FC236}">
-                <a16:creationId xmlns:a16="http://schemas.microsoft.com/office/drawing/2014/main" id="{30AED873-443E-4EB8-AA2B-687D52C3D8ED}"/>
-              </a:ext>
-            </a:extLst>
-          </p:cNvPr>
-          <p:cNvSpPr/>
-          <p:nvPr/>
-        </p:nvSpPr>
-        <p:spPr>
-          <a:xfrm>
-            <a:off x="3018735" y="3939411"/>
-            <a:ext cx="604434" cy="604434"/>
-          </a:xfrm>
-          <a:prstGeom prst="rect">
-            <a:avLst/>
-          </a:prstGeom>
-          <a:noFill/>
-          <a:ln w="38100"/>
-        </p:spPr>
-        <p:style>
-          <a:lnRef idx="2">
-            <a:schemeClr val="accent1">
-              <a:shade val="50000"/>
-            </a:schemeClr>
-          </a:lnRef>
-          <a:fillRef idx="1">
-            <a:schemeClr val="accent1"/>
-          </a:fillRef>
-          <a:effectRef idx="0">
-            <a:schemeClr val="accent1"/>
-          </a:effectRef>
-          <a:fontRef idx="minor">
-            <a:schemeClr val="lt1"/>
-          </a:fontRef>
-        </p:style>
-        <p:txBody>
-          <a:bodyPr rtlCol="0" anchor="ctr"/>
-          <a:lstStyle/>
-          <a:p>
-            <a:pPr algn="ctr"/>
-            <a:r>
-              <a:rPr lang="en-US" sz="2400" b="1" dirty="0">
-                <a:solidFill>
-                  <a:schemeClr val="tx1"/>
-                </a:solidFill>
-              </a:rPr>
-              <a:t>10</a:t>
-            </a:r>
-          </a:p>
-        </p:txBody>
-      </p:sp>
-      <p:sp>
-        <p:nvSpPr>
-          <p:cNvPr id="20" name="Rectangle 19">
-            <a:extLst>
-              <a:ext uri="{FF2B5EF4-FFF2-40B4-BE49-F238E27FC236}">
-                <a16:creationId xmlns:a16="http://schemas.microsoft.com/office/drawing/2014/main" id="{2DC5E617-8956-40C6-9112-D4FB6DAF71BE}"/>
-              </a:ext>
-            </a:extLst>
-          </p:cNvPr>
-          <p:cNvSpPr/>
-          <p:nvPr/>
-        </p:nvSpPr>
-        <p:spPr>
-          <a:xfrm>
-            <a:off x="3636084" y="3939411"/>
-            <a:ext cx="604434" cy="604434"/>
-          </a:xfrm>
-          <a:prstGeom prst="rect">
-            <a:avLst/>
-          </a:prstGeom>
-          <a:noFill/>
-          <a:ln w="38100"/>
-        </p:spPr>
-        <p:style>
-          <a:lnRef idx="2">
-            <a:schemeClr val="accent1">
-              <a:shade val="50000"/>
-            </a:schemeClr>
-          </a:lnRef>
-          <a:fillRef idx="1">
-            <a:schemeClr val="accent1"/>
-          </a:fillRef>
-          <a:effectRef idx="0">
-            <a:schemeClr val="accent1"/>
-          </a:effectRef>
-          <a:fontRef idx="minor">
-            <a:schemeClr val="lt1"/>
-          </a:fontRef>
-        </p:style>
-        <p:txBody>
-          <a:bodyPr rtlCol="0" anchor="ctr"/>
-          <a:lstStyle/>
-          <a:p>
-            <a:pPr algn="ctr"/>
-            <a:r>
-              <a:rPr lang="en-US" sz="2400" b="1" dirty="0">
-                <a:solidFill>
-                  <a:schemeClr val="tx1"/>
-                </a:solidFill>
-              </a:rPr>
-              <a:t>11</a:t>
-            </a:r>
-          </a:p>
-        </p:txBody>
-      </p:sp>
-      <p:cxnSp>
-        <p:nvCxnSpPr>
-          <p:cNvPr id="44" name="Straight Arrow Connector 43">
-            <a:extLst>
-              <a:ext uri="{FF2B5EF4-FFF2-40B4-BE49-F238E27FC236}">
-                <a16:creationId xmlns:a16="http://schemas.microsoft.com/office/drawing/2014/main" id="{F97DCF05-ADA0-46CB-965E-2F4FE3B3BBC2}"/>
-              </a:ext>
-            </a:extLst>
-          </p:cNvPr>
-          <p:cNvCxnSpPr>
-            <a:cxnSpLocks/>
-          </p:cNvCxnSpPr>
-          <p:nvPr/>
-        </p:nvCxnSpPr>
-        <p:spPr>
-          <a:xfrm flipH="1">
-            <a:off x="2822928" y="4245744"/>
-            <a:ext cx="278141" cy="0"/>
-          </a:xfrm>
-          <a:prstGeom prst="straightConnector1">
-            <a:avLst/>
-          </a:prstGeom>
-          <a:ln w="38100">
-            <a:solidFill>
-              <a:srgbClr val="C00000"/>
-            </a:solidFill>
-            <a:headEnd type="none"/>
-            <a:tailEnd type="triangle"/>
-          </a:ln>
-        </p:spPr>
-        <p:style>
-          <a:lnRef idx="1">
-            <a:schemeClr val="accent1"/>
-          </a:lnRef>
-          <a:fillRef idx="0">
-            <a:schemeClr val="accent1"/>
-          </a:fillRef>
-          <a:effectRef idx="0">
-            <a:schemeClr val="accent1"/>
-          </a:effectRef>
-          <a:fontRef idx="minor">
-            <a:schemeClr val="tx1"/>
-          </a:fontRef>
-        </p:style>
-      </p:cxnSp>
-      <p:sp>
-        <p:nvSpPr>
-          <p:cNvPr id="64" name="TextBox 63">
-            <a:extLst>
-              <a:ext uri="{FF2B5EF4-FFF2-40B4-BE49-F238E27FC236}">
-                <a16:creationId xmlns:a16="http://schemas.microsoft.com/office/drawing/2014/main" id="{05BA3123-D5E9-478C-B43C-DC60D5FC7339}"/>
-              </a:ext>
-            </a:extLst>
-          </p:cNvPr>
-          <p:cNvSpPr txBox="1"/>
-          <p:nvPr/>
-        </p:nvSpPr>
-        <p:spPr>
-          <a:xfrm>
-            <a:off x="1293837" y="4728285"/>
-            <a:ext cx="4329910" cy="584775"/>
-          </a:xfrm>
-          <a:prstGeom prst="rect">
-            <a:avLst/>
-          </a:prstGeom>
-          <a:noFill/>
-        </p:spPr>
-        <p:txBody>
-          <a:bodyPr wrap="square" rtlCol="0">
-            <a:spAutoFit/>
-          </a:bodyPr>
-          <a:lstStyle/>
-          <a:p>
-            <a:r>
-              <a:rPr lang="en-US" sz="3200" dirty="0"/>
-              <a:t>= {u:0.5,d:0.0,l:0.5,r:0.0}</a:t>
-            </a:r>
-            <a:endParaRPr lang="en-US" sz="2800" baseline="-25000" dirty="0">
-              <a:solidFill>
-                <a:srgbClr val="FF0000"/>
-              </a:solidFill>
-            </a:endParaRPr>
-          </a:p>
-        </p:txBody>
-      </p:sp>
-      <p:sp>
-        <p:nvSpPr>
-          <p:cNvPr id="85" name="Rectangle 84">
-            <a:extLst>
-              <a:ext uri="{FF2B5EF4-FFF2-40B4-BE49-F238E27FC236}">
-                <a16:creationId xmlns:a16="http://schemas.microsoft.com/office/drawing/2014/main" id="{41BEEC89-D5CF-4486-AF0E-D447D22C5E00}"/>
-              </a:ext>
-            </a:extLst>
-          </p:cNvPr>
-          <p:cNvSpPr/>
-          <p:nvPr/>
-        </p:nvSpPr>
-        <p:spPr>
-          <a:xfrm>
-            <a:off x="7553900" y="2740415"/>
-            <a:ext cx="604434" cy="604434"/>
-          </a:xfrm>
-          <a:prstGeom prst="rect">
-            <a:avLst/>
-          </a:prstGeom>
-          <a:solidFill>
-            <a:schemeClr val="accent1">
-              <a:alpha val="53000"/>
-            </a:schemeClr>
-          </a:solidFill>
-          <a:ln w="38100"/>
-        </p:spPr>
-        <p:style>
-          <a:lnRef idx="2">
-            <a:schemeClr val="accent1">
-              <a:shade val="50000"/>
-            </a:schemeClr>
-          </a:lnRef>
-          <a:fillRef idx="1">
-            <a:schemeClr val="accent1"/>
-          </a:fillRef>
-          <a:effectRef idx="0">
-            <a:schemeClr val="accent1"/>
-          </a:effectRef>
-          <a:fontRef idx="minor">
-            <a:schemeClr val="lt1"/>
-          </a:fontRef>
-        </p:style>
-        <p:txBody>
-          <a:bodyPr rtlCol="0" anchor="ctr"/>
-          <a:lstStyle/>
-          <a:p>
-            <a:pPr algn="ctr"/>
-            <a:r>
-              <a:rPr lang="en-US" sz="2400" b="1" dirty="0">
-                <a:solidFill>
-                  <a:schemeClr val="tx1"/>
-                </a:solidFill>
-              </a:rPr>
-              <a:t>0</a:t>
-            </a:r>
-          </a:p>
-        </p:txBody>
-      </p:sp>
-      <p:sp>
-        <p:nvSpPr>
-          <p:cNvPr id="86" name="Rectangle 85">
-            <a:extLst>
-              <a:ext uri="{FF2B5EF4-FFF2-40B4-BE49-F238E27FC236}">
-                <a16:creationId xmlns:a16="http://schemas.microsoft.com/office/drawing/2014/main" id="{2FBE70CE-B14B-4E7A-A979-5BB4950F5FC8}"/>
-              </a:ext>
-            </a:extLst>
-          </p:cNvPr>
-          <p:cNvSpPr/>
-          <p:nvPr/>
-        </p:nvSpPr>
-        <p:spPr>
-          <a:xfrm>
-            <a:off x="8181581" y="2740415"/>
-            <a:ext cx="604434" cy="604434"/>
-          </a:xfrm>
-          <a:prstGeom prst="rect">
-            <a:avLst/>
-          </a:prstGeom>
-          <a:noFill/>
-          <a:ln w="38100"/>
-        </p:spPr>
-        <p:style>
-          <a:lnRef idx="2">
-            <a:schemeClr val="accent1">
-              <a:shade val="50000"/>
-            </a:schemeClr>
-          </a:lnRef>
-          <a:fillRef idx="1">
-            <a:schemeClr val="accent1"/>
-          </a:fillRef>
-          <a:effectRef idx="0">
-            <a:schemeClr val="accent1"/>
-          </a:effectRef>
-          <a:fontRef idx="minor">
-            <a:schemeClr val="lt1"/>
-          </a:fontRef>
-        </p:style>
-        <p:txBody>
-          <a:bodyPr rtlCol="0" anchor="ctr"/>
-          <a:lstStyle/>
-          <a:p>
-            <a:pPr algn="ctr"/>
-            <a:r>
-              <a:rPr lang="en-US" sz="2400" b="1" dirty="0">
-                <a:solidFill>
-                  <a:schemeClr val="tx1"/>
-                </a:solidFill>
-              </a:rPr>
-              <a:t>1</a:t>
-            </a:r>
-          </a:p>
-        </p:txBody>
-      </p:sp>
-      <p:sp>
-        <p:nvSpPr>
-          <p:cNvPr id="87" name="Rectangle 86">
-            <a:extLst>
-              <a:ext uri="{FF2B5EF4-FFF2-40B4-BE49-F238E27FC236}">
-                <a16:creationId xmlns:a16="http://schemas.microsoft.com/office/drawing/2014/main" id="{CDB8E728-B2C1-428B-81B8-64ABF547A7A2}"/>
-              </a:ext>
-            </a:extLst>
-          </p:cNvPr>
-          <p:cNvSpPr/>
-          <p:nvPr/>
-        </p:nvSpPr>
-        <p:spPr>
-          <a:xfrm>
-            <a:off x="8765593" y="2740415"/>
-            <a:ext cx="604434" cy="604434"/>
-          </a:xfrm>
-          <a:prstGeom prst="rect">
-            <a:avLst/>
-          </a:prstGeom>
-          <a:noFill/>
-          <a:ln w="38100"/>
-        </p:spPr>
-        <p:style>
-          <a:lnRef idx="2">
-            <a:schemeClr val="accent1">
-              <a:shade val="50000"/>
-            </a:schemeClr>
-          </a:lnRef>
-          <a:fillRef idx="1">
-            <a:schemeClr val="accent1"/>
-          </a:fillRef>
-          <a:effectRef idx="0">
-            <a:schemeClr val="accent1"/>
-          </a:effectRef>
-          <a:fontRef idx="minor">
-            <a:schemeClr val="lt1"/>
-          </a:fontRef>
-        </p:style>
-        <p:txBody>
-          <a:bodyPr rtlCol="0" anchor="ctr"/>
-          <a:lstStyle/>
-          <a:p>
-            <a:pPr algn="ctr"/>
-            <a:r>
-              <a:rPr lang="en-US" sz="2400" b="1" dirty="0">
-                <a:solidFill>
-                  <a:schemeClr val="tx1"/>
-                </a:solidFill>
-              </a:rPr>
-              <a:t>2</a:t>
-            </a:r>
-          </a:p>
-        </p:txBody>
-      </p:sp>
-      <p:sp>
-        <p:nvSpPr>
-          <p:cNvPr id="88" name="Rectangle 87">
-            <a:extLst>
-              <a:ext uri="{FF2B5EF4-FFF2-40B4-BE49-F238E27FC236}">
-                <a16:creationId xmlns:a16="http://schemas.microsoft.com/office/drawing/2014/main" id="{023E7835-55B9-461B-AF5C-819789A7EEB3}"/>
-              </a:ext>
-            </a:extLst>
-          </p:cNvPr>
-          <p:cNvSpPr/>
-          <p:nvPr/>
-        </p:nvSpPr>
-        <p:spPr>
-          <a:xfrm>
-            <a:off x="9387866" y="2740415"/>
-            <a:ext cx="604434" cy="604434"/>
-          </a:xfrm>
-          <a:prstGeom prst="rect">
-            <a:avLst/>
-          </a:prstGeom>
-          <a:noFill/>
-          <a:ln w="38100"/>
-        </p:spPr>
-        <p:style>
-          <a:lnRef idx="2">
-            <a:schemeClr val="accent1">
-              <a:shade val="50000"/>
-            </a:schemeClr>
-          </a:lnRef>
-          <a:fillRef idx="1">
-            <a:schemeClr val="accent1"/>
-          </a:fillRef>
-          <a:effectRef idx="0">
-            <a:schemeClr val="accent1"/>
-          </a:effectRef>
-          <a:fontRef idx="minor">
-            <a:schemeClr val="lt1"/>
-          </a:fontRef>
-        </p:style>
-        <p:txBody>
-          <a:bodyPr rtlCol="0" anchor="ctr"/>
-          <a:lstStyle/>
-          <a:p>
-            <a:pPr algn="ctr"/>
-            <a:r>
-              <a:rPr lang="en-US" sz="2400" b="1" dirty="0">
-                <a:solidFill>
-                  <a:schemeClr val="tx1"/>
-                </a:solidFill>
-              </a:rPr>
-              <a:t>3</a:t>
-            </a:r>
-          </a:p>
-        </p:txBody>
-      </p:sp>
-      <p:sp>
-        <p:nvSpPr>
-          <p:cNvPr id="89" name="Rectangle 88">
-            <a:extLst>
-              <a:ext uri="{FF2B5EF4-FFF2-40B4-BE49-F238E27FC236}">
-                <a16:creationId xmlns:a16="http://schemas.microsoft.com/office/drawing/2014/main" id="{58B3F02D-AFA2-4D99-9FA2-796960D6770A}"/>
-              </a:ext>
-            </a:extLst>
-          </p:cNvPr>
-          <p:cNvSpPr/>
-          <p:nvPr/>
-        </p:nvSpPr>
-        <p:spPr>
-          <a:xfrm>
-            <a:off x="7551317" y="3344849"/>
-            <a:ext cx="604434" cy="604434"/>
-          </a:xfrm>
-          <a:prstGeom prst="rect">
-            <a:avLst/>
-          </a:prstGeom>
-          <a:noFill/>
-          <a:ln w="38100"/>
-        </p:spPr>
-        <p:style>
-          <a:lnRef idx="2">
-            <a:schemeClr val="accent1">
-              <a:shade val="50000"/>
-            </a:schemeClr>
-          </a:lnRef>
-          <a:fillRef idx="1">
-            <a:schemeClr val="accent1"/>
-          </a:fillRef>
-          <a:effectRef idx="0">
-            <a:schemeClr val="accent1"/>
-          </a:effectRef>
-          <a:fontRef idx="minor">
-            <a:schemeClr val="lt1"/>
-          </a:fontRef>
-        </p:style>
-        <p:txBody>
-          <a:bodyPr rtlCol="0" anchor="ctr"/>
-          <a:lstStyle/>
-          <a:p>
-            <a:pPr algn="ctr"/>
-            <a:r>
-              <a:rPr lang="en-US" sz="2400" b="1" dirty="0">
-                <a:solidFill>
-                  <a:schemeClr val="tx1"/>
-                </a:solidFill>
-              </a:rPr>
-              <a:t>4</a:t>
-            </a:r>
-          </a:p>
-        </p:txBody>
-      </p:sp>
-      <p:sp>
-        <p:nvSpPr>
-          <p:cNvPr id="90" name="Rectangle 89">
-            <a:extLst>
-              <a:ext uri="{FF2B5EF4-FFF2-40B4-BE49-F238E27FC236}">
-                <a16:creationId xmlns:a16="http://schemas.microsoft.com/office/drawing/2014/main" id="{7A082BA7-6257-421A-A7F3-C98EF0BDC5E1}"/>
-              </a:ext>
-            </a:extLst>
-          </p:cNvPr>
-          <p:cNvSpPr/>
-          <p:nvPr/>
-        </p:nvSpPr>
-        <p:spPr>
-          <a:xfrm>
-            <a:off x="8163500" y="3344849"/>
-            <a:ext cx="604434" cy="604434"/>
-          </a:xfrm>
-          <a:prstGeom prst="rect">
-            <a:avLst/>
-          </a:prstGeom>
-          <a:noFill/>
-          <a:ln w="38100"/>
-        </p:spPr>
-        <p:style>
-          <a:lnRef idx="2">
-            <a:schemeClr val="accent1">
-              <a:shade val="50000"/>
-            </a:schemeClr>
-          </a:lnRef>
-          <a:fillRef idx="1">
-            <a:schemeClr val="accent1"/>
-          </a:fillRef>
-          <a:effectRef idx="0">
-            <a:schemeClr val="accent1"/>
-          </a:effectRef>
-          <a:fontRef idx="minor">
-            <a:schemeClr val="lt1"/>
-          </a:fontRef>
-        </p:style>
-        <p:txBody>
-          <a:bodyPr rtlCol="0" anchor="ctr"/>
-          <a:lstStyle/>
-          <a:p>
-            <a:pPr algn="ctr"/>
-            <a:r>
-              <a:rPr lang="en-US" sz="2400" b="1" dirty="0">
-                <a:solidFill>
-                  <a:schemeClr val="tx1"/>
-                </a:solidFill>
-              </a:rPr>
-              <a:t>5</a:t>
-            </a:r>
-          </a:p>
-        </p:txBody>
-      </p:sp>
-      <p:sp>
-        <p:nvSpPr>
-          <p:cNvPr id="91" name="Rectangle 90">
-            <a:extLst>
-              <a:ext uri="{FF2B5EF4-FFF2-40B4-BE49-F238E27FC236}">
-                <a16:creationId xmlns:a16="http://schemas.microsoft.com/office/drawing/2014/main" id="{826FA4BD-3504-444B-AC76-05256582AA95}"/>
-              </a:ext>
-            </a:extLst>
-          </p:cNvPr>
-          <p:cNvSpPr/>
-          <p:nvPr/>
-        </p:nvSpPr>
-        <p:spPr>
-          <a:xfrm>
-            <a:off x="8775683" y="3344849"/>
-            <a:ext cx="604434" cy="604434"/>
-          </a:xfrm>
-          <a:prstGeom prst="rect">
-            <a:avLst/>
-          </a:prstGeom>
-          <a:noFill/>
-          <a:ln w="38100"/>
-        </p:spPr>
-        <p:style>
-          <a:lnRef idx="2">
-            <a:schemeClr val="accent1">
-              <a:shade val="50000"/>
-            </a:schemeClr>
-          </a:lnRef>
-          <a:fillRef idx="1">
-            <a:schemeClr val="accent1"/>
-          </a:fillRef>
-          <a:effectRef idx="0">
-            <a:schemeClr val="accent1"/>
-          </a:effectRef>
-          <a:fontRef idx="minor">
-            <a:schemeClr val="lt1"/>
-          </a:fontRef>
-        </p:style>
-        <p:txBody>
-          <a:bodyPr rtlCol="0" anchor="ctr"/>
-          <a:lstStyle/>
-          <a:p>
-            <a:pPr algn="ctr"/>
-            <a:r>
-              <a:rPr lang="en-US" sz="2400" b="1" dirty="0">
-                <a:solidFill>
-                  <a:schemeClr val="tx1"/>
-                </a:solidFill>
-              </a:rPr>
-              <a:t>6</a:t>
-            </a:r>
-          </a:p>
-        </p:txBody>
-      </p:sp>
-      <p:sp>
-        <p:nvSpPr>
-          <p:cNvPr id="92" name="Rectangle 91">
-            <a:extLst>
-              <a:ext uri="{FF2B5EF4-FFF2-40B4-BE49-F238E27FC236}">
-                <a16:creationId xmlns:a16="http://schemas.microsoft.com/office/drawing/2014/main" id="{A12BF6F8-E27D-4B7B-92BF-7B5AEFF077A6}"/>
-              </a:ext>
-            </a:extLst>
-          </p:cNvPr>
-          <p:cNvSpPr/>
-          <p:nvPr/>
-        </p:nvSpPr>
-        <p:spPr>
-          <a:xfrm>
-            <a:off x="9387866" y="3344849"/>
-            <a:ext cx="604434" cy="604434"/>
-          </a:xfrm>
-          <a:prstGeom prst="rect">
-            <a:avLst/>
-          </a:prstGeom>
-          <a:noFill/>
-          <a:ln w="38100"/>
-        </p:spPr>
-        <p:style>
-          <a:lnRef idx="2">
-            <a:schemeClr val="accent1">
-              <a:shade val="50000"/>
-            </a:schemeClr>
-          </a:lnRef>
-          <a:fillRef idx="1">
-            <a:schemeClr val="accent1"/>
-          </a:fillRef>
-          <a:effectRef idx="0">
-            <a:schemeClr val="accent1"/>
-          </a:effectRef>
-          <a:fontRef idx="minor">
-            <a:schemeClr val="lt1"/>
-          </a:fontRef>
-        </p:style>
-        <p:txBody>
-          <a:bodyPr rtlCol="0" anchor="ctr"/>
-          <a:lstStyle/>
-          <a:p>
-            <a:pPr algn="ctr"/>
-            <a:r>
-              <a:rPr lang="en-US" sz="2400" b="1" dirty="0">
-                <a:solidFill>
-                  <a:schemeClr val="tx1"/>
-                </a:solidFill>
-              </a:rPr>
-              <a:t>7</a:t>
-            </a:r>
-          </a:p>
-        </p:txBody>
-      </p:sp>
-      <p:sp>
-        <p:nvSpPr>
-          <p:cNvPr id="93" name="Rectangle 92">
-            <a:extLst>
-              <a:ext uri="{FF2B5EF4-FFF2-40B4-BE49-F238E27FC236}">
-                <a16:creationId xmlns:a16="http://schemas.microsoft.com/office/drawing/2014/main" id="{76BCDB45-AE75-46F5-981C-17C75108C554}"/>
-              </a:ext>
-            </a:extLst>
-          </p:cNvPr>
-          <p:cNvSpPr/>
-          <p:nvPr/>
-        </p:nvSpPr>
-        <p:spPr>
-          <a:xfrm>
-            <a:off x="7551317" y="3949283"/>
-            <a:ext cx="604434" cy="604434"/>
-          </a:xfrm>
-          <a:prstGeom prst="rect">
-            <a:avLst/>
-          </a:prstGeom>
-          <a:noFill/>
-          <a:ln w="38100"/>
-        </p:spPr>
-        <p:style>
-          <a:lnRef idx="2">
-            <a:schemeClr val="accent1">
-              <a:shade val="50000"/>
-            </a:schemeClr>
-          </a:lnRef>
-          <a:fillRef idx="1">
-            <a:schemeClr val="accent1"/>
-          </a:fillRef>
-          <a:effectRef idx="0">
-            <a:schemeClr val="accent1"/>
-          </a:effectRef>
-          <a:fontRef idx="minor">
-            <a:schemeClr val="lt1"/>
-          </a:fontRef>
-        </p:style>
-        <p:txBody>
-          <a:bodyPr rtlCol="0" anchor="ctr"/>
-          <a:lstStyle/>
-          <a:p>
-            <a:pPr algn="ctr"/>
-            <a:r>
-              <a:rPr lang="en-US" sz="2400" b="1" dirty="0">
-                <a:solidFill>
-                  <a:schemeClr val="tx1"/>
-                </a:solidFill>
-              </a:rPr>
-              <a:t>8</a:t>
-            </a:r>
-          </a:p>
-        </p:txBody>
-      </p:sp>
-      <p:sp>
-        <p:nvSpPr>
-          <p:cNvPr id="94" name="Rectangle 93">
-            <a:extLst>
-              <a:ext uri="{FF2B5EF4-FFF2-40B4-BE49-F238E27FC236}">
-                <a16:creationId xmlns:a16="http://schemas.microsoft.com/office/drawing/2014/main" id="{0ABC7538-0005-4F4A-B94C-6AFD27087C57}"/>
-              </a:ext>
-            </a:extLst>
-          </p:cNvPr>
-          <p:cNvSpPr/>
-          <p:nvPr/>
-        </p:nvSpPr>
-        <p:spPr>
-          <a:xfrm>
-            <a:off x="8168666" y="3949283"/>
-            <a:ext cx="604434" cy="604434"/>
-          </a:xfrm>
-          <a:prstGeom prst="rect">
-            <a:avLst/>
-          </a:prstGeom>
-          <a:noFill/>
-          <a:ln w="38100"/>
-        </p:spPr>
-        <p:style>
-          <a:lnRef idx="2">
-            <a:schemeClr val="accent1">
-              <a:shade val="50000"/>
-            </a:schemeClr>
-          </a:lnRef>
-          <a:fillRef idx="1">
-            <a:schemeClr val="accent1"/>
-          </a:fillRef>
-          <a:effectRef idx="0">
-            <a:schemeClr val="accent1"/>
-          </a:effectRef>
-          <a:fontRef idx="minor">
-            <a:schemeClr val="lt1"/>
-          </a:fontRef>
-        </p:style>
-        <p:txBody>
-          <a:bodyPr rtlCol="0" anchor="ctr"/>
-          <a:lstStyle/>
-          <a:p>
-            <a:pPr algn="ctr"/>
-            <a:r>
-              <a:rPr lang="en-US" sz="2400" b="1" dirty="0">
-                <a:solidFill>
-                  <a:schemeClr val="tx1"/>
-                </a:solidFill>
-              </a:rPr>
-              <a:t>9</a:t>
-            </a:r>
-          </a:p>
-        </p:txBody>
-      </p:sp>
-      <p:sp>
-        <p:nvSpPr>
-          <p:cNvPr id="95" name="Rectangle 94">
-            <a:extLst>
-              <a:ext uri="{FF2B5EF4-FFF2-40B4-BE49-F238E27FC236}">
-                <a16:creationId xmlns:a16="http://schemas.microsoft.com/office/drawing/2014/main" id="{6B31AB41-19E2-410D-8F57-B245DCCE6988}"/>
-              </a:ext>
-            </a:extLst>
-          </p:cNvPr>
-          <p:cNvSpPr/>
-          <p:nvPr/>
-        </p:nvSpPr>
-        <p:spPr>
-          <a:xfrm>
-            <a:off x="8786015" y="3949283"/>
-            <a:ext cx="604434" cy="604434"/>
-          </a:xfrm>
-          <a:prstGeom prst="rect">
-            <a:avLst/>
-          </a:prstGeom>
-          <a:noFill/>
-          <a:ln w="38100"/>
-        </p:spPr>
-        <p:style>
-          <a:lnRef idx="2">
-            <a:schemeClr val="accent1">
-              <a:shade val="50000"/>
-            </a:schemeClr>
-          </a:lnRef>
-          <a:fillRef idx="1">
-            <a:schemeClr val="accent1"/>
-          </a:fillRef>
-          <a:effectRef idx="0">
-            <a:schemeClr val="accent1"/>
-          </a:effectRef>
-          <a:fontRef idx="minor">
-            <a:schemeClr val="lt1"/>
-          </a:fontRef>
-        </p:style>
-        <p:txBody>
-          <a:bodyPr rtlCol="0" anchor="ctr"/>
-          <a:lstStyle/>
-          <a:p>
-            <a:pPr algn="ctr"/>
-            <a:r>
-              <a:rPr lang="en-US" sz="2400" b="1" dirty="0">
-                <a:solidFill>
-                  <a:schemeClr val="tx1"/>
-                </a:solidFill>
-              </a:rPr>
-              <a:t>10</a:t>
-            </a:r>
-          </a:p>
-        </p:txBody>
-      </p:sp>
-      <p:sp>
-        <p:nvSpPr>
-          <p:cNvPr id="96" name="Rectangle 95">
-            <a:extLst>
-              <a:ext uri="{FF2B5EF4-FFF2-40B4-BE49-F238E27FC236}">
-                <a16:creationId xmlns:a16="http://schemas.microsoft.com/office/drawing/2014/main" id="{17A26C60-DCC0-4F62-A3C5-727D08D6B895}"/>
-              </a:ext>
-            </a:extLst>
-          </p:cNvPr>
-          <p:cNvSpPr/>
-          <p:nvPr/>
-        </p:nvSpPr>
-        <p:spPr>
-          <a:xfrm>
-            <a:off x="9403364" y="3949283"/>
-            <a:ext cx="604434" cy="604434"/>
-          </a:xfrm>
-          <a:prstGeom prst="rect">
-            <a:avLst/>
-          </a:prstGeom>
-          <a:noFill/>
-          <a:ln w="38100"/>
-        </p:spPr>
-        <p:style>
-          <a:lnRef idx="2">
-            <a:schemeClr val="accent1">
-              <a:shade val="50000"/>
-            </a:schemeClr>
-          </a:lnRef>
-          <a:fillRef idx="1">
-            <a:schemeClr val="accent1"/>
-          </a:fillRef>
-          <a:effectRef idx="0">
-            <a:schemeClr val="accent1"/>
-          </a:effectRef>
-          <a:fontRef idx="minor">
-            <a:schemeClr val="lt1"/>
-          </a:fontRef>
-        </p:style>
-        <p:txBody>
-          <a:bodyPr rtlCol="0" anchor="ctr"/>
-          <a:lstStyle/>
-          <a:p>
-            <a:pPr algn="ctr"/>
-            <a:r>
-              <a:rPr lang="en-US" sz="2400" b="1" dirty="0">
-                <a:solidFill>
-                  <a:schemeClr val="tx1"/>
-                </a:solidFill>
-              </a:rPr>
-              <a:t>11</a:t>
-            </a:r>
-          </a:p>
-        </p:txBody>
-      </p:sp>
-      <p:cxnSp>
-        <p:nvCxnSpPr>
-          <p:cNvPr id="104" name="Straight Arrow Connector 103">
-            <a:extLst>
-              <a:ext uri="{FF2B5EF4-FFF2-40B4-BE49-F238E27FC236}">
-                <a16:creationId xmlns:a16="http://schemas.microsoft.com/office/drawing/2014/main" id="{5FBBE0A5-4DEE-478B-B160-DE777CCECBAC}"/>
-              </a:ext>
-            </a:extLst>
-          </p:cNvPr>
-          <p:cNvCxnSpPr>
-            <a:cxnSpLocks/>
-          </p:cNvCxnSpPr>
-          <p:nvPr/>
-        </p:nvCxnSpPr>
-        <p:spPr>
-          <a:xfrm flipV="1">
-            <a:off x="9058423" y="3778788"/>
-            <a:ext cx="0" cy="321246"/>
-          </a:xfrm>
-          <a:prstGeom prst="straightConnector1">
-            <a:avLst/>
-          </a:prstGeom>
-          <a:ln w="38100">
-            <a:solidFill>
-              <a:schemeClr val="tx1"/>
-            </a:solidFill>
-            <a:headEnd type="none"/>
-            <a:tailEnd type="triangle"/>
-          </a:ln>
-        </p:spPr>
-        <p:style>
-          <a:lnRef idx="1">
-            <a:schemeClr val="accent1"/>
-          </a:lnRef>
-          <a:fillRef idx="0">
-            <a:schemeClr val="accent1"/>
-          </a:fillRef>
-          <a:effectRef idx="0">
-            <a:schemeClr val="accent1"/>
-          </a:effectRef>
-          <a:fontRef idx="minor">
-            <a:schemeClr val="tx1"/>
-          </a:fontRef>
-        </p:style>
-      </p:cxnSp>
-      <p:sp>
-        <p:nvSpPr>
-          <p:cNvPr id="65" name="Content Placeholder 2">
-            <a:extLst>
-              <a:ext uri="{FF2B5EF4-FFF2-40B4-BE49-F238E27FC236}">
-                <a16:creationId xmlns:a16="http://schemas.microsoft.com/office/drawing/2014/main" id="{668E7021-821E-49AE-9C84-C502A5F04407}"/>
-              </a:ext>
-            </a:extLst>
-          </p:cNvPr>
-          <p:cNvSpPr>
-            <a:spLocks noGrp="1"/>
-          </p:cNvSpPr>
-          <p:nvPr>
-            <p:ph idx="1"/>
-          </p:nvPr>
-        </p:nvSpPr>
-        <p:spPr>
-          <a:xfrm>
-            <a:off x="602770" y="692101"/>
-            <a:ext cx="10515600" cy="550506"/>
-          </a:xfrm>
-        </p:spPr>
-        <p:txBody>
-          <a:bodyPr>
-            <a:normAutofit/>
-          </a:bodyPr>
-          <a:lstStyle/>
-          <a:p>
-            <a:pPr marL="0" indent="0">
-              <a:buNone/>
-            </a:pPr>
-            <a:r>
-              <a:rPr lang="en-US" sz="3200" dirty="0"/>
-              <a:t>How to interpret the Bellman state-value equations</a:t>
-            </a:r>
-          </a:p>
-          <a:p>
-            <a:endParaRPr lang="en-US" dirty="0"/>
-          </a:p>
-          <a:p>
-            <a:endParaRPr lang="en-US" dirty="0"/>
-          </a:p>
-          <a:p>
-            <a:pPr marL="0" indent="0">
-              <a:buNone/>
-            </a:pPr>
-            <a:endParaRPr lang="en-US" dirty="0"/>
-          </a:p>
-        </p:txBody>
-      </p:sp>
-      <p:pic>
-        <p:nvPicPr>
-          <p:cNvPr id="66" name="Picture 65">
-            <a:extLst>
-              <a:ext uri="{FF2B5EF4-FFF2-40B4-BE49-F238E27FC236}">
-                <a16:creationId xmlns:a16="http://schemas.microsoft.com/office/drawing/2014/main" id="{E769A8EF-C720-4413-B198-12CA8ED75D24}"/>
-              </a:ext>
-            </a:extLst>
-          </p:cNvPr>
-          <p:cNvPicPr>
-            <a:picLocks noChangeAspect="1"/>
-          </p:cNvPicPr>
-          <p:nvPr/>
-        </p:nvPicPr>
-        <p:blipFill>
-          <a:blip r:embed="rId2"/>
-          <a:stretch>
-            <a:fillRect/>
-          </a:stretch>
-        </p:blipFill>
-        <p:spPr>
-          <a:xfrm>
-            <a:off x="2661919" y="1403230"/>
-            <a:ext cx="7487995" cy="979442"/>
-          </a:xfrm>
-          <a:prstGeom prst="rect">
-            <a:avLst/>
-          </a:prstGeom>
-        </p:spPr>
-      </p:pic>
-      <p:pic>
-        <p:nvPicPr>
-          <p:cNvPr id="67" name="Picture 66">
-            <a:extLst>
-              <a:ext uri="{FF2B5EF4-FFF2-40B4-BE49-F238E27FC236}">
-                <a16:creationId xmlns:a16="http://schemas.microsoft.com/office/drawing/2014/main" id="{BD0B9D71-DE23-4A80-8FA4-1C316CAC2907}"/>
-              </a:ext>
-            </a:extLst>
-          </p:cNvPr>
-          <p:cNvPicPr>
-            <a:picLocks noChangeAspect="1"/>
-          </p:cNvPicPr>
-          <p:nvPr/>
-        </p:nvPicPr>
-        <p:blipFill>
-          <a:blip r:embed="rId3"/>
-          <a:stretch>
-            <a:fillRect/>
-          </a:stretch>
-        </p:blipFill>
-        <p:spPr>
-          <a:xfrm>
-            <a:off x="1689026" y="1440321"/>
-            <a:ext cx="939800" cy="537029"/>
-          </a:xfrm>
-          <a:prstGeom prst="rect">
-            <a:avLst/>
-          </a:prstGeom>
-        </p:spPr>
-      </p:pic>
-      <p:cxnSp>
-        <p:nvCxnSpPr>
-          <p:cNvPr id="68" name="Straight Arrow Connector 67">
-            <a:extLst>
-              <a:ext uri="{FF2B5EF4-FFF2-40B4-BE49-F238E27FC236}">
-                <a16:creationId xmlns:a16="http://schemas.microsoft.com/office/drawing/2014/main" id="{08278C6E-6E84-49B1-AD3E-90C4584A08E3}"/>
-              </a:ext>
-            </a:extLst>
-          </p:cNvPr>
-          <p:cNvCxnSpPr>
-            <a:cxnSpLocks/>
-          </p:cNvCxnSpPr>
-          <p:nvPr/>
-        </p:nvCxnSpPr>
-        <p:spPr>
-          <a:xfrm flipH="1" flipV="1">
-            <a:off x="3303270" y="3788660"/>
-            <a:ext cx="3276" cy="321246"/>
-          </a:xfrm>
-          <a:prstGeom prst="straightConnector1">
-            <a:avLst/>
-          </a:prstGeom>
-          <a:ln w="38100">
-            <a:solidFill>
-              <a:srgbClr val="C00000"/>
-            </a:solidFill>
-            <a:headEnd type="none"/>
-            <a:tailEnd type="triangle"/>
-          </a:ln>
-        </p:spPr>
-        <p:style>
-          <a:lnRef idx="1">
-            <a:schemeClr val="accent1"/>
-          </a:lnRef>
-          <a:fillRef idx="0">
-            <a:schemeClr val="accent1"/>
-          </a:fillRef>
-          <a:effectRef idx="0">
-            <a:schemeClr val="accent1"/>
-          </a:effectRef>
-          <a:fontRef idx="minor">
-            <a:schemeClr val="tx1"/>
-          </a:fontRef>
-        </p:style>
-      </p:cxnSp>
-      <p:cxnSp>
-        <p:nvCxnSpPr>
-          <p:cNvPr id="71" name="Straight Arrow Connector 70">
-            <a:extLst>
-              <a:ext uri="{FF2B5EF4-FFF2-40B4-BE49-F238E27FC236}">
-                <a16:creationId xmlns:a16="http://schemas.microsoft.com/office/drawing/2014/main" id="{F394666D-49A7-4A6B-B3CD-BA887F015928}"/>
-              </a:ext>
-            </a:extLst>
-          </p:cNvPr>
-          <p:cNvCxnSpPr>
-            <a:cxnSpLocks/>
-            <a:endCxn id="19" idx="2"/>
-          </p:cNvCxnSpPr>
-          <p:nvPr/>
-        </p:nvCxnSpPr>
-        <p:spPr>
-          <a:xfrm>
-            <a:off x="3320952" y="4393094"/>
-            <a:ext cx="0" cy="150751"/>
-          </a:xfrm>
-          <a:prstGeom prst="straightConnector1">
-            <a:avLst/>
-          </a:prstGeom>
-          <a:ln w="38100">
-            <a:solidFill>
-              <a:srgbClr val="C00000"/>
-            </a:solidFill>
-            <a:headEnd type="none"/>
-            <a:tailEnd type="triangle"/>
-          </a:ln>
-        </p:spPr>
-        <p:style>
-          <a:lnRef idx="1">
-            <a:schemeClr val="accent1"/>
-          </a:lnRef>
-          <a:fillRef idx="0">
-            <a:schemeClr val="accent1"/>
-          </a:fillRef>
-          <a:effectRef idx="0">
-            <a:schemeClr val="accent1"/>
-          </a:effectRef>
-          <a:fontRef idx="minor">
-            <a:schemeClr val="tx1"/>
-          </a:fontRef>
-        </p:style>
-      </p:cxnSp>
-      <p:cxnSp>
-        <p:nvCxnSpPr>
-          <p:cNvPr id="75" name="Straight Arrow Connector 74">
-            <a:extLst>
-              <a:ext uri="{FF2B5EF4-FFF2-40B4-BE49-F238E27FC236}">
-                <a16:creationId xmlns:a16="http://schemas.microsoft.com/office/drawing/2014/main" id="{7995548C-3281-41C6-A68A-A596AFCDECB7}"/>
-              </a:ext>
-            </a:extLst>
-          </p:cNvPr>
-          <p:cNvCxnSpPr>
-            <a:cxnSpLocks/>
-          </p:cNvCxnSpPr>
-          <p:nvPr/>
-        </p:nvCxnSpPr>
-        <p:spPr>
-          <a:xfrm>
-            <a:off x="3497581" y="4255616"/>
-            <a:ext cx="285164" cy="0"/>
-          </a:xfrm>
-          <a:prstGeom prst="straightConnector1">
-            <a:avLst/>
-          </a:prstGeom>
-          <a:ln w="38100">
-            <a:solidFill>
-              <a:srgbClr val="C00000"/>
-            </a:solidFill>
-            <a:headEnd type="none"/>
-            <a:tailEnd type="triangle"/>
-          </a:ln>
-        </p:spPr>
-        <p:style>
-          <a:lnRef idx="1">
-            <a:schemeClr val="accent1"/>
-          </a:lnRef>
-          <a:fillRef idx="0">
-            <a:schemeClr val="accent1"/>
-          </a:fillRef>
-          <a:effectRef idx="0">
-            <a:schemeClr val="accent1"/>
-          </a:effectRef>
-          <a:fontRef idx="minor">
-            <a:schemeClr val="tx1"/>
-          </a:fontRef>
-        </p:style>
-      </p:cxnSp>
-      <p:pic>
-        <p:nvPicPr>
-          <p:cNvPr id="22" name="Picture 21">
-            <a:extLst>
-              <a:ext uri="{FF2B5EF4-FFF2-40B4-BE49-F238E27FC236}">
-                <a16:creationId xmlns:a16="http://schemas.microsoft.com/office/drawing/2014/main" id="{3B015BA6-710F-45B8-A025-8C45241BA0BA}"/>
-              </a:ext>
-            </a:extLst>
-          </p:cNvPr>
-          <p:cNvPicPr>
-            <a:picLocks noChangeAspect="1"/>
-          </p:cNvPicPr>
-          <p:nvPr/>
-        </p:nvPicPr>
-        <p:blipFill>
-          <a:blip r:embed="rId4"/>
-          <a:stretch>
-            <a:fillRect/>
-          </a:stretch>
-        </p:blipFill>
-        <p:spPr>
-          <a:xfrm>
-            <a:off x="297740" y="5440178"/>
-            <a:ext cx="1904439" cy="496975"/>
-          </a:xfrm>
-          <a:prstGeom prst="rect">
-            <a:avLst/>
-          </a:prstGeom>
-        </p:spPr>
-      </p:pic>
-      <p:pic>
-        <p:nvPicPr>
-          <p:cNvPr id="23" name="Picture 22">
-            <a:extLst>
-              <a:ext uri="{FF2B5EF4-FFF2-40B4-BE49-F238E27FC236}">
-                <a16:creationId xmlns:a16="http://schemas.microsoft.com/office/drawing/2014/main" id="{69DBBC1A-B0BA-463B-A805-173F13172E37}"/>
-              </a:ext>
-            </a:extLst>
-          </p:cNvPr>
-          <p:cNvPicPr>
-            <a:picLocks noChangeAspect="1"/>
-          </p:cNvPicPr>
-          <p:nvPr/>
-        </p:nvPicPr>
-        <p:blipFill>
-          <a:blip r:embed="rId5"/>
-          <a:stretch>
-            <a:fillRect/>
-          </a:stretch>
-        </p:blipFill>
-        <p:spPr>
-          <a:xfrm>
-            <a:off x="297740" y="4847644"/>
-            <a:ext cx="1059223" cy="465416"/>
-          </a:xfrm>
-          <a:prstGeom prst="rect">
-            <a:avLst/>
-          </a:prstGeom>
-        </p:spPr>
-      </p:pic>
-      <p:sp>
-        <p:nvSpPr>
-          <p:cNvPr id="80" name="TextBox 79">
-            <a:extLst>
-              <a:ext uri="{FF2B5EF4-FFF2-40B4-BE49-F238E27FC236}">
-                <a16:creationId xmlns:a16="http://schemas.microsoft.com/office/drawing/2014/main" id="{B006B137-B7C8-483E-AE3D-093FFA7522CE}"/>
-              </a:ext>
-            </a:extLst>
-          </p:cNvPr>
-          <p:cNvSpPr txBox="1"/>
-          <p:nvPr/>
-        </p:nvSpPr>
-        <p:spPr>
-          <a:xfrm>
-            <a:off x="2115526" y="5388264"/>
-            <a:ext cx="6200433" cy="1077218"/>
-          </a:xfrm>
-          <a:prstGeom prst="rect">
-            <a:avLst/>
-          </a:prstGeom>
-          <a:noFill/>
-        </p:spPr>
-        <p:txBody>
-          <a:bodyPr wrap="square" rtlCol="0">
-            <a:spAutoFit/>
-          </a:bodyPr>
-          <a:lstStyle/>
-          <a:p>
-            <a:r>
-              <a:rPr lang="en-US" sz="3200" dirty="0"/>
-              <a:t>= {(6,r</a:t>
-            </a:r>
-            <a:r>
-              <a:rPr lang="en-US" sz="3200" baseline="-25000" dirty="0"/>
-              <a:t>10-6</a:t>
-            </a:r>
-            <a:r>
-              <a:rPr lang="en-US" sz="3200" dirty="0"/>
-              <a:t>|10,u):1.0,</a:t>
-            </a:r>
-          </a:p>
-          <a:p>
-            <a:r>
-              <a:rPr lang="en-US" sz="3200" dirty="0"/>
-              <a:t>      (9</a:t>
-            </a:r>
-            <a:r>
-              <a:rPr lang="en-US" sz="3200"/>
-              <a:t>,r</a:t>
-            </a:r>
-            <a:r>
-              <a:rPr lang="en-US" sz="3200" baseline="-25000"/>
-              <a:t>10-9</a:t>
-            </a:r>
-            <a:r>
-              <a:rPr lang="en-US" sz="3200"/>
-              <a:t>|10</a:t>
-            </a:r>
-            <a:r>
-              <a:rPr lang="en-US" sz="3200" dirty="0"/>
-              <a:t>,l):1.0}</a:t>
-            </a:r>
-            <a:endParaRPr lang="en-US" sz="2800" baseline="-25000" dirty="0">
-              <a:solidFill>
-                <a:srgbClr val="FF0000"/>
-              </a:solidFill>
-            </a:endParaRPr>
-          </a:p>
-        </p:txBody>
-      </p:sp>
-      <p:cxnSp>
-        <p:nvCxnSpPr>
-          <p:cNvPr id="81" name="Straight Arrow Connector 80">
-            <a:extLst>
-              <a:ext uri="{FF2B5EF4-FFF2-40B4-BE49-F238E27FC236}">
-                <a16:creationId xmlns:a16="http://schemas.microsoft.com/office/drawing/2014/main" id="{E826C5B9-4C73-42FE-ADD0-B0C69C78BDAE}"/>
-              </a:ext>
-            </a:extLst>
-          </p:cNvPr>
-          <p:cNvCxnSpPr>
-            <a:cxnSpLocks/>
-          </p:cNvCxnSpPr>
-          <p:nvPr/>
-        </p:nvCxnSpPr>
-        <p:spPr>
-          <a:xfrm flipH="1">
-            <a:off x="8587458" y="4268144"/>
-            <a:ext cx="278141" cy="0"/>
-          </a:xfrm>
-          <a:prstGeom prst="straightConnector1">
-            <a:avLst/>
-          </a:prstGeom>
-          <a:ln w="38100">
-            <a:solidFill>
-              <a:schemeClr val="tx1"/>
-            </a:solidFill>
-            <a:headEnd type="none"/>
-            <a:tailEnd type="triangle"/>
-          </a:ln>
-        </p:spPr>
-        <p:style>
-          <a:lnRef idx="1">
-            <a:schemeClr val="accent1"/>
-          </a:lnRef>
-          <a:fillRef idx="0">
-            <a:schemeClr val="accent1"/>
-          </a:fillRef>
-          <a:effectRef idx="0">
-            <a:schemeClr val="accent1"/>
-          </a:effectRef>
-          <a:fontRef idx="minor">
-            <a:schemeClr val="tx1"/>
-          </a:fontRef>
-        </p:style>
-      </p:cxnSp>
-      <p:cxnSp>
-        <p:nvCxnSpPr>
-          <p:cNvPr id="82" name="Straight Arrow Connector 81">
-            <a:extLst>
-              <a:ext uri="{FF2B5EF4-FFF2-40B4-BE49-F238E27FC236}">
-                <a16:creationId xmlns:a16="http://schemas.microsoft.com/office/drawing/2014/main" id="{A0AF3904-FEE9-482E-AA02-4C572FA7233B}"/>
-              </a:ext>
-            </a:extLst>
-          </p:cNvPr>
-          <p:cNvCxnSpPr>
-            <a:cxnSpLocks/>
-          </p:cNvCxnSpPr>
-          <p:nvPr/>
-        </p:nvCxnSpPr>
-        <p:spPr>
-          <a:xfrm flipV="1">
-            <a:off x="9058423" y="3174354"/>
-            <a:ext cx="0" cy="321246"/>
-          </a:xfrm>
-          <a:prstGeom prst="straightConnector1">
-            <a:avLst/>
-          </a:prstGeom>
-          <a:ln w="38100">
-            <a:solidFill>
-              <a:srgbClr val="C00000"/>
-            </a:solidFill>
-            <a:headEnd type="none"/>
-            <a:tailEnd type="triangle"/>
-          </a:ln>
-        </p:spPr>
-        <p:style>
-          <a:lnRef idx="1">
-            <a:schemeClr val="accent1"/>
-          </a:lnRef>
-          <a:fillRef idx="0">
-            <a:schemeClr val="accent1"/>
-          </a:fillRef>
-          <a:effectRef idx="0">
-            <a:schemeClr val="accent1"/>
-          </a:effectRef>
-          <a:fontRef idx="minor">
-            <a:schemeClr val="tx1"/>
-          </a:fontRef>
-        </p:style>
-      </p:cxnSp>
-      <p:cxnSp>
-        <p:nvCxnSpPr>
-          <p:cNvPr id="83" name="Straight Arrow Connector 82">
-            <a:extLst>
-              <a:ext uri="{FF2B5EF4-FFF2-40B4-BE49-F238E27FC236}">
-                <a16:creationId xmlns:a16="http://schemas.microsoft.com/office/drawing/2014/main" id="{42B71BA0-C972-4811-89F7-2F17CA63D3F5}"/>
-              </a:ext>
-            </a:extLst>
-          </p:cNvPr>
-          <p:cNvCxnSpPr>
-            <a:cxnSpLocks/>
-          </p:cNvCxnSpPr>
-          <p:nvPr/>
-        </p:nvCxnSpPr>
-        <p:spPr>
-          <a:xfrm flipV="1">
-            <a:off x="7869703" y="3194429"/>
-            <a:ext cx="0" cy="321246"/>
-          </a:xfrm>
-          <a:prstGeom prst="straightConnector1">
-            <a:avLst/>
-          </a:prstGeom>
-          <a:ln w="38100">
-            <a:solidFill>
-              <a:srgbClr val="C00000"/>
-            </a:solidFill>
-            <a:headEnd type="none"/>
-            <a:tailEnd type="triangle"/>
-          </a:ln>
-        </p:spPr>
-        <p:style>
-          <a:lnRef idx="1">
-            <a:schemeClr val="accent1"/>
-          </a:lnRef>
-          <a:fillRef idx="0">
-            <a:schemeClr val="accent1"/>
-          </a:fillRef>
-          <a:effectRef idx="0">
-            <a:schemeClr val="accent1"/>
-          </a:effectRef>
-          <a:fontRef idx="minor">
-            <a:schemeClr val="tx1"/>
-          </a:fontRef>
-        </p:style>
-      </p:cxnSp>
-      <p:cxnSp>
-        <p:nvCxnSpPr>
-          <p:cNvPr id="84" name="Straight Arrow Connector 83">
-            <a:extLst>
-              <a:ext uri="{FF2B5EF4-FFF2-40B4-BE49-F238E27FC236}">
-                <a16:creationId xmlns:a16="http://schemas.microsoft.com/office/drawing/2014/main" id="{8E2AC66F-0C8D-4008-9ACE-609E46550129}"/>
-              </a:ext>
-            </a:extLst>
-          </p:cNvPr>
-          <p:cNvCxnSpPr>
-            <a:cxnSpLocks/>
-          </p:cNvCxnSpPr>
-          <p:nvPr/>
-        </p:nvCxnSpPr>
-        <p:spPr>
-          <a:xfrm flipV="1">
-            <a:off x="7869703" y="3778788"/>
-            <a:ext cx="0" cy="321246"/>
-          </a:xfrm>
-          <a:prstGeom prst="straightConnector1">
-            <a:avLst/>
-          </a:prstGeom>
-          <a:ln w="38100">
-            <a:solidFill>
-              <a:srgbClr val="C00000"/>
-            </a:solidFill>
-            <a:headEnd type="none"/>
-            <a:tailEnd type="triangle"/>
-          </a:ln>
-        </p:spPr>
-        <p:style>
-          <a:lnRef idx="1">
-            <a:schemeClr val="accent1"/>
-          </a:lnRef>
-          <a:fillRef idx="0">
-            <a:schemeClr val="accent1"/>
-          </a:fillRef>
-          <a:effectRef idx="0">
-            <a:schemeClr val="accent1"/>
-          </a:effectRef>
-          <a:fontRef idx="minor">
-            <a:schemeClr val="tx1"/>
-          </a:fontRef>
-        </p:style>
-      </p:cxnSp>
-      <p:cxnSp>
-        <p:nvCxnSpPr>
-          <p:cNvPr id="97" name="Straight Arrow Connector 96">
-            <a:extLst>
-              <a:ext uri="{FF2B5EF4-FFF2-40B4-BE49-F238E27FC236}">
-                <a16:creationId xmlns:a16="http://schemas.microsoft.com/office/drawing/2014/main" id="{78262BE0-9C34-4210-9510-24C76DB76C3B}"/>
-              </a:ext>
-            </a:extLst>
-          </p:cNvPr>
-          <p:cNvCxnSpPr>
-            <a:cxnSpLocks/>
-          </p:cNvCxnSpPr>
-          <p:nvPr/>
-        </p:nvCxnSpPr>
-        <p:spPr>
-          <a:xfrm flipV="1">
-            <a:off x="8471683" y="3788660"/>
-            <a:ext cx="0" cy="321246"/>
-          </a:xfrm>
-          <a:prstGeom prst="straightConnector1">
-            <a:avLst/>
-          </a:prstGeom>
-          <a:ln w="38100">
-            <a:solidFill>
-              <a:srgbClr val="C00000"/>
-            </a:solidFill>
-            <a:headEnd type="none"/>
-            <a:tailEnd type="triangle"/>
-          </a:ln>
-        </p:spPr>
-        <p:style>
-          <a:lnRef idx="1">
-            <a:schemeClr val="accent1"/>
-          </a:lnRef>
-          <a:fillRef idx="0">
-            <a:schemeClr val="accent1"/>
-          </a:fillRef>
-          <a:effectRef idx="0">
-            <a:schemeClr val="accent1"/>
-          </a:effectRef>
-          <a:fontRef idx="minor">
-            <a:schemeClr val="tx1"/>
-          </a:fontRef>
-        </p:style>
-      </p:cxnSp>
-      <p:cxnSp>
-        <p:nvCxnSpPr>
-          <p:cNvPr id="98" name="Straight Arrow Connector 97">
-            <a:extLst>
-              <a:ext uri="{FF2B5EF4-FFF2-40B4-BE49-F238E27FC236}">
-                <a16:creationId xmlns:a16="http://schemas.microsoft.com/office/drawing/2014/main" id="{BB75F075-12F4-497E-B201-FC07192B453D}"/>
-              </a:ext>
-            </a:extLst>
-          </p:cNvPr>
-          <p:cNvCxnSpPr>
-            <a:cxnSpLocks/>
-          </p:cNvCxnSpPr>
-          <p:nvPr/>
-        </p:nvCxnSpPr>
-        <p:spPr>
-          <a:xfrm flipV="1">
-            <a:off x="8502163" y="3171109"/>
-            <a:ext cx="0" cy="321246"/>
-          </a:xfrm>
-          <a:prstGeom prst="straightConnector1">
-            <a:avLst/>
-          </a:prstGeom>
-          <a:ln w="38100">
-            <a:solidFill>
-              <a:srgbClr val="C00000"/>
-            </a:solidFill>
-            <a:headEnd type="none"/>
-            <a:tailEnd type="triangle"/>
-          </a:ln>
-        </p:spPr>
-        <p:style>
-          <a:lnRef idx="1">
-            <a:schemeClr val="accent1"/>
-          </a:lnRef>
-          <a:fillRef idx="0">
-            <a:schemeClr val="accent1"/>
-          </a:fillRef>
-          <a:effectRef idx="0">
-            <a:schemeClr val="accent1"/>
-          </a:effectRef>
-          <a:fontRef idx="minor">
-            <a:schemeClr val="tx1"/>
-          </a:fontRef>
-        </p:style>
-      </p:cxnSp>
-      <p:cxnSp>
-        <p:nvCxnSpPr>
-          <p:cNvPr id="99" name="Straight Arrow Connector 98">
-            <a:extLst>
-              <a:ext uri="{FF2B5EF4-FFF2-40B4-BE49-F238E27FC236}">
-                <a16:creationId xmlns:a16="http://schemas.microsoft.com/office/drawing/2014/main" id="{F2E0041E-9A82-4EC6-BFCE-C07F166753E4}"/>
-              </a:ext>
-            </a:extLst>
-          </p:cNvPr>
-          <p:cNvCxnSpPr>
-            <a:cxnSpLocks/>
-          </p:cNvCxnSpPr>
-          <p:nvPr/>
-        </p:nvCxnSpPr>
-        <p:spPr>
-          <a:xfrm flipH="1">
-            <a:off x="8024429" y="4255616"/>
-            <a:ext cx="278141" cy="0"/>
-          </a:xfrm>
-          <a:prstGeom prst="straightConnector1">
-            <a:avLst/>
-          </a:prstGeom>
-          <a:ln w="38100">
-            <a:solidFill>
-              <a:srgbClr val="C00000"/>
-            </a:solidFill>
-            <a:headEnd type="none"/>
-            <a:tailEnd type="triangle"/>
-          </a:ln>
-        </p:spPr>
-        <p:style>
-          <a:lnRef idx="1">
-            <a:schemeClr val="accent1"/>
-          </a:lnRef>
-          <a:fillRef idx="0">
-            <a:schemeClr val="accent1"/>
-          </a:fillRef>
-          <a:effectRef idx="0">
-            <a:schemeClr val="accent1"/>
-          </a:effectRef>
-          <a:fontRef idx="minor">
-            <a:schemeClr val="tx1"/>
-          </a:fontRef>
-        </p:style>
-      </p:cxnSp>
-      <p:cxnSp>
-        <p:nvCxnSpPr>
-          <p:cNvPr id="100" name="Straight Arrow Connector 99">
-            <a:extLst>
-              <a:ext uri="{FF2B5EF4-FFF2-40B4-BE49-F238E27FC236}">
-                <a16:creationId xmlns:a16="http://schemas.microsoft.com/office/drawing/2014/main" id="{7295B2D4-9BD3-4B57-A1C7-F208DF137BF5}"/>
-              </a:ext>
-            </a:extLst>
-          </p:cNvPr>
-          <p:cNvCxnSpPr>
-            <a:cxnSpLocks/>
-          </p:cNvCxnSpPr>
-          <p:nvPr/>
-        </p:nvCxnSpPr>
-        <p:spPr>
-          <a:xfrm flipH="1">
-            <a:off x="8016680" y="3656348"/>
-            <a:ext cx="278141" cy="0"/>
-          </a:xfrm>
-          <a:prstGeom prst="straightConnector1">
-            <a:avLst/>
-          </a:prstGeom>
-          <a:ln w="38100">
-            <a:solidFill>
-              <a:srgbClr val="C00000"/>
-            </a:solidFill>
-            <a:headEnd type="none"/>
-            <a:tailEnd type="triangle"/>
-          </a:ln>
-        </p:spPr>
-        <p:style>
-          <a:lnRef idx="1">
-            <a:schemeClr val="accent1"/>
-          </a:lnRef>
-          <a:fillRef idx="0">
-            <a:schemeClr val="accent1"/>
-          </a:fillRef>
-          <a:effectRef idx="0">
-            <a:schemeClr val="accent1"/>
-          </a:effectRef>
-          <a:fontRef idx="minor">
-            <a:schemeClr val="tx1"/>
-          </a:fontRef>
-        </p:style>
-      </p:cxnSp>
-      <p:cxnSp>
-        <p:nvCxnSpPr>
-          <p:cNvPr id="102" name="Straight Arrow Connector 101">
-            <a:extLst>
-              <a:ext uri="{FF2B5EF4-FFF2-40B4-BE49-F238E27FC236}">
-                <a16:creationId xmlns:a16="http://schemas.microsoft.com/office/drawing/2014/main" id="{7800D221-996A-493C-9CB6-EB2F702052AA}"/>
-              </a:ext>
-            </a:extLst>
-          </p:cNvPr>
-          <p:cNvCxnSpPr>
-            <a:cxnSpLocks/>
-          </p:cNvCxnSpPr>
-          <p:nvPr/>
-        </p:nvCxnSpPr>
-        <p:spPr>
-          <a:xfrm flipH="1">
-            <a:off x="8008931" y="3057080"/>
-            <a:ext cx="278141" cy="0"/>
-          </a:xfrm>
-          <a:prstGeom prst="straightConnector1">
-            <a:avLst/>
-          </a:prstGeom>
-          <a:ln w="38100">
-            <a:solidFill>
-              <a:srgbClr val="C00000"/>
-            </a:solidFill>
-            <a:headEnd type="none"/>
-            <a:tailEnd type="triangle"/>
-          </a:ln>
-        </p:spPr>
-        <p:style>
-          <a:lnRef idx="1">
-            <a:schemeClr val="accent1"/>
-          </a:lnRef>
-          <a:fillRef idx="0">
-            <a:schemeClr val="accent1"/>
-          </a:fillRef>
-          <a:effectRef idx="0">
-            <a:schemeClr val="accent1"/>
-          </a:effectRef>
-          <a:fontRef idx="minor">
-            <a:schemeClr val="tx1"/>
-          </a:fontRef>
-        </p:style>
-      </p:cxnSp>
-      <p:cxnSp>
-        <p:nvCxnSpPr>
-          <p:cNvPr id="103" name="Straight Arrow Connector 102">
-            <a:extLst>
-              <a:ext uri="{FF2B5EF4-FFF2-40B4-BE49-F238E27FC236}">
-                <a16:creationId xmlns:a16="http://schemas.microsoft.com/office/drawing/2014/main" id="{23A9038C-65B7-433F-BA32-798FA1EF5A63}"/>
-              </a:ext>
-            </a:extLst>
-          </p:cNvPr>
-          <p:cNvCxnSpPr>
-            <a:cxnSpLocks/>
-          </p:cNvCxnSpPr>
-          <p:nvPr/>
-        </p:nvCxnSpPr>
-        <p:spPr>
-          <a:xfrm flipH="1">
-            <a:off x="8626522" y="3057080"/>
-            <a:ext cx="278141" cy="0"/>
-          </a:xfrm>
-          <a:prstGeom prst="straightConnector1">
-            <a:avLst/>
-          </a:prstGeom>
-          <a:ln w="38100">
-            <a:solidFill>
-              <a:srgbClr val="C00000"/>
-            </a:solidFill>
-            <a:headEnd type="none"/>
-            <a:tailEnd type="triangle"/>
-          </a:ln>
-        </p:spPr>
-        <p:style>
-          <a:lnRef idx="1">
-            <a:schemeClr val="accent1"/>
-          </a:lnRef>
-          <a:fillRef idx="0">
-            <a:schemeClr val="accent1"/>
-          </a:fillRef>
-          <a:effectRef idx="0">
-            <a:schemeClr val="accent1"/>
-          </a:effectRef>
-          <a:fontRef idx="minor">
-            <a:schemeClr val="tx1"/>
-          </a:fontRef>
-        </p:style>
-      </p:cxnSp>
-      <p:cxnSp>
-        <p:nvCxnSpPr>
-          <p:cNvPr id="105" name="Straight Arrow Connector 104">
-            <a:extLst>
-              <a:ext uri="{FF2B5EF4-FFF2-40B4-BE49-F238E27FC236}">
-                <a16:creationId xmlns:a16="http://schemas.microsoft.com/office/drawing/2014/main" id="{C9504C13-8B56-4A01-8C54-9DE1832AA0CA}"/>
-              </a:ext>
-            </a:extLst>
-          </p:cNvPr>
-          <p:cNvCxnSpPr>
-            <a:cxnSpLocks/>
-          </p:cNvCxnSpPr>
-          <p:nvPr/>
-        </p:nvCxnSpPr>
-        <p:spPr>
-          <a:xfrm flipH="1">
-            <a:off x="8646944" y="3656348"/>
-            <a:ext cx="278141" cy="0"/>
-          </a:xfrm>
-          <a:prstGeom prst="straightConnector1">
-            <a:avLst/>
-          </a:prstGeom>
-          <a:ln w="38100">
-            <a:solidFill>
-              <a:srgbClr val="C00000"/>
-            </a:solidFill>
-            <a:headEnd type="none"/>
-            <a:tailEnd type="triangle"/>
-          </a:ln>
-        </p:spPr>
-        <p:style>
-          <a:lnRef idx="1">
-            <a:schemeClr val="accent1"/>
-          </a:lnRef>
-          <a:fillRef idx="0">
-            <a:schemeClr val="accent1"/>
-          </a:fillRef>
-          <a:effectRef idx="0">
-            <a:schemeClr val="accent1"/>
-          </a:effectRef>
-          <a:fontRef idx="minor">
-            <a:schemeClr val="tx1"/>
-          </a:fontRef>
-        </p:style>
-      </p:cxnSp>
-      <p:sp>
-        <p:nvSpPr>
-          <p:cNvPr id="106" name="TextBox 105">
-            <a:extLst>
-              <a:ext uri="{FF2B5EF4-FFF2-40B4-BE49-F238E27FC236}">
-                <a16:creationId xmlns:a16="http://schemas.microsoft.com/office/drawing/2014/main" id="{7672B24A-3D10-4797-91FC-77B4CB75AC9E}"/>
-              </a:ext>
-            </a:extLst>
-          </p:cNvPr>
-          <p:cNvSpPr txBox="1"/>
-          <p:nvPr/>
-        </p:nvSpPr>
-        <p:spPr>
-          <a:xfrm>
-            <a:off x="6299200" y="4840476"/>
-            <a:ext cx="1320800" cy="584775"/>
-          </a:xfrm>
-          <a:prstGeom prst="rect">
-            <a:avLst/>
-          </a:prstGeom>
-          <a:noFill/>
-        </p:spPr>
-        <p:txBody>
-          <a:bodyPr wrap="square" rtlCol="0">
-            <a:spAutoFit/>
-          </a:bodyPr>
-          <a:lstStyle/>
-          <a:p>
-            <a:r>
-              <a:rPr lang="en-US" sz="3200" i="1" dirty="0" err="1"/>
-              <a:t>V</a:t>
-            </a:r>
-            <a:r>
-              <a:rPr lang="en-US" sz="3200" baseline="-25000" dirty="0" err="1">
-                <a:latin typeface="Symbol" panose="05050102010706020507" pitchFamily="18" charset="2"/>
-              </a:rPr>
-              <a:t>p</a:t>
-            </a:r>
-            <a:r>
-              <a:rPr lang="en-US" sz="3200" dirty="0"/>
-              <a:t>(10)                            </a:t>
-            </a:r>
-            <a:endParaRPr lang="en-US" sz="2800" baseline="-25000" dirty="0">
-              <a:solidFill>
-                <a:srgbClr val="FF0000"/>
-              </a:solidFill>
-            </a:endParaRPr>
-          </a:p>
-        </p:txBody>
-      </p:sp>
-      <p:pic>
-        <p:nvPicPr>
-          <p:cNvPr id="25" name="Picture 24">
-            <a:extLst>
-              <a:ext uri="{FF2B5EF4-FFF2-40B4-BE49-F238E27FC236}">
-                <a16:creationId xmlns:a16="http://schemas.microsoft.com/office/drawing/2014/main" id="{E18EDCF8-65DE-48D2-9BD7-E6F1A1FD4857}"/>
-              </a:ext>
-            </a:extLst>
-          </p:cNvPr>
-          <p:cNvPicPr>
-            <a:picLocks noChangeAspect="1"/>
-          </p:cNvPicPr>
-          <p:nvPr/>
-        </p:nvPicPr>
-        <p:blipFill>
-          <a:blip r:embed="rId6"/>
-          <a:stretch>
-            <a:fillRect/>
-          </a:stretch>
-        </p:blipFill>
-        <p:spPr>
-          <a:xfrm>
-            <a:off x="7553946" y="4769989"/>
-            <a:ext cx="2026918" cy="953402"/>
-          </a:xfrm>
-          <a:prstGeom prst="rect">
-            <a:avLst/>
-          </a:prstGeom>
-        </p:spPr>
-      </p:pic>
-      <p:pic>
-        <p:nvPicPr>
-          <p:cNvPr id="26" name="Picture 25">
-            <a:extLst>
-              <a:ext uri="{FF2B5EF4-FFF2-40B4-BE49-F238E27FC236}">
-                <a16:creationId xmlns:a16="http://schemas.microsoft.com/office/drawing/2014/main" id="{83EC3768-AF70-4230-92DE-6AA461D17127}"/>
-              </a:ext>
-            </a:extLst>
-          </p:cNvPr>
-          <p:cNvPicPr>
-            <a:picLocks noChangeAspect="1"/>
-          </p:cNvPicPr>
-          <p:nvPr/>
-        </p:nvPicPr>
-        <p:blipFill>
-          <a:blip r:embed="rId7"/>
-          <a:stretch>
-            <a:fillRect/>
-          </a:stretch>
-        </p:blipFill>
-        <p:spPr>
-          <a:xfrm>
-            <a:off x="7479954" y="5735275"/>
-            <a:ext cx="4552854" cy="979919"/>
-          </a:xfrm>
-          <a:prstGeom prst="rect">
-            <a:avLst/>
-          </a:prstGeom>
-        </p:spPr>
-      </p:pic>
-    </p:spTree>
-    <p:extLst>
-      <p:ext uri="{BB962C8B-B14F-4D97-AF65-F5344CB8AC3E}">
-        <p14:creationId xmlns:p14="http://schemas.microsoft.com/office/powerpoint/2010/main" val="243305097"/>
-      </p:ext>
-    </p:extLst>
-  </p:cSld>
-  <p:clrMapOvr>
-    <a:masterClrMapping/>
-  </p:clrMapOvr>
-  <p:timing>
-    <p:tnLst>
-      <p:par>
-        <p:cTn id="1" dur="indefinite" restart="never" nodeType="tmRoot">
-          <p:childTnLst>
-            <p:seq concurrent="1" nextAc="seek">
-              <p:cTn id="2" dur="indefinite" nodeType="mainSeq">
-                <p:childTnLst>
-                  <p:par>
-                    <p:cTn id="3" fill="hold">
-                      <p:stCondLst>
-                        <p:cond delay="indefinite"/>
-                      </p:stCondLst>
-                      <p:childTnLst>
-                        <p:par>
-                          <p:cTn id="4" fill="hold">
-                            <p:stCondLst>
-                              <p:cond delay="0"/>
-                            </p:stCondLst>
-                            <p:childTnLst>
-                              <p:par>
-                                <p:cTn id="5" presetID="1" presetClass="entr" presetSubtype="0" fill="hold" grpId="0" nodeType="clickEffect">
-                                  <p:stCondLst>
-                                    <p:cond delay="0"/>
-                                  </p:stCondLst>
-                                  <p:childTnLst>
-                                    <p:set>
-                                      <p:cBhvr>
-                                        <p:cTn id="6" dur="1" fill="hold">
-                                          <p:stCondLst>
-                                            <p:cond delay="0"/>
-                                          </p:stCondLst>
-                                        </p:cTn>
-                                        <p:tgtEl>
-                                          <p:spTgt spid="9"/>
-                                        </p:tgtEl>
-                                        <p:attrNameLst>
-                                          <p:attrName>style.visibility</p:attrName>
-                                        </p:attrNameLst>
-                                      </p:cBhvr>
-                                      <p:to>
-                                        <p:strVal val="visible"/>
-                                      </p:to>
-                                    </p:set>
-                                  </p:childTnLst>
-                                </p:cTn>
-                              </p:par>
-                              <p:par>
-                                <p:cTn id="7" presetID="1" presetClass="entr" presetSubtype="0" fill="hold" grpId="0" nodeType="withEffect">
-                                  <p:stCondLst>
-                                    <p:cond delay="0"/>
-                                  </p:stCondLst>
-                                  <p:childTnLst>
-                                    <p:set>
-                                      <p:cBhvr>
-                                        <p:cTn id="8" dur="1" fill="hold">
-                                          <p:stCondLst>
-                                            <p:cond delay="0"/>
-                                          </p:stCondLst>
-                                        </p:cTn>
-                                        <p:tgtEl>
-                                          <p:spTgt spid="10"/>
-                                        </p:tgtEl>
-                                        <p:attrNameLst>
-                                          <p:attrName>style.visibility</p:attrName>
-                                        </p:attrNameLst>
-                                      </p:cBhvr>
-                                      <p:to>
-                                        <p:strVal val="visible"/>
-                                      </p:to>
-                                    </p:set>
-                                  </p:childTnLst>
-                                </p:cTn>
-                              </p:par>
-                              <p:par>
-                                <p:cTn id="9" presetID="1" presetClass="entr" presetSubtype="0" fill="hold" grpId="0" nodeType="withEffect">
-                                  <p:stCondLst>
-                                    <p:cond delay="0"/>
-                                  </p:stCondLst>
-                                  <p:childTnLst>
-                                    <p:set>
-                                      <p:cBhvr>
-                                        <p:cTn id="10" dur="1" fill="hold">
-                                          <p:stCondLst>
-                                            <p:cond delay="0"/>
-                                          </p:stCondLst>
-                                        </p:cTn>
-                                        <p:tgtEl>
-                                          <p:spTgt spid="11"/>
-                                        </p:tgtEl>
-                                        <p:attrNameLst>
-                                          <p:attrName>style.visibility</p:attrName>
-                                        </p:attrNameLst>
-                                      </p:cBhvr>
-                                      <p:to>
-                                        <p:strVal val="visible"/>
-                                      </p:to>
-                                    </p:set>
-                                  </p:childTnLst>
-                                </p:cTn>
-                              </p:par>
-                              <p:par>
-                                <p:cTn id="11" presetID="1" presetClass="entr" presetSubtype="0" fill="hold" grpId="0" nodeType="withEffect">
-                                  <p:stCondLst>
-                                    <p:cond delay="0"/>
-                                  </p:stCondLst>
-                                  <p:childTnLst>
-                                    <p:set>
-                                      <p:cBhvr>
-                                        <p:cTn id="12" dur="1" fill="hold">
-                                          <p:stCondLst>
-                                            <p:cond delay="0"/>
-                                          </p:stCondLst>
-                                        </p:cTn>
-                                        <p:tgtEl>
-                                          <p:spTgt spid="12"/>
-                                        </p:tgtEl>
-                                        <p:attrNameLst>
-                                          <p:attrName>style.visibility</p:attrName>
-                                        </p:attrNameLst>
-                                      </p:cBhvr>
-                                      <p:to>
-                                        <p:strVal val="visible"/>
-                                      </p:to>
-                                    </p:set>
-                                  </p:childTnLst>
-                                </p:cTn>
-                              </p:par>
-                              <p:par>
-                                <p:cTn id="13" presetID="1" presetClass="entr" presetSubtype="0" fill="hold" grpId="0" nodeType="withEffect">
-                                  <p:stCondLst>
-                                    <p:cond delay="0"/>
-                                  </p:stCondLst>
-                                  <p:childTnLst>
-                                    <p:set>
-                                      <p:cBhvr>
-                                        <p:cTn id="14" dur="1" fill="hold">
-                                          <p:stCondLst>
-                                            <p:cond delay="0"/>
-                                          </p:stCondLst>
-                                        </p:cTn>
-                                        <p:tgtEl>
-                                          <p:spTgt spid="13"/>
-                                        </p:tgtEl>
-                                        <p:attrNameLst>
-                                          <p:attrName>style.visibility</p:attrName>
-                                        </p:attrNameLst>
-                                      </p:cBhvr>
-                                      <p:to>
-                                        <p:strVal val="visible"/>
-                                      </p:to>
-                                    </p:set>
-                                  </p:childTnLst>
-                                </p:cTn>
-                              </p:par>
-                              <p:par>
-                                <p:cTn id="15" presetID="1" presetClass="entr" presetSubtype="0" fill="hold" grpId="0" nodeType="withEffect">
-                                  <p:stCondLst>
-                                    <p:cond delay="0"/>
-                                  </p:stCondLst>
-                                  <p:childTnLst>
-                                    <p:set>
-                                      <p:cBhvr>
-                                        <p:cTn id="16" dur="1" fill="hold">
-                                          <p:stCondLst>
-                                            <p:cond delay="0"/>
-                                          </p:stCondLst>
-                                        </p:cTn>
-                                        <p:tgtEl>
-                                          <p:spTgt spid="14"/>
-                                        </p:tgtEl>
-                                        <p:attrNameLst>
-                                          <p:attrName>style.visibility</p:attrName>
-                                        </p:attrNameLst>
-                                      </p:cBhvr>
-                                      <p:to>
-                                        <p:strVal val="visible"/>
-                                      </p:to>
-                                    </p:set>
-                                  </p:childTnLst>
-                                </p:cTn>
-                              </p:par>
-                              <p:par>
-                                <p:cTn id="17" presetID="1" presetClass="entr" presetSubtype="0" fill="hold" grpId="0" nodeType="withEffect">
-                                  <p:stCondLst>
-                                    <p:cond delay="0"/>
-                                  </p:stCondLst>
-                                  <p:childTnLst>
-                                    <p:set>
-                                      <p:cBhvr>
-                                        <p:cTn id="18" dur="1" fill="hold">
-                                          <p:stCondLst>
-                                            <p:cond delay="0"/>
-                                          </p:stCondLst>
-                                        </p:cTn>
-                                        <p:tgtEl>
-                                          <p:spTgt spid="15"/>
-                                        </p:tgtEl>
-                                        <p:attrNameLst>
-                                          <p:attrName>style.visibility</p:attrName>
-                                        </p:attrNameLst>
-                                      </p:cBhvr>
-                                      <p:to>
-                                        <p:strVal val="visible"/>
-                                      </p:to>
-                                    </p:set>
-                                  </p:childTnLst>
-                                </p:cTn>
-                              </p:par>
-                              <p:par>
-                                <p:cTn id="19" presetID="1" presetClass="entr" presetSubtype="0" fill="hold" grpId="0" nodeType="withEffect">
-                                  <p:stCondLst>
-                                    <p:cond delay="0"/>
-                                  </p:stCondLst>
-                                  <p:childTnLst>
-                                    <p:set>
-                                      <p:cBhvr>
-                                        <p:cTn id="20" dur="1" fill="hold">
-                                          <p:stCondLst>
-                                            <p:cond delay="0"/>
-                                          </p:stCondLst>
-                                        </p:cTn>
-                                        <p:tgtEl>
-                                          <p:spTgt spid="16"/>
-                                        </p:tgtEl>
-                                        <p:attrNameLst>
-                                          <p:attrName>style.visibility</p:attrName>
-                                        </p:attrNameLst>
-                                      </p:cBhvr>
-                                      <p:to>
-                                        <p:strVal val="visible"/>
-                                      </p:to>
-                                    </p:set>
-                                  </p:childTnLst>
-                                </p:cTn>
-                              </p:par>
-                              <p:par>
-                                <p:cTn id="21" presetID="1" presetClass="entr" presetSubtype="0" fill="hold" grpId="0" nodeType="withEffect">
-                                  <p:stCondLst>
-                                    <p:cond delay="0"/>
-                                  </p:stCondLst>
-                                  <p:childTnLst>
-                                    <p:set>
-                                      <p:cBhvr>
-                                        <p:cTn id="22" dur="1" fill="hold">
-                                          <p:stCondLst>
-                                            <p:cond delay="0"/>
-                                          </p:stCondLst>
-                                        </p:cTn>
-                                        <p:tgtEl>
-                                          <p:spTgt spid="17"/>
-                                        </p:tgtEl>
-                                        <p:attrNameLst>
-                                          <p:attrName>style.visibility</p:attrName>
-                                        </p:attrNameLst>
-                                      </p:cBhvr>
-                                      <p:to>
-                                        <p:strVal val="visible"/>
-                                      </p:to>
-                                    </p:set>
-                                  </p:childTnLst>
-                                </p:cTn>
-                              </p:par>
-                              <p:par>
-                                <p:cTn id="23" presetID="1" presetClass="entr" presetSubtype="0" fill="hold" grpId="0" nodeType="withEffect">
-                                  <p:stCondLst>
-                                    <p:cond delay="0"/>
-                                  </p:stCondLst>
-                                  <p:childTnLst>
-                                    <p:set>
-                                      <p:cBhvr>
-                                        <p:cTn id="24" dur="1" fill="hold">
-                                          <p:stCondLst>
-                                            <p:cond delay="0"/>
-                                          </p:stCondLst>
-                                        </p:cTn>
-                                        <p:tgtEl>
-                                          <p:spTgt spid="18"/>
-                                        </p:tgtEl>
-                                        <p:attrNameLst>
-                                          <p:attrName>style.visibility</p:attrName>
-                                        </p:attrNameLst>
-                                      </p:cBhvr>
-                                      <p:to>
-                                        <p:strVal val="visible"/>
-                                      </p:to>
-                                    </p:set>
-                                  </p:childTnLst>
-                                </p:cTn>
-                              </p:par>
-                              <p:par>
-                                <p:cTn id="25" presetID="1" presetClass="entr" presetSubtype="0" fill="hold" grpId="0" nodeType="withEffect">
-                                  <p:stCondLst>
-                                    <p:cond delay="0"/>
-                                  </p:stCondLst>
-                                  <p:childTnLst>
-                                    <p:set>
-                                      <p:cBhvr>
-                                        <p:cTn id="26" dur="1" fill="hold">
-                                          <p:stCondLst>
-                                            <p:cond delay="0"/>
-                                          </p:stCondLst>
-                                        </p:cTn>
-                                        <p:tgtEl>
-                                          <p:spTgt spid="19"/>
-                                        </p:tgtEl>
-                                        <p:attrNameLst>
-                                          <p:attrName>style.visibility</p:attrName>
-                                        </p:attrNameLst>
-                                      </p:cBhvr>
-                                      <p:to>
-                                        <p:strVal val="visible"/>
-                                      </p:to>
-                                    </p:set>
-                                  </p:childTnLst>
-                                </p:cTn>
-                              </p:par>
-                              <p:par>
-                                <p:cTn id="27" presetID="1" presetClass="entr" presetSubtype="0" fill="hold" grpId="0" nodeType="withEffect">
-                                  <p:stCondLst>
-                                    <p:cond delay="0"/>
-                                  </p:stCondLst>
-                                  <p:childTnLst>
-                                    <p:set>
-                                      <p:cBhvr>
-                                        <p:cTn id="28" dur="1" fill="hold">
-                                          <p:stCondLst>
-                                            <p:cond delay="0"/>
-                                          </p:stCondLst>
-                                        </p:cTn>
-                                        <p:tgtEl>
-                                          <p:spTgt spid="20"/>
-                                        </p:tgtEl>
-                                        <p:attrNameLst>
-                                          <p:attrName>style.visibility</p:attrName>
-                                        </p:attrNameLst>
-                                      </p:cBhvr>
-                                      <p:to>
-                                        <p:strVal val="visible"/>
-                                      </p:to>
-                                    </p:set>
-                                  </p:childTnLst>
-                                </p:cTn>
-                              </p:par>
-                            </p:childTnLst>
-                          </p:cTn>
-                        </p:par>
-                      </p:childTnLst>
-                    </p:cTn>
-                  </p:par>
-                  <p:par>
-                    <p:cTn id="29" fill="hold">
-                      <p:stCondLst>
-                        <p:cond delay="indefinite"/>
-                      </p:stCondLst>
-                      <p:childTnLst>
-                        <p:par>
-                          <p:cTn id="30" fill="hold">
-                            <p:stCondLst>
-                              <p:cond delay="0"/>
-                            </p:stCondLst>
-                            <p:childTnLst>
-                              <p:par>
-                                <p:cTn id="31" presetID="1" presetClass="entr" presetSubtype="0" fill="hold" nodeType="clickEffect">
-                                  <p:stCondLst>
-                                    <p:cond delay="0"/>
-                                  </p:stCondLst>
-                                  <p:childTnLst>
-                                    <p:set>
-                                      <p:cBhvr>
-                                        <p:cTn id="32" dur="1" fill="hold">
-                                          <p:stCondLst>
-                                            <p:cond delay="0"/>
-                                          </p:stCondLst>
-                                        </p:cTn>
-                                        <p:tgtEl>
-                                          <p:spTgt spid="68"/>
-                                        </p:tgtEl>
-                                        <p:attrNameLst>
-                                          <p:attrName>style.visibility</p:attrName>
-                                        </p:attrNameLst>
-                                      </p:cBhvr>
-                                      <p:to>
-                                        <p:strVal val="visible"/>
-                                      </p:to>
-                                    </p:set>
-                                  </p:childTnLst>
-                                </p:cTn>
-                              </p:par>
-                            </p:childTnLst>
-                          </p:cTn>
-                        </p:par>
-                      </p:childTnLst>
-                    </p:cTn>
-                  </p:par>
-                  <p:par>
-                    <p:cTn id="33" fill="hold">
-                      <p:stCondLst>
-                        <p:cond delay="indefinite"/>
-                      </p:stCondLst>
-                      <p:childTnLst>
-                        <p:par>
-                          <p:cTn id="34" fill="hold">
-                            <p:stCondLst>
-                              <p:cond delay="0"/>
-                            </p:stCondLst>
-                            <p:childTnLst>
-                              <p:par>
-                                <p:cTn id="35" presetID="1" presetClass="entr" presetSubtype="0" fill="hold" nodeType="clickEffect">
-                                  <p:stCondLst>
-                                    <p:cond delay="0"/>
-                                  </p:stCondLst>
-                                  <p:childTnLst>
-                                    <p:set>
-                                      <p:cBhvr>
-                                        <p:cTn id="36" dur="1" fill="hold">
-                                          <p:stCondLst>
-                                            <p:cond delay="0"/>
-                                          </p:stCondLst>
-                                        </p:cTn>
-                                        <p:tgtEl>
-                                          <p:spTgt spid="71"/>
-                                        </p:tgtEl>
-                                        <p:attrNameLst>
-                                          <p:attrName>style.visibility</p:attrName>
-                                        </p:attrNameLst>
-                                      </p:cBhvr>
-                                      <p:to>
-                                        <p:strVal val="visible"/>
-                                      </p:to>
-                                    </p:set>
-                                  </p:childTnLst>
-                                </p:cTn>
-                              </p:par>
-                            </p:childTnLst>
-                          </p:cTn>
-                        </p:par>
-                      </p:childTnLst>
-                    </p:cTn>
-                  </p:par>
-                  <p:par>
-                    <p:cTn id="37" fill="hold">
-                      <p:stCondLst>
-                        <p:cond delay="indefinite"/>
-                      </p:stCondLst>
-                      <p:childTnLst>
-                        <p:par>
-                          <p:cTn id="38" fill="hold">
-                            <p:stCondLst>
-                              <p:cond delay="0"/>
-                            </p:stCondLst>
-                            <p:childTnLst>
-                              <p:par>
-                                <p:cTn id="39" presetID="1" presetClass="entr" presetSubtype="0" fill="hold" nodeType="clickEffect">
-                                  <p:stCondLst>
-                                    <p:cond delay="0"/>
-                                  </p:stCondLst>
-                                  <p:childTnLst>
-                                    <p:set>
-                                      <p:cBhvr>
-                                        <p:cTn id="40" dur="1" fill="hold">
-                                          <p:stCondLst>
-                                            <p:cond delay="0"/>
-                                          </p:stCondLst>
-                                        </p:cTn>
-                                        <p:tgtEl>
-                                          <p:spTgt spid="75"/>
-                                        </p:tgtEl>
-                                        <p:attrNameLst>
-                                          <p:attrName>style.visibility</p:attrName>
-                                        </p:attrNameLst>
-                                      </p:cBhvr>
-                                      <p:to>
-                                        <p:strVal val="visible"/>
-                                      </p:to>
-                                    </p:set>
-                                  </p:childTnLst>
-                                </p:cTn>
-                              </p:par>
-                            </p:childTnLst>
-                          </p:cTn>
-                        </p:par>
-                      </p:childTnLst>
-                    </p:cTn>
-                  </p:par>
-                  <p:par>
-                    <p:cTn id="41" fill="hold">
-                      <p:stCondLst>
-                        <p:cond delay="indefinite"/>
-                      </p:stCondLst>
-                      <p:childTnLst>
-                        <p:par>
-                          <p:cTn id="42" fill="hold">
-                            <p:stCondLst>
-                              <p:cond delay="0"/>
-                            </p:stCondLst>
-                            <p:childTnLst>
-                              <p:par>
-                                <p:cTn id="43" presetID="1" presetClass="entr" presetSubtype="0" fill="hold" nodeType="clickEffect">
-                                  <p:stCondLst>
-                                    <p:cond delay="0"/>
-                                  </p:stCondLst>
-                                  <p:childTnLst>
-                                    <p:set>
-                                      <p:cBhvr>
-                                        <p:cTn id="44" dur="1" fill="hold">
-                                          <p:stCondLst>
-                                            <p:cond delay="0"/>
-                                          </p:stCondLst>
-                                        </p:cTn>
-                                        <p:tgtEl>
-                                          <p:spTgt spid="44"/>
-                                        </p:tgtEl>
-                                        <p:attrNameLst>
-                                          <p:attrName>style.visibility</p:attrName>
-                                        </p:attrNameLst>
-                                      </p:cBhvr>
-                                      <p:to>
-                                        <p:strVal val="visible"/>
-                                      </p:to>
-                                    </p:set>
-                                  </p:childTnLst>
-                                </p:cTn>
-                              </p:par>
-                            </p:childTnLst>
-                          </p:cTn>
-                        </p:par>
-                      </p:childTnLst>
-                    </p:cTn>
-                  </p:par>
-                  <p:par>
-                    <p:cTn id="45" fill="hold">
-                      <p:stCondLst>
-                        <p:cond delay="indefinite"/>
-                      </p:stCondLst>
-                      <p:childTnLst>
-                        <p:par>
-                          <p:cTn id="46" fill="hold">
-                            <p:stCondLst>
-                              <p:cond delay="0"/>
-                            </p:stCondLst>
-                            <p:childTnLst>
-                              <p:par>
-                                <p:cTn id="47" presetID="1" presetClass="entr" presetSubtype="0" fill="hold" nodeType="clickEffect">
-                                  <p:stCondLst>
-                                    <p:cond delay="0"/>
-                                  </p:stCondLst>
-                                  <p:childTnLst>
-                                    <p:set>
-                                      <p:cBhvr>
-                                        <p:cTn id="48" dur="1" fill="hold">
-                                          <p:stCondLst>
-                                            <p:cond delay="0"/>
-                                          </p:stCondLst>
-                                        </p:cTn>
-                                        <p:tgtEl>
-                                          <p:spTgt spid="23"/>
-                                        </p:tgtEl>
-                                        <p:attrNameLst>
-                                          <p:attrName>style.visibility</p:attrName>
-                                        </p:attrNameLst>
-                                      </p:cBhvr>
-                                      <p:to>
-                                        <p:strVal val="visible"/>
-                                      </p:to>
-                                    </p:set>
-                                  </p:childTnLst>
-                                </p:cTn>
-                              </p:par>
-                              <p:par>
-                                <p:cTn id="49" presetID="1" presetClass="entr" presetSubtype="0" fill="hold" grpId="0" nodeType="withEffect">
-                                  <p:stCondLst>
-                                    <p:cond delay="0"/>
-                                  </p:stCondLst>
-                                  <p:childTnLst>
-                                    <p:set>
-                                      <p:cBhvr>
-                                        <p:cTn id="50" dur="1" fill="hold">
-                                          <p:stCondLst>
-                                            <p:cond delay="0"/>
-                                          </p:stCondLst>
-                                        </p:cTn>
-                                        <p:tgtEl>
-                                          <p:spTgt spid="64"/>
-                                        </p:tgtEl>
-                                        <p:attrNameLst>
-                                          <p:attrName>style.visibility</p:attrName>
-                                        </p:attrNameLst>
-                                      </p:cBhvr>
-                                      <p:to>
-                                        <p:strVal val="visible"/>
-                                      </p:to>
-                                    </p:set>
-                                  </p:childTnLst>
-                                </p:cTn>
-                              </p:par>
-                            </p:childTnLst>
-                          </p:cTn>
-                        </p:par>
-                      </p:childTnLst>
-                    </p:cTn>
-                  </p:par>
-                  <p:par>
-                    <p:cTn id="51" fill="hold">
-                      <p:stCondLst>
-                        <p:cond delay="indefinite"/>
-                      </p:stCondLst>
-                      <p:childTnLst>
-                        <p:par>
-                          <p:cTn id="52" fill="hold">
-                            <p:stCondLst>
-                              <p:cond delay="0"/>
-                            </p:stCondLst>
-                            <p:childTnLst>
-                              <p:par>
-                                <p:cTn id="53" presetID="1" presetClass="entr" presetSubtype="0" fill="hold" nodeType="clickEffect">
-                                  <p:stCondLst>
-                                    <p:cond delay="0"/>
-                                  </p:stCondLst>
-                                  <p:childTnLst>
-                                    <p:set>
-                                      <p:cBhvr>
-                                        <p:cTn id="54" dur="1" fill="hold">
-                                          <p:stCondLst>
-                                            <p:cond delay="0"/>
-                                          </p:stCondLst>
-                                        </p:cTn>
-                                        <p:tgtEl>
-                                          <p:spTgt spid="22"/>
-                                        </p:tgtEl>
-                                        <p:attrNameLst>
-                                          <p:attrName>style.visibility</p:attrName>
-                                        </p:attrNameLst>
-                                      </p:cBhvr>
-                                      <p:to>
-                                        <p:strVal val="visible"/>
-                                      </p:to>
-                                    </p:set>
-                                  </p:childTnLst>
-                                </p:cTn>
-                              </p:par>
-                              <p:par>
-                                <p:cTn id="55" presetID="1" presetClass="entr" presetSubtype="0" fill="hold" grpId="0" nodeType="withEffect">
-                                  <p:stCondLst>
-                                    <p:cond delay="0"/>
-                                  </p:stCondLst>
-                                  <p:childTnLst>
-                                    <p:set>
-                                      <p:cBhvr>
-                                        <p:cTn id="56" dur="1" fill="hold">
-                                          <p:stCondLst>
-                                            <p:cond delay="0"/>
-                                          </p:stCondLst>
-                                        </p:cTn>
-                                        <p:tgtEl>
-                                          <p:spTgt spid="80"/>
-                                        </p:tgtEl>
-                                        <p:attrNameLst>
-                                          <p:attrName>style.visibility</p:attrName>
-                                        </p:attrNameLst>
-                                      </p:cBhvr>
-                                      <p:to>
-                                        <p:strVal val="visible"/>
-                                      </p:to>
-                                    </p:set>
-                                  </p:childTnLst>
-                                </p:cTn>
-                              </p:par>
-                            </p:childTnLst>
-                          </p:cTn>
-                        </p:par>
-                      </p:childTnLst>
-                    </p:cTn>
-                  </p:par>
-                  <p:par>
-                    <p:cTn id="57" fill="hold">
-                      <p:stCondLst>
-                        <p:cond delay="indefinite"/>
-                      </p:stCondLst>
-                      <p:childTnLst>
-                        <p:par>
-                          <p:cTn id="58" fill="hold">
-                            <p:stCondLst>
-                              <p:cond delay="0"/>
-                            </p:stCondLst>
-                            <p:childTnLst>
-                              <p:par>
-                                <p:cTn id="59" presetID="1" presetClass="entr" presetSubtype="0" fill="hold" grpId="0" nodeType="clickEffect">
-                                  <p:stCondLst>
-                                    <p:cond delay="0"/>
-                                  </p:stCondLst>
-                                  <p:childTnLst>
-                                    <p:set>
-                                      <p:cBhvr>
-                                        <p:cTn id="60" dur="1" fill="hold">
-                                          <p:stCondLst>
-                                            <p:cond delay="0"/>
-                                          </p:stCondLst>
-                                        </p:cTn>
-                                        <p:tgtEl>
-                                          <p:spTgt spid="85"/>
-                                        </p:tgtEl>
-                                        <p:attrNameLst>
-                                          <p:attrName>style.visibility</p:attrName>
-                                        </p:attrNameLst>
-                                      </p:cBhvr>
-                                      <p:to>
-                                        <p:strVal val="visible"/>
-                                      </p:to>
-                                    </p:set>
-                                  </p:childTnLst>
-                                </p:cTn>
-                              </p:par>
-                              <p:par>
-                                <p:cTn id="61" presetID="1" presetClass="entr" presetSubtype="0" fill="hold" grpId="0" nodeType="withEffect">
-                                  <p:stCondLst>
-                                    <p:cond delay="0"/>
-                                  </p:stCondLst>
-                                  <p:childTnLst>
-                                    <p:set>
-                                      <p:cBhvr>
-                                        <p:cTn id="62" dur="1" fill="hold">
-                                          <p:stCondLst>
-                                            <p:cond delay="0"/>
-                                          </p:stCondLst>
-                                        </p:cTn>
-                                        <p:tgtEl>
-                                          <p:spTgt spid="86"/>
-                                        </p:tgtEl>
-                                        <p:attrNameLst>
-                                          <p:attrName>style.visibility</p:attrName>
-                                        </p:attrNameLst>
-                                      </p:cBhvr>
-                                      <p:to>
-                                        <p:strVal val="visible"/>
-                                      </p:to>
-                                    </p:set>
-                                  </p:childTnLst>
-                                </p:cTn>
-                              </p:par>
-                              <p:par>
-                                <p:cTn id="63" presetID="1" presetClass="entr" presetSubtype="0" fill="hold" grpId="0" nodeType="withEffect">
-                                  <p:stCondLst>
-                                    <p:cond delay="0"/>
-                                  </p:stCondLst>
-                                  <p:childTnLst>
-                                    <p:set>
-                                      <p:cBhvr>
-                                        <p:cTn id="64" dur="1" fill="hold">
-                                          <p:stCondLst>
-                                            <p:cond delay="0"/>
-                                          </p:stCondLst>
-                                        </p:cTn>
-                                        <p:tgtEl>
-                                          <p:spTgt spid="87"/>
-                                        </p:tgtEl>
-                                        <p:attrNameLst>
-                                          <p:attrName>style.visibility</p:attrName>
-                                        </p:attrNameLst>
-                                      </p:cBhvr>
-                                      <p:to>
-                                        <p:strVal val="visible"/>
-                                      </p:to>
-                                    </p:set>
-                                  </p:childTnLst>
-                                </p:cTn>
-                              </p:par>
-                              <p:par>
-                                <p:cTn id="65" presetID="1" presetClass="entr" presetSubtype="0" fill="hold" grpId="0" nodeType="withEffect">
-                                  <p:stCondLst>
-                                    <p:cond delay="0"/>
-                                  </p:stCondLst>
-                                  <p:childTnLst>
-                                    <p:set>
-                                      <p:cBhvr>
-                                        <p:cTn id="66" dur="1" fill="hold">
-                                          <p:stCondLst>
-                                            <p:cond delay="0"/>
-                                          </p:stCondLst>
-                                        </p:cTn>
-                                        <p:tgtEl>
-                                          <p:spTgt spid="88"/>
-                                        </p:tgtEl>
-                                        <p:attrNameLst>
-                                          <p:attrName>style.visibility</p:attrName>
-                                        </p:attrNameLst>
-                                      </p:cBhvr>
-                                      <p:to>
-                                        <p:strVal val="visible"/>
-                                      </p:to>
-                                    </p:set>
-                                  </p:childTnLst>
-                                </p:cTn>
-                              </p:par>
-                              <p:par>
-                                <p:cTn id="67" presetID="1" presetClass="entr" presetSubtype="0" fill="hold" grpId="0" nodeType="withEffect">
-                                  <p:stCondLst>
-                                    <p:cond delay="0"/>
-                                  </p:stCondLst>
-                                  <p:childTnLst>
-                                    <p:set>
-                                      <p:cBhvr>
-                                        <p:cTn id="68" dur="1" fill="hold">
-                                          <p:stCondLst>
-                                            <p:cond delay="0"/>
-                                          </p:stCondLst>
-                                        </p:cTn>
-                                        <p:tgtEl>
-                                          <p:spTgt spid="89"/>
-                                        </p:tgtEl>
-                                        <p:attrNameLst>
-                                          <p:attrName>style.visibility</p:attrName>
-                                        </p:attrNameLst>
-                                      </p:cBhvr>
-                                      <p:to>
-                                        <p:strVal val="visible"/>
-                                      </p:to>
-                                    </p:set>
-                                  </p:childTnLst>
-                                </p:cTn>
-                              </p:par>
-                              <p:par>
-                                <p:cTn id="69" presetID="1" presetClass="entr" presetSubtype="0" fill="hold" grpId="0" nodeType="withEffect">
-                                  <p:stCondLst>
-                                    <p:cond delay="0"/>
-                                  </p:stCondLst>
-                                  <p:childTnLst>
-                                    <p:set>
-                                      <p:cBhvr>
-                                        <p:cTn id="70" dur="1" fill="hold">
-                                          <p:stCondLst>
-                                            <p:cond delay="0"/>
-                                          </p:stCondLst>
-                                        </p:cTn>
-                                        <p:tgtEl>
-                                          <p:spTgt spid="90"/>
-                                        </p:tgtEl>
-                                        <p:attrNameLst>
-                                          <p:attrName>style.visibility</p:attrName>
-                                        </p:attrNameLst>
-                                      </p:cBhvr>
-                                      <p:to>
-                                        <p:strVal val="visible"/>
-                                      </p:to>
-                                    </p:set>
-                                  </p:childTnLst>
-                                </p:cTn>
-                              </p:par>
-                              <p:par>
-                                <p:cTn id="71" presetID="1" presetClass="entr" presetSubtype="0" fill="hold" grpId="0" nodeType="withEffect">
-                                  <p:stCondLst>
-                                    <p:cond delay="0"/>
-                                  </p:stCondLst>
-                                  <p:childTnLst>
-                                    <p:set>
-                                      <p:cBhvr>
-                                        <p:cTn id="72" dur="1" fill="hold">
-                                          <p:stCondLst>
-                                            <p:cond delay="0"/>
-                                          </p:stCondLst>
-                                        </p:cTn>
-                                        <p:tgtEl>
-                                          <p:spTgt spid="91"/>
-                                        </p:tgtEl>
-                                        <p:attrNameLst>
-                                          <p:attrName>style.visibility</p:attrName>
-                                        </p:attrNameLst>
-                                      </p:cBhvr>
-                                      <p:to>
-                                        <p:strVal val="visible"/>
-                                      </p:to>
-                                    </p:set>
-                                  </p:childTnLst>
-                                </p:cTn>
-                              </p:par>
-                              <p:par>
-                                <p:cTn id="73" presetID="1" presetClass="entr" presetSubtype="0" fill="hold" grpId="0" nodeType="withEffect">
-                                  <p:stCondLst>
-                                    <p:cond delay="0"/>
-                                  </p:stCondLst>
-                                  <p:childTnLst>
-                                    <p:set>
-                                      <p:cBhvr>
-                                        <p:cTn id="74" dur="1" fill="hold">
-                                          <p:stCondLst>
-                                            <p:cond delay="0"/>
-                                          </p:stCondLst>
-                                        </p:cTn>
-                                        <p:tgtEl>
-                                          <p:spTgt spid="92"/>
-                                        </p:tgtEl>
-                                        <p:attrNameLst>
-                                          <p:attrName>style.visibility</p:attrName>
-                                        </p:attrNameLst>
-                                      </p:cBhvr>
-                                      <p:to>
-                                        <p:strVal val="visible"/>
-                                      </p:to>
-                                    </p:set>
-                                  </p:childTnLst>
-                                </p:cTn>
-                              </p:par>
-                              <p:par>
-                                <p:cTn id="75" presetID="1" presetClass="entr" presetSubtype="0" fill="hold" grpId="0" nodeType="withEffect">
-                                  <p:stCondLst>
-                                    <p:cond delay="0"/>
-                                  </p:stCondLst>
-                                  <p:childTnLst>
-                                    <p:set>
-                                      <p:cBhvr>
-                                        <p:cTn id="76" dur="1" fill="hold">
-                                          <p:stCondLst>
-                                            <p:cond delay="0"/>
-                                          </p:stCondLst>
-                                        </p:cTn>
-                                        <p:tgtEl>
-                                          <p:spTgt spid="93"/>
-                                        </p:tgtEl>
-                                        <p:attrNameLst>
-                                          <p:attrName>style.visibility</p:attrName>
-                                        </p:attrNameLst>
-                                      </p:cBhvr>
-                                      <p:to>
-                                        <p:strVal val="visible"/>
-                                      </p:to>
-                                    </p:set>
-                                  </p:childTnLst>
-                                </p:cTn>
-                              </p:par>
-                              <p:par>
-                                <p:cTn id="77" presetID="1" presetClass="entr" presetSubtype="0" fill="hold" grpId="0" nodeType="withEffect">
-                                  <p:stCondLst>
-                                    <p:cond delay="0"/>
-                                  </p:stCondLst>
-                                  <p:childTnLst>
-                                    <p:set>
-                                      <p:cBhvr>
-                                        <p:cTn id="78" dur="1" fill="hold">
-                                          <p:stCondLst>
-                                            <p:cond delay="0"/>
-                                          </p:stCondLst>
-                                        </p:cTn>
-                                        <p:tgtEl>
-                                          <p:spTgt spid="94"/>
-                                        </p:tgtEl>
-                                        <p:attrNameLst>
-                                          <p:attrName>style.visibility</p:attrName>
-                                        </p:attrNameLst>
-                                      </p:cBhvr>
-                                      <p:to>
-                                        <p:strVal val="visible"/>
-                                      </p:to>
-                                    </p:set>
-                                  </p:childTnLst>
-                                </p:cTn>
-                              </p:par>
-                              <p:par>
-                                <p:cTn id="79" presetID="1" presetClass="entr" presetSubtype="0" fill="hold" grpId="0" nodeType="withEffect">
-                                  <p:stCondLst>
-                                    <p:cond delay="0"/>
-                                  </p:stCondLst>
-                                  <p:childTnLst>
-                                    <p:set>
-                                      <p:cBhvr>
-                                        <p:cTn id="80" dur="1" fill="hold">
-                                          <p:stCondLst>
-                                            <p:cond delay="0"/>
-                                          </p:stCondLst>
-                                        </p:cTn>
-                                        <p:tgtEl>
-                                          <p:spTgt spid="95"/>
-                                        </p:tgtEl>
-                                        <p:attrNameLst>
-                                          <p:attrName>style.visibility</p:attrName>
-                                        </p:attrNameLst>
-                                      </p:cBhvr>
-                                      <p:to>
-                                        <p:strVal val="visible"/>
-                                      </p:to>
-                                    </p:set>
-                                  </p:childTnLst>
-                                </p:cTn>
-                              </p:par>
-                              <p:par>
-                                <p:cTn id="81" presetID="1" presetClass="entr" presetSubtype="0" fill="hold" grpId="0" nodeType="withEffect">
-                                  <p:stCondLst>
-                                    <p:cond delay="0"/>
-                                  </p:stCondLst>
-                                  <p:childTnLst>
-                                    <p:set>
-                                      <p:cBhvr>
-                                        <p:cTn id="82" dur="1" fill="hold">
-                                          <p:stCondLst>
-                                            <p:cond delay="0"/>
-                                          </p:stCondLst>
-                                        </p:cTn>
-                                        <p:tgtEl>
-                                          <p:spTgt spid="96"/>
-                                        </p:tgtEl>
-                                        <p:attrNameLst>
-                                          <p:attrName>style.visibility</p:attrName>
-                                        </p:attrNameLst>
-                                      </p:cBhvr>
-                                      <p:to>
-                                        <p:strVal val="visible"/>
-                                      </p:to>
-                                    </p:set>
-                                  </p:childTnLst>
-                                </p:cTn>
-                              </p:par>
-                              <p:par>
-                                <p:cTn id="83" presetID="1" presetClass="entr" presetSubtype="0" fill="hold" nodeType="withEffect">
-                                  <p:stCondLst>
-                                    <p:cond delay="0"/>
-                                  </p:stCondLst>
-                                  <p:childTnLst>
-                                    <p:set>
-                                      <p:cBhvr>
-                                        <p:cTn id="84" dur="1" fill="hold">
-                                          <p:stCondLst>
-                                            <p:cond delay="0"/>
-                                          </p:stCondLst>
-                                        </p:cTn>
-                                        <p:tgtEl>
-                                          <p:spTgt spid="81"/>
-                                        </p:tgtEl>
-                                        <p:attrNameLst>
-                                          <p:attrName>style.visibility</p:attrName>
-                                        </p:attrNameLst>
-                                      </p:cBhvr>
-                                      <p:to>
-                                        <p:strVal val="visible"/>
-                                      </p:to>
-                                    </p:set>
-                                  </p:childTnLst>
-                                </p:cTn>
-                              </p:par>
-                              <p:par>
-                                <p:cTn id="85" presetID="1" presetClass="entr" presetSubtype="0" fill="hold" nodeType="withEffect">
-                                  <p:stCondLst>
-                                    <p:cond delay="0"/>
-                                  </p:stCondLst>
-                                  <p:childTnLst>
-                                    <p:set>
-                                      <p:cBhvr>
-                                        <p:cTn id="86" dur="1" fill="hold">
-                                          <p:stCondLst>
-                                            <p:cond delay="0"/>
-                                          </p:stCondLst>
-                                        </p:cTn>
-                                        <p:tgtEl>
-                                          <p:spTgt spid="104"/>
-                                        </p:tgtEl>
-                                        <p:attrNameLst>
-                                          <p:attrName>style.visibility</p:attrName>
-                                        </p:attrNameLst>
-                                      </p:cBhvr>
-                                      <p:to>
-                                        <p:strVal val="visible"/>
-                                      </p:to>
-                                    </p:set>
-                                  </p:childTnLst>
-                                </p:cTn>
-                              </p:par>
-                            </p:childTnLst>
-                          </p:cTn>
-                        </p:par>
-                      </p:childTnLst>
-                    </p:cTn>
-                  </p:par>
-                  <p:par>
-                    <p:cTn id="87" fill="hold">
-                      <p:stCondLst>
-                        <p:cond delay="indefinite"/>
-                      </p:stCondLst>
-                      <p:childTnLst>
-                        <p:par>
-                          <p:cTn id="88" fill="hold">
-                            <p:stCondLst>
-                              <p:cond delay="0"/>
-                            </p:stCondLst>
-                            <p:childTnLst>
-                              <p:par>
-                                <p:cTn id="89" presetID="1" presetClass="entr" presetSubtype="0" fill="hold" nodeType="clickEffect">
-                                  <p:stCondLst>
-                                    <p:cond delay="0"/>
-                                  </p:stCondLst>
-                                  <p:childTnLst>
-                                    <p:set>
-                                      <p:cBhvr>
-                                        <p:cTn id="90" dur="1" fill="hold">
-                                          <p:stCondLst>
-                                            <p:cond delay="0"/>
-                                          </p:stCondLst>
-                                        </p:cTn>
-                                        <p:tgtEl>
-                                          <p:spTgt spid="82"/>
-                                        </p:tgtEl>
-                                        <p:attrNameLst>
-                                          <p:attrName>style.visibility</p:attrName>
-                                        </p:attrNameLst>
-                                      </p:cBhvr>
-                                      <p:to>
-                                        <p:strVal val="visible"/>
-                                      </p:to>
-                                    </p:set>
-                                  </p:childTnLst>
-                                </p:cTn>
-                              </p:par>
-                              <p:par>
-                                <p:cTn id="91" presetID="1" presetClass="entr" presetSubtype="0" fill="hold" nodeType="withEffect">
-                                  <p:stCondLst>
-                                    <p:cond delay="0"/>
-                                  </p:stCondLst>
-                                  <p:childTnLst>
-                                    <p:set>
-                                      <p:cBhvr>
-                                        <p:cTn id="92" dur="1" fill="hold">
-                                          <p:stCondLst>
-                                            <p:cond delay="0"/>
-                                          </p:stCondLst>
-                                        </p:cTn>
-                                        <p:tgtEl>
-                                          <p:spTgt spid="105"/>
-                                        </p:tgtEl>
-                                        <p:attrNameLst>
-                                          <p:attrName>style.visibility</p:attrName>
-                                        </p:attrNameLst>
-                                      </p:cBhvr>
-                                      <p:to>
-                                        <p:strVal val="visible"/>
-                                      </p:to>
-                                    </p:set>
-                                  </p:childTnLst>
-                                </p:cTn>
-                              </p:par>
-                              <p:par>
-                                <p:cTn id="93" presetID="1" presetClass="entr" presetSubtype="0" fill="hold" nodeType="withEffect">
-                                  <p:stCondLst>
-                                    <p:cond delay="0"/>
-                                  </p:stCondLst>
-                                  <p:childTnLst>
-                                    <p:set>
-                                      <p:cBhvr>
-                                        <p:cTn id="94" dur="1" fill="hold">
-                                          <p:stCondLst>
-                                            <p:cond delay="0"/>
-                                          </p:stCondLst>
-                                        </p:cTn>
-                                        <p:tgtEl>
-                                          <p:spTgt spid="83"/>
-                                        </p:tgtEl>
-                                        <p:attrNameLst>
-                                          <p:attrName>style.visibility</p:attrName>
-                                        </p:attrNameLst>
-                                      </p:cBhvr>
-                                      <p:to>
-                                        <p:strVal val="visible"/>
-                                      </p:to>
-                                    </p:set>
-                                  </p:childTnLst>
-                                </p:cTn>
-                              </p:par>
-                              <p:par>
-                                <p:cTn id="95" presetID="1" presetClass="entr" presetSubtype="0" fill="hold" nodeType="withEffect">
-                                  <p:stCondLst>
-                                    <p:cond delay="0"/>
-                                  </p:stCondLst>
-                                  <p:childTnLst>
-                                    <p:set>
-                                      <p:cBhvr>
-                                        <p:cTn id="96" dur="1" fill="hold">
-                                          <p:stCondLst>
-                                            <p:cond delay="0"/>
-                                          </p:stCondLst>
-                                        </p:cTn>
-                                        <p:tgtEl>
-                                          <p:spTgt spid="84"/>
-                                        </p:tgtEl>
-                                        <p:attrNameLst>
-                                          <p:attrName>style.visibility</p:attrName>
-                                        </p:attrNameLst>
-                                      </p:cBhvr>
-                                      <p:to>
-                                        <p:strVal val="visible"/>
-                                      </p:to>
-                                    </p:set>
-                                  </p:childTnLst>
-                                </p:cTn>
-                              </p:par>
-                              <p:par>
-                                <p:cTn id="97" presetID="1" presetClass="entr" presetSubtype="0" fill="hold" nodeType="withEffect">
-                                  <p:stCondLst>
-                                    <p:cond delay="0"/>
-                                  </p:stCondLst>
-                                  <p:childTnLst>
-                                    <p:set>
-                                      <p:cBhvr>
-                                        <p:cTn id="98" dur="1" fill="hold">
-                                          <p:stCondLst>
-                                            <p:cond delay="0"/>
-                                          </p:stCondLst>
-                                        </p:cTn>
-                                        <p:tgtEl>
-                                          <p:spTgt spid="97"/>
-                                        </p:tgtEl>
-                                        <p:attrNameLst>
-                                          <p:attrName>style.visibility</p:attrName>
-                                        </p:attrNameLst>
-                                      </p:cBhvr>
-                                      <p:to>
-                                        <p:strVal val="visible"/>
-                                      </p:to>
-                                    </p:set>
-                                  </p:childTnLst>
-                                </p:cTn>
-                              </p:par>
-                              <p:par>
-                                <p:cTn id="99" presetID="1" presetClass="entr" presetSubtype="0" fill="hold" nodeType="withEffect">
-                                  <p:stCondLst>
-                                    <p:cond delay="0"/>
-                                  </p:stCondLst>
-                                  <p:childTnLst>
-                                    <p:set>
-                                      <p:cBhvr>
-                                        <p:cTn id="100" dur="1" fill="hold">
-                                          <p:stCondLst>
-                                            <p:cond delay="0"/>
-                                          </p:stCondLst>
-                                        </p:cTn>
-                                        <p:tgtEl>
-                                          <p:spTgt spid="98"/>
-                                        </p:tgtEl>
-                                        <p:attrNameLst>
-                                          <p:attrName>style.visibility</p:attrName>
-                                        </p:attrNameLst>
-                                      </p:cBhvr>
-                                      <p:to>
-                                        <p:strVal val="visible"/>
-                                      </p:to>
-                                    </p:set>
-                                  </p:childTnLst>
-                                </p:cTn>
-                              </p:par>
-                              <p:par>
-                                <p:cTn id="101" presetID="1" presetClass="entr" presetSubtype="0" fill="hold" nodeType="withEffect">
-                                  <p:stCondLst>
-                                    <p:cond delay="0"/>
-                                  </p:stCondLst>
-                                  <p:childTnLst>
-                                    <p:set>
-                                      <p:cBhvr>
-                                        <p:cTn id="102" dur="1" fill="hold">
-                                          <p:stCondLst>
-                                            <p:cond delay="0"/>
-                                          </p:stCondLst>
-                                        </p:cTn>
-                                        <p:tgtEl>
-                                          <p:spTgt spid="99"/>
-                                        </p:tgtEl>
-                                        <p:attrNameLst>
-                                          <p:attrName>style.visibility</p:attrName>
-                                        </p:attrNameLst>
-                                      </p:cBhvr>
-                                      <p:to>
-                                        <p:strVal val="visible"/>
-                                      </p:to>
-                                    </p:set>
-                                  </p:childTnLst>
-                                </p:cTn>
-                              </p:par>
-                              <p:par>
-                                <p:cTn id="103" presetID="1" presetClass="entr" presetSubtype="0" fill="hold" nodeType="withEffect">
-                                  <p:stCondLst>
-                                    <p:cond delay="0"/>
-                                  </p:stCondLst>
-                                  <p:childTnLst>
-                                    <p:set>
-                                      <p:cBhvr>
-                                        <p:cTn id="104" dur="1" fill="hold">
-                                          <p:stCondLst>
-                                            <p:cond delay="0"/>
-                                          </p:stCondLst>
-                                        </p:cTn>
-                                        <p:tgtEl>
-                                          <p:spTgt spid="100"/>
-                                        </p:tgtEl>
-                                        <p:attrNameLst>
-                                          <p:attrName>style.visibility</p:attrName>
-                                        </p:attrNameLst>
-                                      </p:cBhvr>
-                                      <p:to>
-                                        <p:strVal val="visible"/>
-                                      </p:to>
-                                    </p:set>
-                                  </p:childTnLst>
-                                </p:cTn>
-                              </p:par>
-                              <p:par>
-                                <p:cTn id="105" presetID="1" presetClass="entr" presetSubtype="0" fill="hold" nodeType="withEffect">
-                                  <p:stCondLst>
-                                    <p:cond delay="0"/>
-                                  </p:stCondLst>
-                                  <p:childTnLst>
-                                    <p:set>
-                                      <p:cBhvr>
-                                        <p:cTn id="106" dur="1" fill="hold">
-                                          <p:stCondLst>
-                                            <p:cond delay="0"/>
-                                          </p:stCondLst>
-                                        </p:cTn>
-                                        <p:tgtEl>
-                                          <p:spTgt spid="102"/>
-                                        </p:tgtEl>
-                                        <p:attrNameLst>
-                                          <p:attrName>style.visibility</p:attrName>
-                                        </p:attrNameLst>
-                                      </p:cBhvr>
-                                      <p:to>
-                                        <p:strVal val="visible"/>
-                                      </p:to>
-                                    </p:set>
-                                  </p:childTnLst>
-                                </p:cTn>
-                              </p:par>
-                              <p:par>
-                                <p:cTn id="107" presetID="1" presetClass="entr" presetSubtype="0" fill="hold" nodeType="withEffect">
-                                  <p:stCondLst>
-                                    <p:cond delay="0"/>
-                                  </p:stCondLst>
-                                  <p:childTnLst>
-                                    <p:set>
-                                      <p:cBhvr>
-                                        <p:cTn id="108" dur="1" fill="hold">
-                                          <p:stCondLst>
-                                            <p:cond delay="0"/>
-                                          </p:stCondLst>
-                                        </p:cTn>
-                                        <p:tgtEl>
-                                          <p:spTgt spid="103"/>
-                                        </p:tgtEl>
-                                        <p:attrNameLst>
-                                          <p:attrName>style.visibility</p:attrName>
-                                        </p:attrNameLst>
-                                      </p:cBhvr>
-                                      <p:to>
-                                        <p:strVal val="visible"/>
-                                      </p:to>
-                                    </p:set>
-                                  </p:childTnLst>
-                                </p:cTn>
-                              </p:par>
-                            </p:childTnLst>
-                          </p:cTn>
-                        </p:par>
-                      </p:childTnLst>
-                    </p:cTn>
-                  </p:par>
-                  <p:par>
-                    <p:cTn id="109" fill="hold">
-                      <p:stCondLst>
-                        <p:cond delay="indefinite"/>
-                      </p:stCondLst>
-                      <p:childTnLst>
-                        <p:par>
-                          <p:cTn id="110" fill="hold">
-                            <p:stCondLst>
-                              <p:cond delay="0"/>
-                            </p:stCondLst>
-                            <p:childTnLst>
-                              <p:par>
-                                <p:cTn id="111" presetID="1" presetClass="entr" presetSubtype="0" fill="hold" grpId="0" nodeType="clickEffect">
-                                  <p:stCondLst>
-                                    <p:cond delay="0"/>
-                                  </p:stCondLst>
-                                  <p:childTnLst>
-                                    <p:set>
-                                      <p:cBhvr>
-                                        <p:cTn id="112" dur="1" fill="hold">
-                                          <p:stCondLst>
-                                            <p:cond delay="0"/>
-                                          </p:stCondLst>
-                                        </p:cTn>
-                                        <p:tgtEl>
-                                          <p:spTgt spid="106"/>
-                                        </p:tgtEl>
-                                        <p:attrNameLst>
-                                          <p:attrName>style.visibility</p:attrName>
-                                        </p:attrNameLst>
-                                      </p:cBhvr>
-                                      <p:to>
-                                        <p:strVal val="visible"/>
-                                      </p:to>
-                                    </p:set>
-                                  </p:childTnLst>
-                                </p:cTn>
-                              </p:par>
-                              <p:par>
-                                <p:cTn id="113" presetID="1" presetClass="entr" presetSubtype="0" fill="hold" nodeType="withEffect">
-                                  <p:stCondLst>
-                                    <p:cond delay="0"/>
-                                  </p:stCondLst>
-                                  <p:childTnLst>
-                                    <p:set>
-                                      <p:cBhvr>
-                                        <p:cTn id="114" dur="1" fill="hold">
-                                          <p:stCondLst>
-                                            <p:cond delay="0"/>
-                                          </p:stCondLst>
-                                        </p:cTn>
-                                        <p:tgtEl>
-                                          <p:spTgt spid="25"/>
-                                        </p:tgtEl>
-                                        <p:attrNameLst>
-                                          <p:attrName>style.visibility</p:attrName>
-                                        </p:attrNameLst>
-                                      </p:cBhvr>
-                                      <p:to>
-                                        <p:strVal val="visible"/>
-                                      </p:to>
-                                    </p:set>
-                                  </p:childTnLst>
-                                </p:cTn>
-                              </p:par>
-                              <p:par>
-                                <p:cTn id="115" presetID="1" presetClass="entr" presetSubtype="0" fill="hold" nodeType="withEffect">
-                                  <p:stCondLst>
-                                    <p:cond delay="0"/>
-                                  </p:stCondLst>
-                                  <p:childTnLst>
-                                    <p:set>
-                                      <p:cBhvr>
-                                        <p:cTn id="116" dur="1" fill="hold">
-                                          <p:stCondLst>
-                                            <p:cond delay="0"/>
-                                          </p:stCondLst>
-                                        </p:cTn>
-                                        <p:tgtEl>
-                                          <p:spTgt spid="26"/>
-                                        </p:tgtEl>
-                                        <p:attrNameLst>
-                                          <p:attrName>style.visibility</p:attrName>
-                                        </p:attrNameLst>
-                                      </p:cBhvr>
-                                      <p:to>
-                                        <p:strVal val="visible"/>
-                                      </p:to>
-                                    </p:set>
-                                  </p:childTnLst>
-                                </p:cTn>
-                              </p:par>
-                            </p:childTnLst>
-                          </p:cTn>
-                        </p:par>
-                      </p:childTnLst>
-                    </p:cTn>
-                  </p:par>
-                </p:childTnLst>
-              </p:cTn>
-              <p:prevCondLst>
-                <p:cond evt="onPrev" delay="0">
-                  <p:tgtEl>
-                    <p:sldTgt/>
-                  </p:tgtEl>
-                </p:cond>
-              </p:prevCondLst>
-              <p:nextCondLst>
-                <p:cond evt="onNext" delay="0">
-                  <p:tgtEl>
-                    <p:sldTgt/>
-                  </p:tgtEl>
-                </p:cond>
-              </p:nextCondLst>
-            </p:seq>
-          </p:childTnLst>
-        </p:cTn>
-      </p:par>
-    </p:tnLst>
-    <p:bldLst>
-      <p:bldP spid="9" grpId="0" animBg="1"/>
-      <p:bldP spid="10" grpId="0" animBg="1"/>
-      <p:bldP spid="11" grpId="0" animBg="1"/>
-      <p:bldP spid="12" grpId="0" animBg="1"/>
-      <p:bldP spid="13" grpId="0" animBg="1"/>
-      <p:bldP spid="14" grpId="0" animBg="1"/>
-      <p:bldP spid="15" grpId="0" animBg="1"/>
-      <p:bldP spid="16" grpId="0" animBg="1"/>
-      <p:bldP spid="17" grpId="0" animBg="1"/>
-      <p:bldP spid="18" grpId="0" animBg="1"/>
-      <p:bldP spid="19" grpId="0" animBg="1"/>
-      <p:bldP spid="20" grpId="0" animBg="1"/>
-      <p:bldP spid="64" grpId="0"/>
-      <p:bldP spid="85" grpId="0" animBg="1"/>
-      <p:bldP spid="86" grpId="0" animBg="1"/>
-      <p:bldP spid="87" grpId="0" animBg="1"/>
-      <p:bldP spid="88" grpId="0" animBg="1"/>
-      <p:bldP spid="89" grpId="0" animBg="1"/>
-      <p:bldP spid="90" grpId="0" animBg="1"/>
-      <p:bldP spid="91" grpId="0" animBg="1"/>
-      <p:bldP spid="92" grpId="0" animBg="1"/>
-      <p:bldP spid="93" grpId="0" animBg="1"/>
-      <p:bldP spid="94" grpId="0" animBg="1"/>
-      <p:bldP spid="95" grpId="0" animBg="1"/>
-      <p:bldP spid="96" grpId="0" animBg="1"/>
-      <p:bldP spid="80" grpId="0"/>
-      <p:bldP spid="106" grpId="0"/>
-    </p:bldLst>
-  </p:timing>
-</p:sld>
-</file>
-
 <file path=ppt/slides/slide3.xml><?xml version="1.0" encoding="utf-8"?>
 <p:sld xmlns:a="http://schemas.openxmlformats.org/drawingml/2006/main" xmlns:r="http://schemas.openxmlformats.org/officeDocument/2006/relationships" xmlns:p="http://schemas.openxmlformats.org/presentationml/2006/main">
   <p:cSld>
@@ -22174,1514 +14750,6 @@
   <p:clrMapOvr>
     <a:masterClrMapping/>
   </p:clrMapOvr>
-</p:sld>
-</file>
-
-<file path=ppt/slides/slide30.xml><?xml version="1.0" encoding="utf-8"?>
-<p:sld xmlns:a="http://schemas.openxmlformats.org/drawingml/2006/main" xmlns:r="http://schemas.openxmlformats.org/officeDocument/2006/relationships" xmlns:p="http://schemas.openxmlformats.org/presentationml/2006/main">
-  <p:cSld>
-    <p:spTree>
-      <p:nvGrpSpPr>
-        <p:cNvPr id="1" name=""/>
-        <p:cNvGrpSpPr/>
-        <p:nvPr/>
-      </p:nvGrpSpPr>
-      <p:grpSpPr>
-        <a:xfrm>
-          <a:off x="0" y="0"/>
-          <a:ext cx="0" cy="0"/>
-          <a:chOff x="0" y="0"/>
-          <a:chExt cx="0" cy="0"/>
-        </a:xfrm>
-      </p:grpSpPr>
-      <p:sp>
-        <p:nvSpPr>
-          <p:cNvPr id="2" name="Title 1">
-            <a:extLst>
-              <a:ext uri="{FF2B5EF4-FFF2-40B4-BE49-F238E27FC236}">
-                <a16:creationId xmlns:a16="http://schemas.microsoft.com/office/drawing/2014/main" id="{B889B93B-7036-425E-A49B-9916EB3D73FA}"/>
-              </a:ext>
-            </a:extLst>
-          </p:cNvPr>
-          <p:cNvSpPr>
-            <a:spLocks noGrp="1"/>
-          </p:cNvSpPr>
-          <p:nvPr>
-            <p:ph type="title"/>
-          </p:nvPr>
-        </p:nvSpPr>
-        <p:spPr>
-          <a:xfrm>
-            <a:off x="838200" y="225166"/>
-            <a:ext cx="10515600" cy="721891"/>
-          </a:xfrm>
-        </p:spPr>
-        <p:txBody>
-          <a:bodyPr/>
-          <a:lstStyle/>
-          <a:p>
-            <a:r>
-              <a:rPr lang="en-US" dirty="0">
-                <a:latin typeface="+mn-lt"/>
-              </a:rPr>
-              <a:t>Action Value Policy Evaluation</a:t>
-            </a:r>
-          </a:p>
-        </p:txBody>
-      </p:sp>
-      <p:sp>
-        <p:nvSpPr>
-          <p:cNvPr id="3" name="Content Placeholder 2">
-            <a:extLst>
-              <a:ext uri="{FF2B5EF4-FFF2-40B4-BE49-F238E27FC236}">
-                <a16:creationId xmlns:a16="http://schemas.microsoft.com/office/drawing/2014/main" id="{9794B700-D789-41A3-A534-0A77F6C4DEE8}"/>
-              </a:ext>
-            </a:extLst>
-          </p:cNvPr>
-          <p:cNvSpPr>
-            <a:spLocks noGrp="1"/>
-          </p:cNvSpPr>
-          <p:nvPr>
-            <p:ph idx="1"/>
-          </p:nvPr>
-        </p:nvSpPr>
-        <p:spPr>
-          <a:xfrm>
-            <a:off x="838200" y="1126210"/>
-            <a:ext cx="10515600" cy="5336583"/>
-          </a:xfrm>
-        </p:spPr>
-        <p:txBody>
-          <a:bodyPr>
-            <a:normAutofit/>
-          </a:bodyPr>
-          <a:lstStyle/>
-          <a:p>
-            <a:r>
-              <a:rPr lang="en-US" b="1" dirty="0"/>
-              <a:t>Bellman action-value equations </a:t>
-            </a:r>
-            <a:r>
-              <a:rPr lang="en-US" dirty="0"/>
-              <a:t>are fundamental to computing expected action-values</a:t>
-            </a:r>
-          </a:p>
-          <a:p>
-            <a:r>
-              <a:rPr lang="en-US" dirty="0"/>
-              <a:t>Recall the definition of state-value:</a:t>
-            </a:r>
-          </a:p>
-          <a:p>
-            <a:endParaRPr lang="en-US" dirty="0"/>
-          </a:p>
-          <a:p>
-            <a:endParaRPr lang="en-US" dirty="0"/>
-          </a:p>
-          <a:p>
-            <a:r>
-              <a:rPr lang="en-US" dirty="0"/>
-              <a:t>We can find the action-value, of taking action a in state s, given a policy </a:t>
-            </a:r>
-            <a:r>
-              <a:rPr lang="en-US" dirty="0">
-                <a:latin typeface="Symbol" panose="05050102010706020507" pitchFamily="18" charset="2"/>
-              </a:rPr>
-              <a:t>p</a:t>
-            </a:r>
-            <a:r>
-              <a:rPr lang="en-US" dirty="0"/>
-              <a:t> as:</a:t>
-            </a:r>
-          </a:p>
-          <a:p>
-            <a:endParaRPr lang="en-US" b="1" dirty="0"/>
-          </a:p>
-          <a:p>
-            <a:pPr marL="0" indent="0">
-              <a:buNone/>
-            </a:pPr>
-            <a:endParaRPr lang="en-US" dirty="0"/>
-          </a:p>
-          <a:p>
-            <a:pPr marL="0" indent="0">
-              <a:buNone/>
-            </a:pPr>
-            <a:r>
-              <a:rPr lang="en-US" dirty="0"/>
-              <a:t>   Where: </a:t>
-            </a:r>
-          </a:p>
-          <a:p>
-            <a:pPr marL="0" indent="0">
-              <a:buNone/>
-            </a:pPr>
-            <a:endParaRPr lang="en-US" dirty="0"/>
-          </a:p>
-        </p:txBody>
-      </p:sp>
-      <p:pic>
-        <p:nvPicPr>
-          <p:cNvPr id="7" name="Picture 6">
-            <a:extLst>
-              <a:ext uri="{FF2B5EF4-FFF2-40B4-BE49-F238E27FC236}">
-                <a16:creationId xmlns:a16="http://schemas.microsoft.com/office/drawing/2014/main" id="{E11FFD1E-612A-48E6-8B30-6DF8BA471A96}"/>
-              </a:ext>
-            </a:extLst>
-          </p:cNvPr>
-          <p:cNvPicPr>
-            <a:picLocks noChangeAspect="1"/>
-          </p:cNvPicPr>
-          <p:nvPr/>
-        </p:nvPicPr>
-        <p:blipFill>
-          <a:blip r:embed="rId2"/>
-          <a:stretch>
-            <a:fillRect/>
-          </a:stretch>
-        </p:blipFill>
-        <p:spPr>
-          <a:xfrm>
-            <a:off x="2374607" y="5506286"/>
-            <a:ext cx="4917440" cy="451008"/>
-          </a:xfrm>
-          <a:prstGeom prst="rect">
-            <a:avLst/>
-          </a:prstGeom>
-        </p:spPr>
-      </p:pic>
-      <p:pic>
-        <p:nvPicPr>
-          <p:cNvPr id="4" name="Picture 3">
-            <a:extLst>
-              <a:ext uri="{FF2B5EF4-FFF2-40B4-BE49-F238E27FC236}">
-                <a16:creationId xmlns:a16="http://schemas.microsoft.com/office/drawing/2014/main" id="{670992D7-D4EE-40E8-BB19-C83F701E6428}"/>
-              </a:ext>
-            </a:extLst>
-          </p:cNvPr>
-          <p:cNvPicPr>
-            <a:picLocks noChangeAspect="1"/>
-          </p:cNvPicPr>
-          <p:nvPr/>
-        </p:nvPicPr>
-        <p:blipFill>
-          <a:blip r:embed="rId3"/>
-          <a:stretch>
-            <a:fillRect/>
-          </a:stretch>
-        </p:blipFill>
-        <p:spPr>
-          <a:xfrm>
-            <a:off x="2374607" y="4736422"/>
-            <a:ext cx="5648643" cy="391723"/>
-          </a:xfrm>
-          <a:prstGeom prst="rect">
-            <a:avLst/>
-          </a:prstGeom>
-        </p:spPr>
-      </p:pic>
-      <p:pic>
-        <p:nvPicPr>
-          <p:cNvPr id="6" name="Picture 5">
-            <a:extLst>
-              <a:ext uri="{FF2B5EF4-FFF2-40B4-BE49-F238E27FC236}">
-                <a16:creationId xmlns:a16="http://schemas.microsoft.com/office/drawing/2014/main" id="{7CD0B314-C902-4057-829B-F758606EAC0A}"/>
-              </a:ext>
-            </a:extLst>
-          </p:cNvPr>
-          <p:cNvPicPr>
-            <a:picLocks noChangeAspect="1"/>
-          </p:cNvPicPr>
-          <p:nvPr/>
-        </p:nvPicPr>
-        <p:blipFill>
-          <a:blip r:embed="rId4"/>
-          <a:stretch>
-            <a:fillRect/>
-          </a:stretch>
-        </p:blipFill>
-        <p:spPr>
-          <a:xfrm>
-            <a:off x="2722001" y="2671325"/>
-            <a:ext cx="3940492" cy="519982"/>
-          </a:xfrm>
-          <a:prstGeom prst="rect">
-            <a:avLst/>
-          </a:prstGeom>
-        </p:spPr>
-      </p:pic>
-    </p:spTree>
-    <p:extLst>
-      <p:ext uri="{BB962C8B-B14F-4D97-AF65-F5344CB8AC3E}">
-        <p14:creationId xmlns:p14="http://schemas.microsoft.com/office/powerpoint/2010/main" val="3257179338"/>
-      </p:ext>
-    </p:extLst>
-  </p:cSld>
-  <p:clrMapOvr>
-    <a:masterClrMapping/>
-  </p:clrMapOvr>
-  <p:timing>
-    <p:tnLst>
-      <p:par>
-        <p:cTn id="1" dur="indefinite" restart="never" nodeType="tmRoot">
-          <p:childTnLst>
-            <p:seq concurrent="1" nextAc="seek">
-              <p:cTn id="2" dur="indefinite" nodeType="mainSeq">
-                <p:childTnLst>
-                  <p:par>
-                    <p:cTn id="3" fill="hold">
-                      <p:stCondLst>
-                        <p:cond delay="indefinite"/>
-                      </p:stCondLst>
-                      <p:childTnLst>
-                        <p:par>
-                          <p:cTn id="4" fill="hold">
-                            <p:stCondLst>
-                              <p:cond delay="0"/>
-                            </p:stCondLst>
-                            <p:childTnLst>
-                              <p:par>
-                                <p:cTn id="5" presetID="1" presetClass="entr" presetSubtype="0" fill="hold" nodeType="clickEffect">
-                                  <p:stCondLst>
-                                    <p:cond delay="0"/>
-                                  </p:stCondLst>
-                                  <p:childTnLst>
-                                    <p:set>
-                                      <p:cBhvr>
-                                        <p:cTn id="6" dur="1" fill="hold">
-                                          <p:stCondLst>
-                                            <p:cond delay="0"/>
-                                          </p:stCondLst>
-                                        </p:cTn>
-                                        <p:tgtEl>
-                                          <p:spTgt spid="3">
-                                            <p:txEl>
-                                              <p:pRg st="0" end="0"/>
-                                            </p:txEl>
-                                          </p:spTgt>
-                                        </p:tgtEl>
-                                        <p:attrNameLst>
-                                          <p:attrName>style.visibility</p:attrName>
-                                        </p:attrNameLst>
-                                      </p:cBhvr>
-                                      <p:to>
-                                        <p:strVal val="visible"/>
-                                      </p:to>
-                                    </p:set>
-                                  </p:childTnLst>
-                                </p:cTn>
-                              </p:par>
-                            </p:childTnLst>
-                          </p:cTn>
-                        </p:par>
-                      </p:childTnLst>
-                    </p:cTn>
-                  </p:par>
-                  <p:par>
-                    <p:cTn id="7" fill="hold">
-                      <p:stCondLst>
-                        <p:cond delay="indefinite"/>
-                      </p:stCondLst>
-                      <p:childTnLst>
-                        <p:par>
-                          <p:cTn id="8" fill="hold">
-                            <p:stCondLst>
-                              <p:cond delay="0"/>
-                            </p:stCondLst>
-                            <p:childTnLst>
-                              <p:par>
-                                <p:cTn id="9" presetID="1" presetClass="entr" presetSubtype="0" fill="hold" nodeType="clickEffect">
-                                  <p:stCondLst>
-                                    <p:cond delay="0"/>
-                                  </p:stCondLst>
-                                  <p:childTnLst>
-                                    <p:set>
-                                      <p:cBhvr>
-                                        <p:cTn id="10" dur="1" fill="hold">
-                                          <p:stCondLst>
-                                            <p:cond delay="0"/>
-                                          </p:stCondLst>
-                                        </p:cTn>
-                                        <p:tgtEl>
-                                          <p:spTgt spid="3">
-                                            <p:txEl>
-                                              <p:pRg st="1" end="1"/>
-                                            </p:txEl>
-                                          </p:spTgt>
-                                        </p:tgtEl>
-                                        <p:attrNameLst>
-                                          <p:attrName>style.visibility</p:attrName>
-                                        </p:attrNameLst>
-                                      </p:cBhvr>
-                                      <p:to>
-                                        <p:strVal val="visible"/>
-                                      </p:to>
-                                    </p:set>
-                                  </p:childTnLst>
-                                </p:cTn>
-                              </p:par>
-                            </p:childTnLst>
-                          </p:cTn>
-                        </p:par>
-                      </p:childTnLst>
-                    </p:cTn>
-                  </p:par>
-                  <p:par>
-                    <p:cTn id="11" fill="hold">
-                      <p:stCondLst>
-                        <p:cond delay="indefinite"/>
-                      </p:stCondLst>
-                      <p:childTnLst>
-                        <p:par>
-                          <p:cTn id="12" fill="hold">
-                            <p:stCondLst>
-                              <p:cond delay="0"/>
-                            </p:stCondLst>
-                            <p:childTnLst>
-                              <p:par>
-                                <p:cTn id="13" presetID="1" presetClass="entr" presetSubtype="0" fill="hold" nodeType="clickEffect">
-                                  <p:stCondLst>
-                                    <p:cond delay="0"/>
-                                  </p:stCondLst>
-                                  <p:childTnLst>
-                                    <p:set>
-                                      <p:cBhvr>
-                                        <p:cTn id="14" dur="1" fill="hold">
-                                          <p:stCondLst>
-                                            <p:cond delay="0"/>
-                                          </p:stCondLst>
-                                        </p:cTn>
-                                        <p:tgtEl>
-                                          <p:spTgt spid="6"/>
-                                        </p:tgtEl>
-                                        <p:attrNameLst>
-                                          <p:attrName>style.visibility</p:attrName>
-                                        </p:attrNameLst>
-                                      </p:cBhvr>
-                                      <p:to>
-                                        <p:strVal val="visible"/>
-                                      </p:to>
-                                    </p:set>
-                                  </p:childTnLst>
-                                </p:cTn>
-                              </p:par>
-                            </p:childTnLst>
-                          </p:cTn>
-                        </p:par>
-                      </p:childTnLst>
-                    </p:cTn>
-                  </p:par>
-                  <p:par>
-                    <p:cTn id="15" fill="hold">
-                      <p:stCondLst>
-                        <p:cond delay="indefinite"/>
-                      </p:stCondLst>
-                      <p:childTnLst>
-                        <p:par>
-                          <p:cTn id="16" fill="hold">
-                            <p:stCondLst>
-                              <p:cond delay="0"/>
-                            </p:stCondLst>
-                            <p:childTnLst>
-                              <p:par>
-                                <p:cTn id="17" presetID="1" presetClass="entr" presetSubtype="0" fill="hold" nodeType="clickEffect">
-                                  <p:stCondLst>
-                                    <p:cond delay="0"/>
-                                  </p:stCondLst>
-                                  <p:childTnLst>
-                                    <p:set>
-                                      <p:cBhvr>
-                                        <p:cTn id="18" dur="1" fill="hold">
-                                          <p:stCondLst>
-                                            <p:cond delay="0"/>
-                                          </p:stCondLst>
-                                        </p:cTn>
-                                        <p:tgtEl>
-                                          <p:spTgt spid="3">
-                                            <p:txEl>
-                                              <p:pRg st="4" end="4"/>
-                                            </p:txEl>
-                                          </p:spTgt>
-                                        </p:tgtEl>
-                                        <p:attrNameLst>
-                                          <p:attrName>style.visibility</p:attrName>
-                                        </p:attrNameLst>
-                                      </p:cBhvr>
-                                      <p:to>
-                                        <p:strVal val="visible"/>
-                                      </p:to>
-                                    </p:set>
-                                  </p:childTnLst>
-                                </p:cTn>
-                              </p:par>
-                            </p:childTnLst>
-                          </p:cTn>
-                        </p:par>
-                      </p:childTnLst>
-                    </p:cTn>
-                  </p:par>
-                  <p:par>
-                    <p:cTn id="19" fill="hold">
-                      <p:stCondLst>
-                        <p:cond delay="indefinite"/>
-                      </p:stCondLst>
-                      <p:childTnLst>
-                        <p:par>
-                          <p:cTn id="20" fill="hold">
-                            <p:stCondLst>
-                              <p:cond delay="0"/>
-                            </p:stCondLst>
-                            <p:childTnLst>
-                              <p:par>
-                                <p:cTn id="21" presetID="1" presetClass="entr" presetSubtype="0" fill="hold" nodeType="clickEffect">
-                                  <p:stCondLst>
-                                    <p:cond delay="0"/>
-                                  </p:stCondLst>
-                                  <p:childTnLst>
-                                    <p:set>
-                                      <p:cBhvr>
-                                        <p:cTn id="22" dur="1" fill="hold">
-                                          <p:stCondLst>
-                                            <p:cond delay="0"/>
-                                          </p:stCondLst>
-                                        </p:cTn>
-                                        <p:tgtEl>
-                                          <p:spTgt spid="4"/>
-                                        </p:tgtEl>
-                                        <p:attrNameLst>
-                                          <p:attrName>style.visibility</p:attrName>
-                                        </p:attrNameLst>
-                                      </p:cBhvr>
-                                      <p:to>
-                                        <p:strVal val="visible"/>
-                                      </p:to>
-                                    </p:set>
-                                  </p:childTnLst>
-                                </p:cTn>
-                              </p:par>
-                            </p:childTnLst>
-                          </p:cTn>
-                        </p:par>
-                      </p:childTnLst>
-                    </p:cTn>
-                  </p:par>
-                  <p:par>
-                    <p:cTn id="23" fill="hold">
-                      <p:stCondLst>
-                        <p:cond delay="indefinite"/>
-                      </p:stCondLst>
-                      <p:childTnLst>
-                        <p:par>
-                          <p:cTn id="24" fill="hold">
-                            <p:stCondLst>
-                              <p:cond delay="0"/>
-                            </p:stCondLst>
-                            <p:childTnLst>
-                              <p:par>
-                                <p:cTn id="25" presetID="1" presetClass="entr" presetSubtype="0" fill="hold" nodeType="clickEffect">
-                                  <p:stCondLst>
-                                    <p:cond delay="0"/>
-                                  </p:stCondLst>
-                                  <p:childTnLst>
-                                    <p:set>
-                                      <p:cBhvr>
-                                        <p:cTn id="26" dur="1" fill="hold">
-                                          <p:stCondLst>
-                                            <p:cond delay="0"/>
-                                          </p:stCondLst>
-                                        </p:cTn>
-                                        <p:tgtEl>
-                                          <p:spTgt spid="3">
-                                            <p:txEl>
-                                              <p:pRg st="7" end="7"/>
-                                            </p:txEl>
-                                          </p:spTgt>
-                                        </p:tgtEl>
-                                        <p:attrNameLst>
-                                          <p:attrName>style.visibility</p:attrName>
-                                        </p:attrNameLst>
-                                      </p:cBhvr>
-                                      <p:to>
-                                        <p:strVal val="visible"/>
-                                      </p:to>
-                                    </p:set>
-                                  </p:childTnLst>
-                                </p:cTn>
-                              </p:par>
-                              <p:par>
-                                <p:cTn id="27" presetID="1" presetClass="entr" presetSubtype="0" fill="hold" nodeType="withEffect">
-                                  <p:stCondLst>
-                                    <p:cond delay="0"/>
-                                  </p:stCondLst>
-                                  <p:childTnLst>
-                                    <p:set>
-                                      <p:cBhvr>
-                                        <p:cTn id="28" dur="1" fill="hold">
-                                          <p:stCondLst>
-                                            <p:cond delay="0"/>
-                                          </p:stCondLst>
-                                        </p:cTn>
-                                        <p:tgtEl>
-                                          <p:spTgt spid="7"/>
-                                        </p:tgtEl>
-                                        <p:attrNameLst>
-                                          <p:attrName>style.visibility</p:attrName>
-                                        </p:attrNameLst>
-                                      </p:cBhvr>
-                                      <p:to>
-                                        <p:strVal val="visible"/>
-                                      </p:to>
-                                    </p:set>
-                                  </p:childTnLst>
-                                </p:cTn>
-                              </p:par>
-                            </p:childTnLst>
-                          </p:cTn>
-                        </p:par>
-                      </p:childTnLst>
-                    </p:cTn>
-                  </p:par>
-                </p:childTnLst>
-              </p:cTn>
-              <p:prevCondLst>
-                <p:cond evt="onPrev" delay="0">
-                  <p:tgtEl>
-                    <p:sldTgt/>
-                  </p:tgtEl>
-                </p:cond>
-              </p:prevCondLst>
-              <p:nextCondLst>
-                <p:cond evt="onNext" delay="0">
-                  <p:tgtEl>
-                    <p:sldTgt/>
-                  </p:tgtEl>
-                </p:cond>
-              </p:nextCondLst>
-            </p:seq>
-          </p:childTnLst>
-        </p:cTn>
-      </p:par>
-    </p:tnLst>
-  </p:timing>
-</p:sld>
-</file>
-
-<file path=ppt/slides/slide31.xml><?xml version="1.0" encoding="utf-8"?>
-<p:sld xmlns:a="http://schemas.openxmlformats.org/drawingml/2006/main" xmlns:r="http://schemas.openxmlformats.org/officeDocument/2006/relationships" xmlns:p="http://schemas.openxmlformats.org/presentationml/2006/main">
-  <p:cSld>
-    <p:spTree>
-      <p:nvGrpSpPr>
-        <p:cNvPr id="1" name=""/>
-        <p:cNvGrpSpPr/>
-        <p:nvPr/>
-      </p:nvGrpSpPr>
-      <p:grpSpPr>
-        <a:xfrm>
-          <a:off x="0" y="0"/>
-          <a:ext cx="0" cy="0"/>
-          <a:chOff x="0" y="0"/>
-          <a:chExt cx="0" cy="0"/>
-        </a:xfrm>
-      </p:grpSpPr>
-      <p:sp>
-        <p:nvSpPr>
-          <p:cNvPr id="2" name="Title 1">
-            <a:extLst>
-              <a:ext uri="{FF2B5EF4-FFF2-40B4-BE49-F238E27FC236}">
-                <a16:creationId xmlns:a16="http://schemas.microsoft.com/office/drawing/2014/main" id="{B889B93B-7036-425E-A49B-9916EB3D73FA}"/>
-              </a:ext>
-            </a:extLst>
-          </p:cNvPr>
-          <p:cNvSpPr>
-            <a:spLocks noGrp="1"/>
-          </p:cNvSpPr>
-          <p:nvPr>
-            <p:ph type="title"/>
-          </p:nvPr>
-        </p:nvSpPr>
-        <p:spPr>
-          <a:xfrm>
-            <a:off x="838200" y="225166"/>
-            <a:ext cx="10515600" cy="721891"/>
-          </a:xfrm>
-        </p:spPr>
-        <p:txBody>
-          <a:bodyPr/>
-          <a:lstStyle/>
-          <a:p>
-            <a:r>
-              <a:rPr lang="en-US" dirty="0">
-                <a:latin typeface="+mn-lt"/>
-              </a:rPr>
-              <a:t>Action Value Policy Evaluation</a:t>
-            </a:r>
-          </a:p>
-        </p:txBody>
-      </p:sp>
-      <p:sp>
-        <p:nvSpPr>
-          <p:cNvPr id="3" name="Content Placeholder 2">
-            <a:extLst>
-              <a:ext uri="{FF2B5EF4-FFF2-40B4-BE49-F238E27FC236}">
-                <a16:creationId xmlns:a16="http://schemas.microsoft.com/office/drawing/2014/main" id="{9794B700-D789-41A3-A534-0A77F6C4DEE8}"/>
-              </a:ext>
-            </a:extLst>
-          </p:cNvPr>
-          <p:cNvSpPr>
-            <a:spLocks noGrp="1"/>
-          </p:cNvSpPr>
-          <p:nvPr>
-            <p:ph idx="1"/>
-          </p:nvPr>
-        </p:nvSpPr>
-        <p:spPr>
-          <a:xfrm>
-            <a:off x="560558" y="877728"/>
-            <a:ext cx="11424920" cy="5786120"/>
-          </a:xfrm>
-        </p:spPr>
-        <p:txBody>
-          <a:bodyPr>
-            <a:normAutofit/>
-          </a:bodyPr>
-          <a:lstStyle/>
-          <a:p>
-            <a:pPr marL="0" indent="0">
-              <a:buNone/>
-            </a:pPr>
-            <a:r>
-              <a:rPr lang="en-US" dirty="0"/>
-              <a:t>Expand the Bellman action-value equations to find a </a:t>
-            </a:r>
-            <a:r>
-              <a:rPr lang="en-US" b="1" dirty="0"/>
-              <a:t>recursion</a:t>
-            </a:r>
-          </a:p>
-          <a:p>
-            <a:pPr marL="0" indent="0">
-              <a:buNone/>
-            </a:pPr>
-            <a:endParaRPr lang="en-US" dirty="0"/>
-          </a:p>
-          <a:p>
-            <a:pPr marL="0" indent="0">
-              <a:buNone/>
-            </a:pPr>
-            <a:r>
-              <a:rPr lang="en-US" dirty="0"/>
-              <a:t>Expanding the </a:t>
-            </a:r>
-            <a:r>
-              <a:rPr lang="en-US" b="1" dirty="0"/>
-              <a:t>gain as the sum of rewards </a:t>
-            </a:r>
-            <a:r>
-              <a:rPr lang="en-US" dirty="0"/>
-              <a:t>gives:</a:t>
-            </a:r>
-          </a:p>
-          <a:p>
-            <a:pPr marL="0" indent="0">
-              <a:buNone/>
-            </a:pPr>
-            <a:endParaRPr lang="en-US" b="1" dirty="0"/>
-          </a:p>
-          <a:p>
-            <a:pPr marL="0" indent="0">
-              <a:buNone/>
-            </a:pPr>
-            <a:endParaRPr lang="en-US" b="1" dirty="0"/>
-          </a:p>
-          <a:p>
-            <a:pPr marL="0" indent="0">
-              <a:buNone/>
-            </a:pPr>
-            <a:r>
-              <a:rPr lang="en-US" dirty="0"/>
-              <a:t>Then using the transition probability and the </a:t>
-            </a:r>
-            <a:r>
-              <a:rPr lang="en-US" b="1" dirty="0"/>
-              <a:t>bootstrapped action-values </a:t>
-            </a:r>
-            <a:r>
-              <a:rPr lang="en-US" dirty="0"/>
-              <a:t>gives: </a:t>
-            </a:r>
-          </a:p>
-          <a:p>
-            <a:pPr marL="0" indent="0">
-              <a:buNone/>
-            </a:pPr>
-            <a:endParaRPr lang="en-US" dirty="0"/>
-          </a:p>
-          <a:p>
-            <a:pPr marL="0" indent="0">
-              <a:buNone/>
-            </a:pPr>
-            <a:endParaRPr lang="en-US" dirty="0"/>
-          </a:p>
-          <a:p>
-            <a:pPr marL="0" indent="0">
-              <a:buNone/>
-            </a:pPr>
-            <a:r>
-              <a:rPr lang="en-US" dirty="0"/>
-              <a:t>Where,</a:t>
-            </a:r>
-          </a:p>
-          <a:p>
-            <a:pPr marL="0" indent="0">
-              <a:buNone/>
-            </a:pPr>
-            <a:endParaRPr lang="en-US" dirty="0"/>
-          </a:p>
-          <a:p>
-            <a:pPr marL="0" indent="0">
-              <a:buNone/>
-            </a:pPr>
-            <a:endParaRPr lang="en-US" dirty="0"/>
-          </a:p>
-          <a:p>
-            <a:pPr marL="0" indent="0">
-              <a:buNone/>
-            </a:pPr>
-            <a:endParaRPr lang="en-US" dirty="0"/>
-          </a:p>
-          <a:p>
-            <a:pPr marL="0" indent="0">
-              <a:buNone/>
-            </a:pPr>
-            <a:endParaRPr lang="en-US" dirty="0"/>
-          </a:p>
-        </p:txBody>
-      </p:sp>
-      <p:pic>
-        <p:nvPicPr>
-          <p:cNvPr id="7" name="Picture 6">
-            <a:extLst>
-              <a:ext uri="{FF2B5EF4-FFF2-40B4-BE49-F238E27FC236}">
-                <a16:creationId xmlns:a16="http://schemas.microsoft.com/office/drawing/2014/main" id="{82ED7962-619C-4DFF-ACAD-BCD7083CF71C}"/>
-              </a:ext>
-            </a:extLst>
-          </p:cNvPr>
-          <p:cNvPicPr>
-            <a:picLocks noChangeAspect="1"/>
-          </p:cNvPicPr>
-          <p:nvPr/>
-        </p:nvPicPr>
-        <p:blipFill>
-          <a:blip r:embed="rId2"/>
-          <a:stretch>
-            <a:fillRect/>
-          </a:stretch>
-        </p:blipFill>
-        <p:spPr>
-          <a:xfrm>
-            <a:off x="1379331" y="1283088"/>
-            <a:ext cx="5047553" cy="622007"/>
-          </a:xfrm>
-          <a:prstGeom prst="rect">
-            <a:avLst/>
-          </a:prstGeom>
-        </p:spPr>
-      </p:pic>
-      <p:pic>
-        <p:nvPicPr>
-          <p:cNvPr id="8" name="Picture 7">
-            <a:extLst>
-              <a:ext uri="{FF2B5EF4-FFF2-40B4-BE49-F238E27FC236}">
-                <a16:creationId xmlns:a16="http://schemas.microsoft.com/office/drawing/2014/main" id="{BD1B4C56-2D45-4E33-91A4-5FBFD39D9F39}"/>
-              </a:ext>
-            </a:extLst>
-          </p:cNvPr>
-          <p:cNvPicPr>
-            <a:picLocks noChangeAspect="1"/>
-          </p:cNvPicPr>
-          <p:nvPr/>
-        </p:nvPicPr>
-        <p:blipFill>
-          <a:blip r:embed="rId3"/>
-          <a:stretch>
-            <a:fillRect/>
-          </a:stretch>
-        </p:blipFill>
-        <p:spPr>
-          <a:xfrm>
-            <a:off x="2590363" y="2429221"/>
-            <a:ext cx="5227320" cy="1028781"/>
-          </a:xfrm>
-          <a:prstGeom prst="rect">
-            <a:avLst/>
-          </a:prstGeom>
-        </p:spPr>
-      </p:pic>
-      <p:pic>
-        <p:nvPicPr>
-          <p:cNvPr id="9" name="Picture 8">
-            <a:extLst>
-              <a:ext uri="{FF2B5EF4-FFF2-40B4-BE49-F238E27FC236}">
-                <a16:creationId xmlns:a16="http://schemas.microsoft.com/office/drawing/2014/main" id="{2D17369B-B56D-4104-9362-6BB734687B85}"/>
-              </a:ext>
-            </a:extLst>
-          </p:cNvPr>
-          <p:cNvPicPr>
-            <a:picLocks noChangeAspect="1"/>
-          </p:cNvPicPr>
-          <p:nvPr/>
-        </p:nvPicPr>
-        <p:blipFill>
-          <a:blip r:embed="rId4"/>
-          <a:stretch>
-            <a:fillRect/>
-          </a:stretch>
-        </p:blipFill>
-        <p:spPr>
-          <a:xfrm>
-            <a:off x="2679872" y="4301283"/>
-            <a:ext cx="5654041" cy="930228"/>
-          </a:xfrm>
-          <a:prstGeom prst="rect">
-            <a:avLst/>
-          </a:prstGeom>
-        </p:spPr>
-      </p:pic>
-      <p:pic>
-        <p:nvPicPr>
-          <p:cNvPr id="10" name="Picture 9">
-            <a:extLst>
-              <a:ext uri="{FF2B5EF4-FFF2-40B4-BE49-F238E27FC236}">
-                <a16:creationId xmlns:a16="http://schemas.microsoft.com/office/drawing/2014/main" id="{68B59A15-0111-4BF7-B8F7-B0D352181204}"/>
-              </a:ext>
-            </a:extLst>
-          </p:cNvPr>
-          <p:cNvPicPr>
-            <a:picLocks noChangeAspect="1"/>
-          </p:cNvPicPr>
-          <p:nvPr/>
-        </p:nvPicPr>
-        <p:blipFill>
-          <a:blip r:embed="rId5"/>
-          <a:stretch>
-            <a:fillRect/>
-          </a:stretch>
-        </p:blipFill>
-        <p:spPr>
-          <a:xfrm>
-            <a:off x="2192973" y="5674624"/>
-            <a:ext cx="4707430" cy="382528"/>
-          </a:xfrm>
-          <a:prstGeom prst="rect">
-            <a:avLst/>
-          </a:prstGeom>
-        </p:spPr>
-      </p:pic>
-      <p:pic>
-        <p:nvPicPr>
-          <p:cNvPr id="11" name="Picture 10">
-            <a:extLst>
-              <a:ext uri="{FF2B5EF4-FFF2-40B4-BE49-F238E27FC236}">
-                <a16:creationId xmlns:a16="http://schemas.microsoft.com/office/drawing/2014/main" id="{1E48408C-A991-4277-8085-10880A73CED5}"/>
-              </a:ext>
-            </a:extLst>
-          </p:cNvPr>
-          <p:cNvPicPr>
-            <a:picLocks noChangeAspect="1"/>
-          </p:cNvPicPr>
-          <p:nvPr/>
-        </p:nvPicPr>
-        <p:blipFill>
-          <a:blip r:embed="rId6"/>
-          <a:stretch>
-            <a:fillRect/>
-          </a:stretch>
-        </p:blipFill>
-        <p:spPr>
-          <a:xfrm>
-            <a:off x="2246813" y="6206819"/>
-            <a:ext cx="7698373" cy="382528"/>
-          </a:xfrm>
-          <a:prstGeom prst="rect">
-            <a:avLst/>
-          </a:prstGeom>
-        </p:spPr>
-      </p:pic>
-      <p:pic>
-        <p:nvPicPr>
-          <p:cNvPr id="4" name="Picture 3">
-            <a:extLst>
-              <a:ext uri="{FF2B5EF4-FFF2-40B4-BE49-F238E27FC236}">
-                <a16:creationId xmlns:a16="http://schemas.microsoft.com/office/drawing/2014/main" id="{86C09F02-A91F-452A-9B5B-93FEE747BE52}"/>
-              </a:ext>
-            </a:extLst>
-          </p:cNvPr>
-          <p:cNvPicPr>
-            <a:picLocks noChangeAspect="1"/>
-          </p:cNvPicPr>
-          <p:nvPr/>
-        </p:nvPicPr>
-        <p:blipFill>
-          <a:blip r:embed="rId7"/>
-          <a:stretch>
-            <a:fillRect/>
-          </a:stretch>
-        </p:blipFill>
-        <p:spPr>
-          <a:xfrm>
-            <a:off x="1313757" y="2720566"/>
-            <a:ext cx="1206637" cy="446090"/>
-          </a:xfrm>
-          <a:prstGeom prst="rect">
-            <a:avLst/>
-          </a:prstGeom>
-        </p:spPr>
-      </p:pic>
-      <p:pic>
-        <p:nvPicPr>
-          <p:cNvPr id="13" name="Picture 12">
-            <a:extLst>
-              <a:ext uri="{FF2B5EF4-FFF2-40B4-BE49-F238E27FC236}">
-                <a16:creationId xmlns:a16="http://schemas.microsoft.com/office/drawing/2014/main" id="{B9D3ACC4-EC46-4DDE-AEA8-C0BB81C20505}"/>
-              </a:ext>
-            </a:extLst>
-          </p:cNvPr>
-          <p:cNvPicPr>
-            <a:picLocks noChangeAspect="1"/>
-          </p:cNvPicPr>
-          <p:nvPr/>
-        </p:nvPicPr>
-        <p:blipFill>
-          <a:blip r:embed="rId7"/>
-          <a:stretch>
-            <a:fillRect/>
-          </a:stretch>
-        </p:blipFill>
-        <p:spPr>
-          <a:xfrm>
-            <a:off x="1454065" y="4466937"/>
-            <a:ext cx="1206637" cy="446090"/>
-          </a:xfrm>
-          <a:prstGeom prst="rect">
-            <a:avLst/>
-          </a:prstGeom>
-        </p:spPr>
-      </p:pic>
-    </p:spTree>
-    <p:extLst>
-      <p:ext uri="{BB962C8B-B14F-4D97-AF65-F5344CB8AC3E}">
-        <p14:creationId xmlns:p14="http://schemas.microsoft.com/office/powerpoint/2010/main" val="4183225768"/>
-      </p:ext>
-    </p:extLst>
-  </p:cSld>
-  <p:clrMapOvr>
-    <a:masterClrMapping/>
-  </p:clrMapOvr>
-  <p:timing>
-    <p:tnLst>
-      <p:par>
-        <p:cTn id="1" dur="indefinite" restart="never" nodeType="tmRoot">
-          <p:childTnLst>
-            <p:seq concurrent="1" nextAc="seek">
-              <p:cTn id="2" dur="indefinite" nodeType="mainSeq">
-                <p:childTnLst>
-                  <p:par>
-                    <p:cTn id="3" fill="hold">
-                      <p:stCondLst>
-                        <p:cond delay="indefinite"/>
-                      </p:stCondLst>
-                      <p:childTnLst>
-                        <p:par>
-                          <p:cTn id="4" fill="hold">
-                            <p:stCondLst>
-                              <p:cond delay="0"/>
-                            </p:stCondLst>
-                            <p:childTnLst>
-                              <p:par>
-                                <p:cTn id="5" presetID="1" presetClass="entr" presetSubtype="0" fill="hold" nodeType="clickEffect">
-                                  <p:stCondLst>
-                                    <p:cond delay="0"/>
-                                  </p:stCondLst>
-                                  <p:childTnLst>
-                                    <p:set>
-                                      <p:cBhvr>
-                                        <p:cTn id="6" dur="1" fill="hold">
-                                          <p:stCondLst>
-                                            <p:cond delay="0"/>
-                                          </p:stCondLst>
-                                        </p:cTn>
-                                        <p:tgtEl>
-                                          <p:spTgt spid="3">
-                                            <p:txEl>
-                                              <p:pRg st="0" end="0"/>
-                                            </p:txEl>
-                                          </p:spTgt>
-                                        </p:tgtEl>
-                                        <p:attrNameLst>
-                                          <p:attrName>style.visibility</p:attrName>
-                                        </p:attrNameLst>
-                                      </p:cBhvr>
-                                      <p:to>
-                                        <p:strVal val="visible"/>
-                                      </p:to>
-                                    </p:set>
-                                  </p:childTnLst>
-                                </p:cTn>
-                              </p:par>
-                            </p:childTnLst>
-                          </p:cTn>
-                        </p:par>
-                      </p:childTnLst>
-                    </p:cTn>
-                  </p:par>
-                  <p:par>
-                    <p:cTn id="7" fill="hold">
-                      <p:stCondLst>
-                        <p:cond delay="indefinite"/>
-                      </p:stCondLst>
-                      <p:childTnLst>
-                        <p:par>
-                          <p:cTn id="8" fill="hold">
-                            <p:stCondLst>
-                              <p:cond delay="0"/>
-                            </p:stCondLst>
-                            <p:childTnLst>
-                              <p:par>
-                                <p:cTn id="9" presetID="1" presetClass="entr" presetSubtype="0" fill="hold" nodeType="clickEffect">
-                                  <p:stCondLst>
-                                    <p:cond delay="0"/>
-                                  </p:stCondLst>
-                                  <p:childTnLst>
-                                    <p:set>
-                                      <p:cBhvr>
-                                        <p:cTn id="10" dur="1" fill="hold">
-                                          <p:stCondLst>
-                                            <p:cond delay="0"/>
-                                          </p:stCondLst>
-                                        </p:cTn>
-                                        <p:tgtEl>
-                                          <p:spTgt spid="7"/>
-                                        </p:tgtEl>
-                                        <p:attrNameLst>
-                                          <p:attrName>style.visibility</p:attrName>
-                                        </p:attrNameLst>
-                                      </p:cBhvr>
-                                      <p:to>
-                                        <p:strVal val="visible"/>
-                                      </p:to>
-                                    </p:set>
-                                  </p:childTnLst>
-                                </p:cTn>
-                              </p:par>
-                            </p:childTnLst>
-                          </p:cTn>
-                        </p:par>
-                      </p:childTnLst>
-                    </p:cTn>
-                  </p:par>
-                  <p:par>
-                    <p:cTn id="11" fill="hold">
-                      <p:stCondLst>
-                        <p:cond delay="indefinite"/>
-                      </p:stCondLst>
-                      <p:childTnLst>
-                        <p:par>
-                          <p:cTn id="12" fill="hold">
-                            <p:stCondLst>
-                              <p:cond delay="0"/>
-                            </p:stCondLst>
-                            <p:childTnLst>
-                              <p:par>
-                                <p:cTn id="13" presetID="1" presetClass="entr" presetSubtype="0" fill="hold" nodeType="clickEffect">
-                                  <p:stCondLst>
-                                    <p:cond delay="0"/>
-                                  </p:stCondLst>
-                                  <p:childTnLst>
-                                    <p:set>
-                                      <p:cBhvr>
-                                        <p:cTn id="14" dur="1" fill="hold">
-                                          <p:stCondLst>
-                                            <p:cond delay="0"/>
-                                          </p:stCondLst>
-                                        </p:cTn>
-                                        <p:tgtEl>
-                                          <p:spTgt spid="3">
-                                            <p:txEl>
-                                              <p:pRg st="2" end="2"/>
-                                            </p:txEl>
-                                          </p:spTgt>
-                                        </p:tgtEl>
-                                        <p:attrNameLst>
-                                          <p:attrName>style.visibility</p:attrName>
-                                        </p:attrNameLst>
-                                      </p:cBhvr>
-                                      <p:to>
-                                        <p:strVal val="visible"/>
-                                      </p:to>
-                                    </p:set>
-                                  </p:childTnLst>
-                                </p:cTn>
-                              </p:par>
-                            </p:childTnLst>
-                          </p:cTn>
-                        </p:par>
-                      </p:childTnLst>
-                    </p:cTn>
-                  </p:par>
-                  <p:par>
-                    <p:cTn id="15" fill="hold">
-                      <p:stCondLst>
-                        <p:cond delay="indefinite"/>
-                      </p:stCondLst>
-                      <p:childTnLst>
-                        <p:par>
-                          <p:cTn id="16" fill="hold">
-                            <p:stCondLst>
-                              <p:cond delay="0"/>
-                            </p:stCondLst>
-                            <p:childTnLst>
-                              <p:par>
-                                <p:cTn id="17" presetID="1" presetClass="entr" presetSubtype="0" fill="hold" nodeType="clickEffect">
-                                  <p:stCondLst>
-                                    <p:cond delay="0"/>
-                                  </p:stCondLst>
-                                  <p:childTnLst>
-                                    <p:set>
-                                      <p:cBhvr>
-                                        <p:cTn id="18" dur="1" fill="hold">
-                                          <p:stCondLst>
-                                            <p:cond delay="0"/>
-                                          </p:stCondLst>
-                                        </p:cTn>
-                                        <p:tgtEl>
-                                          <p:spTgt spid="8"/>
-                                        </p:tgtEl>
-                                        <p:attrNameLst>
-                                          <p:attrName>style.visibility</p:attrName>
-                                        </p:attrNameLst>
-                                      </p:cBhvr>
-                                      <p:to>
-                                        <p:strVal val="visible"/>
-                                      </p:to>
-                                    </p:set>
-                                  </p:childTnLst>
-                                </p:cTn>
-                              </p:par>
-                              <p:par>
-                                <p:cTn id="19" presetID="1" presetClass="entr" presetSubtype="0" fill="hold" nodeType="withEffect">
-                                  <p:stCondLst>
-                                    <p:cond delay="0"/>
-                                  </p:stCondLst>
-                                  <p:childTnLst>
-                                    <p:set>
-                                      <p:cBhvr>
-                                        <p:cTn id="20" dur="1" fill="hold">
-                                          <p:stCondLst>
-                                            <p:cond delay="0"/>
-                                          </p:stCondLst>
-                                        </p:cTn>
-                                        <p:tgtEl>
-                                          <p:spTgt spid="4"/>
-                                        </p:tgtEl>
-                                        <p:attrNameLst>
-                                          <p:attrName>style.visibility</p:attrName>
-                                        </p:attrNameLst>
-                                      </p:cBhvr>
-                                      <p:to>
-                                        <p:strVal val="visible"/>
-                                      </p:to>
-                                    </p:set>
-                                  </p:childTnLst>
-                                </p:cTn>
-                              </p:par>
-                            </p:childTnLst>
-                          </p:cTn>
-                        </p:par>
-                      </p:childTnLst>
-                    </p:cTn>
-                  </p:par>
-                  <p:par>
-                    <p:cTn id="21" fill="hold">
-                      <p:stCondLst>
-                        <p:cond delay="indefinite"/>
-                      </p:stCondLst>
-                      <p:childTnLst>
-                        <p:par>
-                          <p:cTn id="22" fill="hold">
-                            <p:stCondLst>
-                              <p:cond delay="0"/>
-                            </p:stCondLst>
-                            <p:childTnLst>
-                              <p:par>
-                                <p:cTn id="23" presetID="1" presetClass="entr" presetSubtype="0" fill="hold" nodeType="clickEffect">
-                                  <p:stCondLst>
-                                    <p:cond delay="0"/>
-                                  </p:stCondLst>
-                                  <p:childTnLst>
-                                    <p:set>
-                                      <p:cBhvr>
-                                        <p:cTn id="24" dur="1" fill="hold">
-                                          <p:stCondLst>
-                                            <p:cond delay="0"/>
-                                          </p:stCondLst>
-                                        </p:cTn>
-                                        <p:tgtEl>
-                                          <p:spTgt spid="3">
-                                            <p:txEl>
-                                              <p:pRg st="5" end="5"/>
-                                            </p:txEl>
-                                          </p:spTgt>
-                                        </p:tgtEl>
-                                        <p:attrNameLst>
-                                          <p:attrName>style.visibility</p:attrName>
-                                        </p:attrNameLst>
-                                      </p:cBhvr>
-                                      <p:to>
-                                        <p:strVal val="visible"/>
-                                      </p:to>
-                                    </p:set>
-                                  </p:childTnLst>
-                                </p:cTn>
-                              </p:par>
-                            </p:childTnLst>
-                          </p:cTn>
-                        </p:par>
-                      </p:childTnLst>
-                    </p:cTn>
-                  </p:par>
-                  <p:par>
-                    <p:cTn id="25" fill="hold">
-                      <p:stCondLst>
-                        <p:cond delay="indefinite"/>
-                      </p:stCondLst>
-                      <p:childTnLst>
-                        <p:par>
-                          <p:cTn id="26" fill="hold">
-                            <p:stCondLst>
-                              <p:cond delay="0"/>
-                            </p:stCondLst>
-                            <p:childTnLst>
-                              <p:par>
-                                <p:cTn id="27" presetID="1" presetClass="entr" presetSubtype="0" fill="hold" nodeType="clickEffect">
-                                  <p:stCondLst>
-                                    <p:cond delay="0"/>
-                                  </p:stCondLst>
-                                  <p:childTnLst>
-                                    <p:set>
-                                      <p:cBhvr>
-                                        <p:cTn id="28" dur="1" fill="hold">
-                                          <p:stCondLst>
-                                            <p:cond delay="0"/>
-                                          </p:stCondLst>
-                                        </p:cTn>
-                                        <p:tgtEl>
-                                          <p:spTgt spid="9"/>
-                                        </p:tgtEl>
-                                        <p:attrNameLst>
-                                          <p:attrName>style.visibility</p:attrName>
-                                        </p:attrNameLst>
-                                      </p:cBhvr>
-                                      <p:to>
-                                        <p:strVal val="visible"/>
-                                      </p:to>
-                                    </p:set>
-                                  </p:childTnLst>
-                                </p:cTn>
-                              </p:par>
-                              <p:par>
-                                <p:cTn id="29" presetID="1" presetClass="entr" presetSubtype="0" fill="hold" nodeType="withEffect">
-                                  <p:stCondLst>
-                                    <p:cond delay="0"/>
-                                  </p:stCondLst>
-                                  <p:childTnLst>
-                                    <p:set>
-                                      <p:cBhvr>
-                                        <p:cTn id="30" dur="1" fill="hold">
-                                          <p:stCondLst>
-                                            <p:cond delay="0"/>
-                                          </p:stCondLst>
-                                        </p:cTn>
-                                        <p:tgtEl>
-                                          <p:spTgt spid="13"/>
-                                        </p:tgtEl>
-                                        <p:attrNameLst>
-                                          <p:attrName>style.visibility</p:attrName>
-                                        </p:attrNameLst>
-                                      </p:cBhvr>
-                                      <p:to>
-                                        <p:strVal val="visible"/>
-                                      </p:to>
-                                    </p:set>
-                                  </p:childTnLst>
-                                </p:cTn>
-                              </p:par>
-                            </p:childTnLst>
-                          </p:cTn>
-                        </p:par>
-                      </p:childTnLst>
-                    </p:cTn>
-                  </p:par>
-                  <p:par>
-                    <p:cTn id="31" fill="hold">
-                      <p:stCondLst>
-                        <p:cond delay="indefinite"/>
-                      </p:stCondLst>
-                      <p:childTnLst>
-                        <p:par>
-                          <p:cTn id="32" fill="hold">
-                            <p:stCondLst>
-                              <p:cond delay="0"/>
-                            </p:stCondLst>
-                            <p:childTnLst>
-                              <p:par>
-                                <p:cTn id="33" presetID="1" presetClass="entr" presetSubtype="0" fill="hold" nodeType="clickEffect">
-                                  <p:stCondLst>
-                                    <p:cond delay="0"/>
-                                  </p:stCondLst>
-                                  <p:childTnLst>
-                                    <p:set>
-                                      <p:cBhvr>
-                                        <p:cTn id="34" dur="1" fill="hold">
-                                          <p:stCondLst>
-                                            <p:cond delay="0"/>
-                                          </p:stCondLst>
-                                        </p:cTn>
-                                        <p:tgtEl>
-                                          <p:spTgt spid="3">
-                                            <p:txEl>
-                                              <p:pRg st="8" end="8"/>
-                                            </p:txEl>
-                                          </p:spTgt>
-                                        </p:tgtEl>
-                                        <p:attrNameLst>
-                                          <p:attrName>style.visibility</p:attrName>
-                                        </p:attrNameLst>
-                                      </p:cBhvr>
-                                      <p:to>
-                                        <p:strVal val="visible"/>
-                                      </p:to>
-                                    </p:set>
-                                  </p:childTnLst>
-                                </p:cTn>
-                              </p:par>
-                            </p:childTnLst>
-                          </p:cTn>
-                        </p:par>
-                      </p:childTnLst>
-                    </p:cTn>
-                  </p:par>
-                  <p:par>
-                    <p:cTn id="35" fill="hold">
-                      <p:stCondLst>
-                        <p:cond delay="indefinite"/>
-                      </p:stCondLst>
-                      <p:childTnLst>
-                        <p:par>
-                          <p:cTn id="36" fill="hold">
-                            <p:stCondLst>
-                              <p:cond delay="0"/>
-                            </p:stCondLst>
-                            <p:childTnLst>
-                              <p:par>
-                                <p:cTn id="37" presetID="1" presetClass="entr" presetSubtype="0" fill="hold" nodeType="clickEffect">
-                                  <p:stCondLst>
-                                    <p:cond delay="0"/>
-                                  </p:stCondLst>
-                                  <p:childTnLst>
-                                    <p:set>
-                                      <p:cBhvr>
-                                        <p:cTn id="38" dur="1" fill="hold">
-                                          <p:stCondLst>
-                                            <p:cond delay="0"/>
-                                          </p:stCondLst>
-                                        </p:cTn>
-                                        <p:tgtEl>
-                                          <p:spTgt spid="10"/>
-                                        </p:tgtEl>
-                                        <p:attrNameLst>
-                                          <p:attrName>style.visibility</p:attrName>
-                                        </p:attrNameLst>
-                                      </p:cBhvr>
-                                      <p:to>
-                                        <p:strVal val="visible"/>
-                                      </p:to>
-                                    </p:set>
-                                  </p:childTnLst>
-                                </p:cTn>
-                              </p:par>
-                            </p:childTnLst>
-                          </p:cTn>
-                        </p:par>
-                      </p:childTnLst>
-                    </p:cTn>
-                  </p:par>
-                  <p:par>
-                    <p:cTn id="39" fill="hold">
-                      <p:stCondLst>
-                        <p:cond delay="indefinite"/>
-                      </p:stCondLst>
-                      <p:childTnLst>
-                        <p:par>
-                          <p:cTn id="40" fill="hold">
-                            <p:stCondLst>
-                              <p:cond delay="0"/>
-                            </p:stCondLst>
-                            <p:childTnLst>
-                              <p:par>
-                                <p:cTn id="41" presetID="1" presetClass="entr" presetSubtype="0" fill="hold" nodeType="clickEffect">
-                                  <p:stCondLst>
-                                    <p:cond delay="0"/>
-                                  </p:stCondLst>
-                                  <p:childTnLst>
-                                    <p:set>
-                                      <p:cBhvr>
-                                        <p:cTn id="42" dur="1" fill="hold">
-                                          <p:stCondLst>
-                                            <p:cond delay="0"/>
-                                          </p:stCondLst>
-                                        </p:cTn>
-                                        <p:tgtEl>
-                                          <p:spTgt spid="11"/>
-                                        </p:tgtEl>
-                                        <p:attrNameLst>
-                                          <p:attrName>style.visibility</p:attrName>
-                                        </p:attrNameLst>
-                                      </p:cBhvr>
-                                      <p:to>
-                                        <p:strVal val="visible"/>
-                                      </p:to>
-                                    </p:set>
-                                  </p:childTnLst>
-                                </p:cTn>
-                              </p:par>
-                            </p:childTnLst>
-                          </p:cTn>
-                        </p:par>
-                      </p:childTnLst>
-                    </p:cTn>
-                  </p:par>
-                </p:childTnLst>
-              </p:cTn>
-              <p:prevCondLst>
-                <p:cond evt="onPrev" delay="0">
-                  <p:tgtEl>
-                    <p:sldTgt/>
-                  </p:tgtEl>
-                </p:cond>
-              </p:prevCondLst>
-              <p:nextCondLst>
-                <p:cond evt="onNext" delay="0">
-                  <p:tgtEl>
-                    <p:sldTgt/>
-                  </p:tgtEl>
-                </p:cond>
-              </p:nextCondLst>
-            </p:seq>
-          </p:childTnLst>
-        </p:cTn>
-      </p:par>
-    </p:tnLst>
-  </p:timing>
 </p:sld>
 </file>
 

--- a/Lesson8/8_MarkovProcesses.pptx
+++ b/Lesson8/8_MarkovProcesses.pptx
@@ -11214,33 +11214,15 @@
                                   </p:childTnLst>
                                 </p:cTn>
                               </p:par>
-                            </p:childTnLst>
-                          </p:cTn>
-                        </p:par>
-                      </p:childTnLst>
-                    </p:cTn>
-                  </p:par>
-                  <p:par>
-                    <p:cTn id="7" fill="hold">
-                      <p:stCondLst>
-                        <p:cond delay="indefinite"/>
-                      </p:stCondLst>
-                      <p:childTnLst>
-                        <p:par>
-                          <p:cTn id="8" fill="hold">
-                            <p:stCondLst>
-                              <p:cond delay="0"/>
-                            </p:stCondLst>
-                            <p:childTnLst>
                               <p:par>
-                                <p:cTn id="9" presetID="1" presetClass="entr" presetSubtype="0" fill="hold" nodeType="clickEffect">
+                                <p:cTn id="7" presetID="1" presetClass="entr" presetSubtype="0" fill="hold" nodeType="withEffect">
                                   <p:stCondLst>
                                     <p:cond delay="0"/>
                                   </p:stCondLst>
                                   <p:childTnLst>
                                     <p:set>
                                       <p:cBhvr>
-                                        <p:cTn id="10" dur="1" fill="hold">
+                                        <p:cTn id="8" dur="1" fill="hold">
                                           <p:stCondLst>
                                             <p:cond delay="0"/>
                                           </p:stCondLst>
@@ -11266,26 +11248,26 @@
                     </p:cTn>
                   </p:par>
                   <p:par>
-                    <p:cTn id="11" fill="hold">
+                    <p:cTn id="9" fill="hold">
                       <p:stCondLst>
                         <p:cond delay="indefinite"/>
                       </p:stCondLst>
                       <p:childTnLst>
                         <p:par>
-                          <p:cTn id="12" fill="hold">
+                          <p:cTn id="10" fill="hold">
                             <p:stCondLst>
                               <p:cond delay="0"/>
                             </p:stCondLst>
                             <p:childTnLst>
                               <p:par>
-                                <p:cTn id="13" presetID="1" presetClass="entr" presetSubtype="0" fill="hold" nodeType="clickEffect">
+                                <p:cTn id="11" presetID="1" presetClass="entr" presetSubtype="0" fill="hold" nodeType="clickEffect">
                                   <p:stCondLst>
                                     <p:cond delay="0"/>
                                   </p:stCondLst>
                                   <p:childTnLst>
                                     <p:set>
                                       <p:cBhvr>
-                                        <p:cTn id="14" dur="1" fill="hold">
+                                        <p:cTn id="12" dur="1" fill="hold">
                                           <p:stCondLst>
                                             <p:cond delay="0"/>
                                           </p:stCondLst>
@@ -11311,26 +11293,26 @@
                     </p:cTn>
                   </p:par>
                   <p:par>
-                    <p:cTn id="15" fill="hold">
+                    <p:cTn id="13" fill="hold">
                       <p:stCondLst>
                         <p:cond delay="indefinite"/>
                       </p:stCondLst>
                       <p:childTnLst>
                         <p:par>
-                          <p:cTn id="16" fill="hold">
+                          <p:cTn id="14" fill="hold">
                             <p:stCondLst>
                               <p:cond delay="0"/>
                             </p:stCondLst>
                             <p:childTnLst>
                               <p:par>
-                                <p:cTn id="17" presetID="1" presetClass="entr" presetSubtype="0" fill="hold" nodeType="clickEffect">
+                                <p:cTn id="15" presetID="1" presetClass="entr" presetSubtype="0" fill="hold" nodeType="clickEffect">
                                   <p:stCondLst>
                                     <p:cond delay="0"/>
                                   </p:stCondLst>
                                   <p:childTnLst>
                                     <p:set>
                                       <p:cBhvr>
-                                        <p:cTn id="18" dur="1" fill="hold">
+                                        <p:cTn id="16" dur="1" fill="hold">
                                           <p:stCondLst>
                                             <p:cond delay="0"/>
                                           </p:stCondLst>
@@ -11354,14 +11336,14 @@
                                 </p:cTn>
                               </p:par>
                               <p:par>
-                                <p:cTn id="19" presetID="1" presetClass="entr" presetSubtype="0" fill="hold" nodeType="withEffect">
+                                <p:cTn id="17" presetID="1" presetClass="entr" presetSubtype="0" fill="hold" nodeType="withEffect">
                                   <p:stCondLst>
                                     <p:cond delay="0"/>
                                   </p:stCondLst>
                                   <p:childTnLst>
                                     <p:set>
                                       <p:cBhvr>
-                                        <p:cTn id="20" dur="1" fill="hold">
+                                        <p:cTn id="18" dur="1" fill="hold">
                                           <p:stCondLst>
                                             <p:cond delay="0"/>
                                           </p:stCondLst>
@@ -11387,26 +11369,26 @@
                     </p:cTn>
                   </p:par>
                   <p:par>
-                    <p:cTn id="21" fill="hold">
+                    <p:cTn id="19" fill="hold">
                       <p:stCondLst>
                         <p:cond delay="indefinite"/>
                       </p:stCondLst>
                       <p:childTnLst>
                         <p:par>
-                          <p:cTn id="22" fill="hold">
+                          <p:cTn id="20" fill="hold">
                             <p:stCondLst>
                               <p:cond delay="0"/>
                             </p:stCondLst>
                             <p:childTnLst>
                               <p:par>
-                                <p:cTn id="23" presetID="1" presetClass="entr" presetSubtype="0" fill="hold" nodeType="clickEffect">
+                                <p:cTn id="21" presetID="1" presetClass="entr" presetSubtype="0" fill="hold" nodeType="clickEffect">
                                   <p:stCondLst>
                                     <p:cond delay="0"/>
                                   </p:stCondLst>
                                   <p:childTnLst>
                                     <p:set>
                                       <p:cBhvr>
-                                        <p:cTn id="24" dur="1" fill="hold">
+                                        <p:cTn id="22" dur="1" fill="hold">
                                           <p:stCondLst>
                                             <p:cond delay="0"/>
                                           </p:stCondLst>
@@ -12192,33 +12174,15 @@
                                   </p:childTnLst>
                                 </p:cTn>
                               </p:par>
-                            </p:childTnLst>
-                          </p:cTn>
-                        </p:par>
-                      </p:childTnLst>
-                    </p:cTn>
-                  </p:par>
-                  <p:par>
-                    <p:cTn id="19" fill="hold">
-                      <p:stCondLst>
-                        <p:cond delay="indefinite"/>
-                      </p:stCondLst>
-                      <p:childTnLst>
-                        <p:par>
-                          <p:cTn id="20" fill="hold">
-                            <p:stCondLst>
-                              <p:cond delay="0"/>
-                            </p:stCondLst>
-                            <p:childTnLst>
                               <p:par>
-                                <p:cTn id="21" presetID="1" presetClass="entr" presetSubtype="0" fill="hold" nodeType="clickEffect">
+                                <p:cTn id="19" presetID="1" presetClass="entr" presetSubtype="0" fill="hold" nodeType="withEffect">
                                   <p:stCondLst>
                                     <p:cond delay="0"/>
                                   </p:stCondLst>
                                   <p:childTnLst>
                                     <p:set>
                                       <p:cBhvr>
-                                        <p:cTn id="22" dur="1" fill="hold">
+                                        <p:cTn id="20" dur="1" fill="hold">
                                           <p:stCondLst>
                                             <p:cond delay="0"/>
                                           </p:stCondLst>
@@ -12248,26 +12212,26 @@
                     </p:cTn>
                   </p:par>
                   <p:par>
-                    <p:cTn id="23" fill="hold">
+                    <p:cTn id="21" fill="hold">
                       <p:stCondLst>
                         <p:cond delay="indefinite"/>
                       </p:stCondLst>
                       <p:childTnLst>
                         <p:par>
-                          <p:cTn id="24" fill="hold">
+                          <p:cTn id="22" fill="hold">
                             <p:stCondLst>
                               <p:cond delay="0"/>
                             </p:stCondLst>
                             <p:childTnLst>
                               <p:par>
-                                <p:cTn id="25" presetID="1" presetClass="entr" presetSubtype="0" fill="hold" nodeType="clickEffect">
+                                <p:cTn id="23" presetID="1" presetClass="entr" presetSubtype="0" fill="hold" nodeType="clickEffect">
                                   <p:stCondLst>
                                     <p:cond delay="0"/>
                                   </p:stCondLst>
                                   <p:childTnLst>
                                     <p:set>
                                       <p:cBhvr>
-                                        <p:cTn id="26" dur="1" fill="hold">
+                                        <p:cTn id="24" dur="1" fill="hold">
                                           <p:stCondLst>
                                             <p:cond delay="0"/>
                                           </p:stCondLst>
@@ -12290,33 +12254,15 @@
                                   </p:childTnLst>
                                 </p:cTn>
                               </p:par>
-                            </p:childTnLst>
-                          </p:cTn>
-                        </p:par>
-                      </p:childTnLst>
-                    </p:cTn>
-                  </p:par>
-                  <p:par>
-                    <p:cTn id="27" fill="hold">
-                      <p:stCondLst>
-                        <p:cond delay="indefinite"/>
-                      </p:stCondLst>
-                      <p:childTnLst>
-                        <p:par>
-                          <p:cTn id="28" fill="hold">
-                            <p:stCondLst>
-                              <p:cond delay="0"/>
-                            </p:stCondLst>
-                            <p:childTnLst>
                               <p:par>
-                                <p:cTn id="29" presetID="1" presetClass="entr" presetSubtype="0" fill="hold" nodeType="clickEffect">
+                                <p:cTn id="25" presetID="1" presetClass="entr" presetSubtype="0" fill="hold" nodeType="withEffect">
                                   <p:stCondLst>
                                     <p:cond delay="0"/>
                                   </p:stCondLst>
                                   <p:childTnLst>
                                     <p:set>
                                       <p:cBhvr>
-                                        <p:cTn id="30" dur="1" fill="hold">
+                                        <p:cTn id="26" dur="1" fill="hold">
                                           <p:stCondLst>
                                             <p:cond delay="0"/>
                                           </p:stCondLst>
@@ -12339,33 +12285,15 @@
                                   </p:childTnLst>
                                 </p:cTn>
                               </p:par>
-                            </p:childTnLst>
-                          </p:cTn>
-                        </p:par>
-                      </p:childTnLst>
-                    </p:cTn>
-                  </p:par>
-                  <p:par>
-                    <p:cTn id="31" fill="hold">
-                      <p:stCondLst>
-                        <p:cond delay="indefinite"/>
-                      </p:stCondLst>
-                      <p:childTnLst>
-                        <p:par>
-                          <p:cTn id="32" fill="hold">
-                            <p:stCondLst>
-                              <p:cond delay="0"/>
-                            </p:stCondLst>
-                            <p:childTnLst>
                               <p:par>
-                                <p:cTn id="33" presetID="1" presetClass="entr" presetSubtype="0" fill="hold" nodeType="clickEffect">
+                                <p:cTn id="27" presetID="1" presetClass="entr" presetSubtype="0" fill="hold" nodeType="withEffect">
                                   <p:stCondLst>
                                     <p:cond delay="0"/>
                                   </p:stCondLst>
                                   <p:childTnLst>
                                     <p:set>
                                       <p:cBhvr>
-                                        <p:cTn id="34" dur="1" fill="hold">
+                                        <p:cTn id="28" dur="1" fill="hold">
                                           <p:stCondLst>
                                             <p:cond delay="0"/>
                                           </p:stCondLst>
@@ -13184,33 +13112,15 @@
                                   </p:childTnLst>
                                 </p:cTn>
                               </p:par>
-                            </p:childTnLst>
-                          </p:cTn>
-                        </p:par>
-                      </p:childTnLst>
-                    </p:cTn>
-                  </p:par>
-                  <p:par>
-                    <p:cTn id="7" fill="hold">
-                      <p:stCondLst>
-                        <p:cond delay="indefinite"/>
-                      </p:stCondLst>
-                      <p:childTnLst>
-                        <p:par>
-                          <p:cTn id="8" fill="hold">
-                            <p:stCondLst>
-                              <p:cond delay="0"/>
-                            </p:stCondLst>
-                            <p:childTnLst>
                               <p:par>
-                                <p:cTn id="9" presetID="1" presetClass="entr" presetSubtype="0" fill="hold" nodeType="clickEffect">
+                                <p:cTn id="7" presetID="1" presetClass="entr" presetSubtype="0" fill="hold" nodeType="withEffect">
                                   <p:stCondLst>
                                     <p:cond delay="0"/>
                                   </p:stCondLst>
                                   <p:childTnLst>
                                     <p:set>
                                       <p:cBhvr>
-                                        <p:cTn id="10" dur="1" fill="hold">
+                                        <p:cTn id="8" dur="1" fill="hold">
                                           <p:stCondLst>
                                             <p:cond delay="0"/>
                                           </p:stCondLst>
@@ -13236,19 +13146,50 @@
                     </p:cTn>
                   </p:par>
                   <p:par>
-                    <p:cTn id="11" fill="hold">
+                    <p:cTn id="9" fill="hold">
                       <p:stCondLst>
                         <p:cond delay="indefinite"/>
                       </p:stCondLst>
                       <p:childTnLst>
                         <p:par>
-                          <p:cTn id="12" fill="hold">
+                          <p:cTn id="10" fill="hold">
                             <p:stCondLst>
                               <p:cond delay="0"/>
                             </p:stCondLst>
                             <p:childTnLst>
                               <p:par>
-                                <p:cTn id="13" presetID="1" presetClass="entr" presetSubtype="0" fill="hold" nodeType="clickEffect">
+                                <p:cTn id="11" presetID="1" presetClass="entr" presetSubtype="0" fill="hold" nodeType="clickEffect">
+                                  <p:stCondLst>
+                                    <p:cond delay="0"/>
+                                  </p:stCondLst>
+                                  <p:childTnLst>
+                                    <p:set>
+                                      <p:cBhvr>
+                                        <p:cTn id="12" dur="1" fill="hold">
+                                          <p:stCondLst>
+                                            <p:cond delay="0"/>
+                                          </p:stCondLst>
+                                        </p:cTn>
+                                        <p:tgtEl>
+                                          <p:spTgt spid="3">
+                                            <p:txEl>
+                                              <p:pRg st="3" end="3"/>
+                                            </p:txEl>
+                                          </p:spTgt>
+                                        </p:tgtEl>
+                                        <p:attrNameLst>
+                                          <p:attrName>style.visibility</p:attrName>
+                                        </p:attrNameLst>
+                                      </p:cBhvr>
+                                      <p:to>
+                                        <p:strVal val="visible"/>
+                                      </p:to>
+                                    </p:set>
+                                  </p:childTnLst>
+                                </p:cTn>
+                              </p:par>
+                              <p:par>
+                                <p:cTn id="13" presetID="1" presetClass="entr" presetSubtype="0" fill="hold" nodeType="withEffect">
                                   <p:stCondLst>
                                     <p:cond delay="0"/>
                                   </p:stCondLst>
@@ -13261,11 +13202,7 @@
                                           </p:stCondLst>
                                         </p:cTn>
                                         <p:tgtEl>
-                                          <p:spTgt spid="3">
-                                            <p:txEl>
-                                              <p:pRg st="3" end="3"/>
-                                            </p:txEl>
-                                          </p:spTgt>
+                                          <p:spTgt spid="5"/>
                                         </p:tgtEl>
                                         <p:attrNameLst>
                                           <p:attrName>style.visibility</p:attrName>
@@ -13310,51 +13247,6 @@
                                           </p:stCondLst>
                                         </p:cTn>
                                         <p:tgtEl>
-                                          <p:spTgt spid="5"/>
-                                        </p:tgtEl>
-                                        <p:attrNameLst>
-                                          <p:attrName>style.visibility</p:attrName>
-                                        </p:attrNameLst>
-                                      </p:cBhvr>
-                                      <p:to>
-                                        <p:strVal val="visible"/>
-                                      </p:to>
-                                    </p:set>
-                                  </p:childTnLst>
-                                </p:cTn>
-                              </p:par>
-                            </p:childTnLst>
-                          </p:cTn>
-                        </p:par>
-                      </p:childTnLst>
-                    </p:cTn>
-                  </p:par>
-                  <p:par>
-                    <p:cTn id="19" fill="hold">
-                      <p:stCondLst>
-                        <p:cond delay="indefinite"/>
-                      </p:stCondLst>
-                      <p:childTnLst>
-                        <p:par>
-                          <p:cTn id="20" fill="hold">
-                            <p:stCondLst>
-                              <p:cond delay="0"/>
-                            </p:stCondLst>
-                            <p:childTnLst>
-                              <p:par>
-                                <p:cTn id="21" presetID="1" presetClass="entr" presetSubtype="0" fill="hold" nodeType="clickEffect">
-                                  <p:stCondLst>
-                                    <p:cond delay="0"/>
-                                  </p:stCondLst>
-                                  <p:childTnLst>
-                                    <p:set>
-                                      <p:cBhvr>
-                                        <p:cTn id="22" dur="1" fill="hold">
-                                          <p:stCondLst>
-                                            <p:cond delay="0"/>
-                                          </p:stCondLst>
-                                        </p:cTn>
-                                        <p:tgtEl>
                                           <p:spTgt spid="3">
                                             <p:txEl>
                                               <p:pRg st="5" end="5"/>
@@ -13372,33 +13264,15 @@
                                   </p:childTnLst>
                                 </p:cTn>
                               </p:par>
-                            </p:childTnLst>
-                          </p:cTn>
-                        </p:par>
-                      </p:childTnLst>
-                    </p:cTn>
-                  </p:par>
-                  <p:par>
-                    <p:cTn id="23" fill="hold">
-                      <p:stCondLst>
-                        <p:cond delay="indefinite"/>
-                      </p:stCondLst>
-                      <p:childTnLst>
-                        <p:par>
-                          <p:cTn id="24" fill="hold">
-                            <p:stCondLst>
-                              <p:cond delay="0"/>
-                            </p:stCondLst>
-                            <p:childTnLst>
                               <p:par>
-                                <p:cTn id="25" presetID="1" presetClass="entr" presetSubtype="0" fill="hold" nodeType="clickEffect">
+                                <p:cTn id="19" presetID="1" presetClass="entr" presetSubtype="0" fill="hold" nodeType="withEffect">
                                   <p:stCondLst>
                                     <p:cond delay="0"/>
                                   </p:stCondLst>
                                   <p:childTnLst>
                                     <p:set>
                                       <p:cBhvr>
-                                        <p:cTn id="26" dur="1" fill="hold">
+                                        <p:cTn id="20" dur="1" fill="hold">
                                           <p:stCondLst>
                                             <p:cond delay="0"/>
                                           </p:stCondLst>
@@ -13422,14 +13296,14 @@
                                 </p:cTn>
                               </p:par>
                               <p:par>
-                                <p:cTn id="27" presetID="1" presetClass="entr" presetSubtype="0" fill="hold" nodeType="withEffect">
+                                <p:cTn id="21" presetID="1" presetClass="entr" presetSubtype="0" fill="hold" nodeType="withEffect">
                                   <p:stCondLst>
                                     <p:cond delay="0"/>
                                   </p:stCondLst>
                                   <p:childTnLst>
                                     <p:set>
                                       <p:cBhvr>
-                                        <p:cTn id="28" dur="1" fill="hold">
+                                        <p:cTn id="22" dur="1" fill="hold">
                                           <p:stCondLst>
                                             <p:cond delay="0"/>
                                           </p:stCondLst>
@@ -13448,33 +13322,15 @@
                                   </p:childTnLst>
                                 </p:cTn>
                               </p:par>
-                            </p:childTnLst>
-                          </p:cTn>
-                        </p:par>
-                      </p:childTnLst>
-                    </p:cTn>
-                  </p:par>
-                  <p:par>
-                    <p:cTn id="29" fill="hold">
-                      <p:stCondLst>
-                        <p:cond delay="indefinite"/>
-                      </p:stCondLst>
-                      <p:childTnLst>
-                        <p:par>
-                          <p:cTn id="30" fill="hold">
-                            <p:stCondLst>
-                              <p:cond delay="0"/>
-                            </p:stCondLst>
-                            <p:childTnLst>
                               <p:par>
-                                <p:cTn id="31" presetID="1" presetClass="entr" presetSubtype="0" fill="hold" nodeType="clickEffect">
+                                <p:cTn id="23" presetID="1" presetClass="entr" presetSubtype="0" fill="hold" nodeType="withEffect">
                                   <p:stCondLst>
                                     <p:cond delay="0"/>
                                   </p:stCondLst>
                                   <p:childTnLst>
                                     <p:set>
                                       <p:cBhvr>
-                                        <p:cTn id="32" dur="1" fill="hold">
+                                        <p:cTn id="24" dur="1" fill="hold">
                                           <p:stCondLst>
                                             <p:cond delay="0"/>
                                           </p:stCondLst>
@@ -13504,26 +13360,26 @@
                     </p:cTn>
                   </p:par>
                   <p:par>
-                    <p:cTn id="33" fill="hold">
+                    <p:cTn id="25" fill="hold">
                       <p:stCondLst>
                         <p:cond delay="indefinite"/>
                       </p:stCondLst>
                       <p:childTnLst>
                         <p:par>
-                          <p:cTn id="34" fill="hold">
+                          <p:cTn id="26" fill="hold">
                             <p:stCondLst>
                               <p:cond delay="0"/>
                             </p:stCondLst>
                             <p:childTnLst>
                               <p:par>
-                                <p:cTn id="35" presetID="1" presetClass="entr" presetSubtype="0" fill="hold" nodeType="clickEffect">
+                                <p:cTn id="27" presetID="1" presetClass="entr" presetSubtype="0" fill="hold" nodeType="clickEffect">
                                   <p:stCondLst>
                                     <p:cond delay="0"/>
                                   </p:stCondLst>
                                   <p:childTnLst>
                                     <p:set>
                                       <p:cBhvr>
-                                        <p:cTn id="36" dur="1" fill="hold">
+                                        <p:cTn id="28" dur="1" fill="hold">
                                           <p:stCondLst>
                                             <p:cond delay="0"/>
                                           </p:stCondLst>
@@ -13854,33 +13710,15 @@
                                   </p:childTnLst>
                                 </p:cTn>
                               </p:par>
-                            </p:childTnLst>
-                          </p:cTn>
-                        </p:par>
-                      </p:childTnLst>
-                    </p:cTn>
-                  </p:par>
-                  <p:par>
-                    <p:cTn id="7" fill="hold">
-                      <p:stCondLst>
-                        <p:cond delay="indefinite"/>
-                      </p:stCondLst>
-                      <p:childTnLst>
-                        <p:par>
-                          <p:cTn id="8" fill="hold">
-                            <p:stCondLst>
-                              <p:cond delay="0"/>
-                            </p:stCondLst>
-                            <p:childTnLst>
                               <p:par>
-                                <p:cTn id="9" presetID="1" presetClass="entr" presetSubtype="0" fill="hold" nodeType="clickEffect">
+                                <p:cTn id="7" presetID="1" presetClass="entr" presetSubtype="0" fill="hold" nodeType="withEffect">
                                   <p:stCondLst>
                                     <p:cond delay="0"/>
                                   </p:stCondLst>
                                   <p:childTnLst>
                                     <p:set>
                                       <p:cBhvr>
-                                        <p:cTn id="10" dur="1" fill="hold">
+                                        <p:cTn id="8" dur="1" fill="hold">
                                           <p:stCondLst>
                                             <p:cond delay="0"/>
                                           </p:stCondLst>
@@ -13910,26 +13748,26 @@
                     </p:cTn>
                   </p:par>
                   <p:par>
-                    <p:cTn id="11" fill="hold">
+                    <p:cTn id="9" fill="hold">
                       <p:stCondLst>
                         <p:cond delay="indefinite"/>
                       </p:stCondLst>
                       <p:childTnLst>
                         <p:par>
-                          <p:cTn id="12" fill="hold">
+                          <p:cTn id="10" fill="hold">
                             <p:stCondLst>
                               <p:cond delay="0"/>
                             </p:stCondLst>
                             <p:childTnLst>
                               <p:par>
-                                <p:cTn id="13" presetID="1" presetClass="entr" presetSubtype="0" fill="hold" nodeType="clickEffect">
+                                <p:cTn id="11" presetID="1" presetClass="entr" presetSubtype="0" fill="hold" nodeType="clickEffect">
                                   <p:stCondLst>
                                     <p:cond delay="0"/>
                                   </p:stCondLst>
                                   <p:childTnLst>
                                     <p:set>
                                       <p:cBhvr>
-                                        <p:cTn id="14" dur="1" fill="hold">
+                                        <p:cTn id="12" dur="1" fill="hold">
                                           <p:stCondLst>
                                             <p:cond delay="0"/>
                                           </p:stCondLst>
@@ -13959,26 +13797,26 @@
                     </p:cTn>
                   </p:par>
                   <p:par>
-                    <p:cTn id="15" fill="hold">
+                    <p:cTn id="13" fill="hold">
                       <p:stCondLst>
                         <p:cond delay="indefinite"/>
                       </p:stCondLst>
                       <p:childTnLst>
                         <p:par>
-                          <p:cTn id="16" fill="hold">
+                          <p:cTn id="14" fill="hold">
                             <p:stCondLst>
                               <p:cond delay="0"/>
                             </p:stCondLst>
                             <p:childTnLst>
                               <p:par>
-                                <p:cTn id="17" presetID="1" presetClass="entr" presetSubtype="0" fill="hold" nodeType="clickEffect">
+                                <p:cTn id="15" presetID="1" presetClass="entr" presetSubtype="0" fill="hold" nodeType="clickEffect">
                                   <p:stCondLst>
                                     <p:cond delay="0"/>
                                   </p:stCondLst>
                                   <p:childTnLst>
                                     <p:set>
                                       <p:cBhvr>
-                                        <p:cTn id="18" dur="1" fill="hold">
+                                        <p:cTn id="16" dur="1" fill="hold">
                                           <p:stCondLst>
                                             <p:cond delay="0"/>
                                           </p:stCondLst>
@@ -14008,26 +13846,26 @@
                     </p:cTn>
                   </p:par>
                   <p:par>
-                    <p:cTn id="19" fill="hold">
+                    <p:cTn id="17" fill="hold">
                       <p:stCondLst>
                         <p:cond delay="indefinite"/>
                       </p:stCondLst>
                       <p:childTnLst>
                         <p:par>
-                          <p:cTn id="20" fill="hold">
+                          <p:cTn id="18" fill="hold">
                             <p:stCondLst>
                               <p:cond delay="0"/>
                             </p:stCondLst>
                             <p:childTnLst>
                               <p:par>
-                                <p:cTn id="21" presetID="1" presetClass="entr" presetSubtype="0" fill="hold" nodeType="clickEffect">
+                                <p:cTn id="19" presetID="1" presetClass="entr" presetSubtype="0" fill="hold" nodeType="clickEffect">
                                   <p:stCondLst>
                                     <p:cond delay="0"/>
                                   </p:stCondLst>
                                   <p:childTnLst>
                                     <p:set>
                                       <p:cBhvr>
-                                        <p:cTn id="22" dur="1" fill="hold">
+                                        <p:cTn id="20" dur="1" fill="hold">
                                           <p:stCondLst>
                                             <p:cond delay="0"/>
                                           </p:stCondLst>
@@ -14426,33 +14264,15 @@
                                   </p:childTnLst>
                                 </p:cTn>
                               </p:par>
-                            </p:childTnLst>
-                          </p:cTn>
-                        </p:par>
-                      </p:childTnLst>
-                    </p:cTn>
-                  </p:par>
-                  <p:par>
-                    <p:cTn id="11" fill="hold">
-                      <p:stCondLst>
-                        <p:cond delay="indefinite"/>
-                      </p:stCondLst>
-                      <p:childTnLst>
-                        <p:par>
-                          <p:cTn id="12" fill="hold">
-                            <p:stCondLst>
-                              <p:cond delay="0"/>
-                            </p:stCondLst>
-                            <p:childTnLst>
                               <p:par>
-                                <p:cTn id="13" presetID="1" presetClass="entr" presetSubtype="0" fill="hold" nodeType="clickEffect">
+                                <p:cTn id="11" presetID="1" presetClass="entr" presetSubtype="0" fill="hold" nodeType="withEffect">
                                   <p:stCondLst>
                                     <p:cond delay="0"/>
                                   </p:stCondLst>
                                   <p:childTnLst>
                                     <p:set>
                                       <p:cBhvr>
-                                        <p:cTn id="14" dur="1" fill="hold">
+                                        <p:cTn id="12" dur="1" fill="hold">
                                           <p:stCondLst>
                                             <p:cond delay="0"/>
                                           </p:stCondLst>
@@ -14478,19 +14298,50 @@
                     </p:cTn>
                   </p:par>
                   <p:par>
-                    <p:cTn id="15" fill="hold">
+                    <p:cTn id="13" fill="hold">
                       <p:stCondLst>
                         <p:cond delay="indefinite"/>
                       </p:stCondLst>
                       <p:childTnLst>
                         <p:par>
-                          <p:cTn id="16" fill="hold">
+                          <p:cTn id="14" fill="hold">
                             <p:stCondLst>
                               <p:cond delay="0"/>
                             </p:stCondLst>
                             <p:childTnLst>
                               <p:par>
-                                <p:cTn id="17" presetID="1" presetClass="entr" presetSubtype="0" fill="hold" grpId="0" nodeType="clickEffect">
+                                <p:cTn id="15" presetID="1" presetClass="entr" presetSubtype="0" fill="hold" grpId="0" nodeType="clickEffect">
+                                  <p:stCondLst>
+                                    <p:cond delay="0"/>
+                                  </p:stCondLst>
+                                  <p:childTnLst>
+                                    <p:set>
+                                      <p:cBhvr>
+                                        <p:cTn id="16" dur="1" fill="hold">
+                                          <p:stCondLst>
+                                            <p:cond delay="0"/>
+                                          </p:stCondLst>
+                                        </p:cTn>
+                                        <p:tgtEl>
+                                          <p:spTgt spid="3">
+                                            <p:txEl>
+                                              <p:pRg st="3" end="3"/>
+                                            </p:txEl>
+                                          </p:spTgt>
+                                        </p:tgtEl>
+                                        <p:attrNameLst>
+                                          <p:attrName>style.visibility</p:attrName>
+                                        </p:attrNameLst>
+                                      </p:cBhvr>
+                                      <p:to>
+                                        <p:strVal val="visible"/>
+                                      </p:to>
+                                    </p:set>
+                                  </p:childTnLst>
+                                </p:cTn>
+                              </p:par>
+                              <p:par>
+                                <p:cTn id="17" presetID="1" presetClass="entr" presetSubtype="0" fill="hold" nodeType="withEffect">
                                   <p:stCondLst>
                                     <p:cond delay="0"/>
                                   </p:stCondLst>
@@ -14503,11 +14354,7 @@
                                           </p:stCondLst>
                                         </p:cTn>
                                         <p:tgtEl>
-                                          <p:spTgt spid="3">
-                                            <p:txEl>
-                                              <p:pRg st="3" end="3"/>
-                                            </p:txEl>
-                                          </p:spTgt>
+                                          <p:spTgt spid="5"/>
                                         </p:tgtEl>
                                         <p:attrNameLst>
                                           <p:attrName>style.visibility</p:attrName>
@@ -14539,7 +14386,7 @@
                             </p:stCondLst>
                             <p:childTnLst>
                               <p:par>
-                                <p:cTn id="21" presetID="1" presetClass="entr" presetSubtype="0" fill="hold" nodeType="clickEffect">
+                                <p:cTn id="21" presetID="1" presetClass="entr" presetSubtype="0" fill="hold" grpId="0" nodeType="clickEffect">
                                   <p:stCondLst>
                                     <p:cond delay="0"/>
                                   </p:stCondLst>
@@ -14547,51 +14394,6 @@
                                     <p:set>
                                       <p:cBhvr>
                                         <p:cTn id="22" dur="1" fill="hold">
-                                          <p:stCondLst>
-                                            <p:cond delay="0"/>
-                                          </p:stCondLst>
-                                        </p:cTn>
-                                        <p:tgtEl>
-                                          <p:spTgt spid="5"/>
-                                        </p:tgtEl>
-                                        <p:attrNameLst>
-                                          <p:attrName>style.visibility</p:attrName>
-                                        </p:attrNameLst>
-                                      </p:cBhvr>
-                                      <p:to>
-                                        <p:strVal val="visible"/>
-                                      </p:to>
-                                    </p:set>
-                                  </p:childTnLst>
-                                </p:cTn>
-                              </p:par>
-                            </p:childTnLst>
-                          </p:cTn>
-                        </p:par>
-                      </p:childTnLst>
-                    </p:cTn>
-                  </p:par>
-                  <p:par>
-                    <p:cTn id="23" fill="hold">
-                      <p:stCondLst>
-                        <p:cond delay="indefinite"/>
-                      </p:stCondLst>
-                      <p:childTnLst>
-                        <p:par>
-                          <p:cTn id="24" fill="hold">
-                            <p:stCondLst>
-                              <p:cond delay="0"/>
-                            </p:stCondLst>
-                            <p:childTnLst>
-                              <p:par>
-                                <p:cTn id="25" presetID="1" presetClass="entr" presetSubtype="0" fill="hold" grpId="0" nodeType="clickEffect">
-                                  <p:stCondLst>
-                                    <p:cond delay="0"/>
-                                  </p:stCondLst>
-                                  <p:childTnLst>
-                                    <p:set>
-                                      <p:cBhvr>
-                                        <p:cTn id="26" dur="1" fill="hold">
                                           <p:stCondLst>
                                             <p:cond delay="0"/>
                                           </p:stCondLst>
@@ -14614,33 +14416,15 @@
                                   </p:childTnLst>
                                 </p:cTn>
                               </p:par>
-                            </p:childTnLst>
-                          </p:cTn>
-                        </p:par>
-                      </p:childTnLst>
-                    </p:cTn>
-                  </p:par>
-                  <p:par>
-                    <p:cTn id="27" fill="hold">
-                      <p:stCondLst>
-                        <p:cond delay="indefinite"/>
-                      </p:stCondLst>
-                      <p:childTnLst>
-                        <p:par>
-                          <p:cTn id="28" fill="hold">
-                            <p:stCondLst>
-                              <p:cond delay="0"/>
-                            </p:stCondLst>
-                            <p:childTnLst>
                               <p:par>
-                                <p:cTn id="29" presetID="1" presetClass="entr" presetSubtype="0" fill="hold" nodeType="clickEffect">
+                                <p:cTn id="23" presetID="1" presetClass="entr" presetSubtype="0" fill="hold" nodeType="withEffect">
                                   <p:stCondLst>
                                     <p:cond delay="0"/>
                                   </p:stCondLst>
                                   <p:childTnLst>
                                     <p:set>
                                       <p:cBhvr>
-                                        <p:cTn id="30" dur="1" fill="hold">
+                                        <p:cTn id="24" dur="1" fill="hold">
                                           <p:stCondLst>
                                             <p:cond delay="0"/>
                                           </p:stCondLst>
